--- a/design.pptx
+++ b/design.pptx
@@ -104,6 +104,11 @@
       </a:defRPr>
     </a:lvl9pPr>
   </p:defaultTextStyle>
+  <p:extLst>
+    <p:ext uri="{EFAFB233-063F-42B5-8137-9DF3F51BA10A}">
+      <p15:sldGuideLst xmlns:p15="http://schemas.microsoft.com/office/powerpoint/2012/main"/>
+    </p:ext>
+  </p:extLst>
 </p:presentation>
 </file>
 
@@ -129,7 +134,7 @@
           <p:cNvPr id="2" name="标题 1">
             <a:extLst>
               <a:ext uri="{FF2B5EF4-FFF2-40B4-BE49-F238E27FC236}">
-                <a16:creationId xmlns:a16="http://schemas.microsoft.com/office/drawing/2014/main" id="{B8934491-270E-4046-AE73-10A9EA260199}"/>
+                <a16:creationId xmlns:a16="http://schemas.microsoft.com/office/drawing/2014/main" id="{17BDC846-FFF8-4B06-95DD-7D634CF57267}"/>
               </a:ext>
             </a:extLst>
           </p:cNvPr>
@@ -166,7 +171,7 @@
           <p:cNvPr id="3" name="副标题 2">
             <a:extLst>
               <a:ext uri="{FF2B5EF4-FFF2-40B4-BE49-F238E27FC236}">
-                <a16:creationId xmlns:a16="http://schemas.microsoft.com/office/drawing/2014/main" id="{886A2DDD-463B-47A0-9C64-A5B34EF26AF5}"/>
+                <a16:creationId xmlns:a16="http://schemas.microsoft.com/office/drawing/2014/main" id="{21760B45-87BF-41E9-980B-083075C45496}"/>
               </a:ext>
             </a:extLst>
           </p:cNvPr>
@@ -236,7 +241,7 @@
           <p:cNvPr id="4" name="日期占位符 3">
             <a:extLst>
               <a:ext uri="{FF2B5EF4-FFF2-40B4-BE49-F238E27FC236}">
-                <a16:creationId xmlns:a16="http://schemas.microsoft.com/office/drawing/2014/main" id="{FC7B184F-378B-4140-ADBE-56EDFB3C46A4}"/>
+                <a16:creationId xmlns:a16="http://schemas.microsoft.com/office/drawing/2014/main" id="{23F569CC-2950-4BB2-88D8-50BDDC31A0E9}"/>
               </a:ext>
             </a:extLst>
           </p:cNvPr>
@@ -252,9 +257,9 @@
           <a:bodyPr/>
           <a:lstStyle/>
           <a:p>
-            <a:fld id="{4AA5A569-69B6-44CC-90F0-2EC4FFD95DA9}" type="datetimeFigureOut">
+            <a:fld id="{F51883EF-877C-43E5-8D6B-2ED6FBCFF232}" type="datetimeFigureOut">
               <a:rPr lang="zh-CN" altLang="en-US" smtClean="0"/>
-              <a:t>2021/11/13</a:t>
+              <a:t>2021/12/18</a:t>
             </a:fld>
             <a:endParaRPr lang="zh-CN" altLang="en-US"/>
           </a:p>
@@ -265,7 +270,7 @@
           <p:cNvPr id="5" name="页脚占位符 4">
             <a:extLst>
               <a:ext uri="{FF2B5EF4-FFF2-40B4-BE49-F238E27FC236}">
-                <a16:creationId xmlns:a16="http://schemas.microsoft.com/office/drawing/2014/main" id="{D6863415-8F1C-4C0C-9444-ADD8D65E3655}"/>
+                <a16:creationId xmlns:a16="http://schemas.microsoft.com/office/drawing/2014/main" id="{2253C1D6-BA88-4231-BA4D-23C1D302CF0F}"/>
               </a:ext>
             </a:extLst>
           </p:cNvPr>
@@ -290,7 +295,7 @@
           <p:cNvPr id="6" name="灯片编号占位符 5">
             <a:extLst>
               <a:ext uri="{FF2B5EF4-FFF2-40B4-BE49-F238E27FC236}">
-                <a16:creationId xmlns:a16="http://schemas.microsoft.com/office/drawing/2014/main" id="{B6C8F8F5-50B1-4DAD-83E5-F569DA884587}"/>
+                <a16:creationId xmlns:a16="http://schemas.microsoft.com/office/drawing/2014/main" id="{5E57D4CB-FF24-43D4-B4D2-B177738728D6}"/>
               </a:ext>
             </a:extLst>
           </p:cNvPr>
@@ -306,7 +311,7 @@
           <a:bodyPr/>
           <a:lstStyle/>
           <a:p>
-            <a:fld id="{689C32E2-BD90-4D2C-B50E-A514E85D5AEE}" type="slidenum">
+            <a:fld id="{440359FE-218F-454C-A97F-CF3F990C2F7C}" type="slidenum">
               <a:rPr lang="zh-CN" altLang="en-US" smtClean="0"/>
               <a:t>‹#›</a:t>
             </a:fld>
@@ -317,7 +322,7 @@
     </p:spTree>
     <p:extLst>
       <p:ext uri="{BB962C8B-B14F-4D97-AF65-F5344CB8AC3E}">
-        <p14:creationId xmlns:p14="http://schemas.microsoft.com/office/powerpoint/2010/main" val="4141568979"/>
+        <p14:creationId xmlns:p14="http://schemas.microsoft.com/office/powerpoint/2010/main" val="3242500390"/>
       </p:ext>
     </p:extLst>
   </p:cSld>
@@ -349,7 +354,7 @@
           <p:cNvPr id="2" name="标题 1">
             <a:extLst>
               <a:ext uri="{FF2B5EF4-FFF2-40B4-BE49-F238E27FC236}">
-                <a16:creationId xmlns:a16="http://schemas.microsoft.com/office/drawing/2014/main" id="{59076129-5222-4385-9635-21693575B968}"/>
+                <a16:creationId xmlns:a16="http://schemas.microsoft.com/office/drawing/2014/main" id="{185DA1A0-9BC7-4E9F-9431-B1615713178C}"/>
               </a:ext>
             </a:extLst>
           </p:cNvPr>
@@ -377,7 +382,7 @@
           <p:cNvPr id="3" name="竖排文字占位符 2">
             <a:extLst>
               <a:ext uri="{FF2B5EF4-FFF2-40B4-BE49-F238E27FC236}">
-                <a16:creationId xmlns:a16="http://schemas.microsoft.com/office/drawing/2014/main" id="{5581FD87-664A-4B0E-A0EE-507B65124449}"/>
+                <a16:creationId xmlns:a16="http://schemas.microsoft.com/office/drawing/2014/main" id="{6BAC7F9B-A1A0-4C41-80F2-4558A93E58A6}"/>
               </a:ext>
             </a:extLst>
           </p:cNvPr>
@@ -434,7 +439,7 @@
           <p:cNvPr id="4" name="日期占位符 3">
             <a:extLst>
               <a:ext uri="{FF2B5EF4-FFF2-40B4-BE49-F238E27FC236}">
-                <a16:creationId xmlns:a16="http://schemas.microsoft.com/office/drawing/2014/main" id="{2AC2FC7F-30B8-40D7-BC77-FF9B1024E83C}"/>
+                <a16:creationId xmlns:a16="http://schemas.microsoft.com/office/drawing/2014/main" id="{6305F2BD-5B90-42FB-88C3-AB2F59A91B5F}"/>
               </a:ext>
             </a:extLst>
           </p:cNvPr>
@@ -450,9 +455,9 @@
           <a:bodyPr/>
           <a:lstStyle/>
           <a:p>
-            <a:fld id="{4AA5A569-69B6-44CC-90F0-2EC4FFD95DA9}" type="datetimeFigureOut">
+            <a:fld id="{F51883EF-877C-43E5-8D6B-2ED6FBCFF232}" type="datetimeFigureOut">
               <a:rPr lang="zh-CN" altLang="en-US" smtClean="0"/>
-              <a:t>2021/11/13</a:t>
+              <a:t>2021/12/18</a:t>
             </a:fld>
             <a:endParaRPr lang="zh-CN" altLang="en-US"/>
           </a:p>
@@ -463,7 +468,7 @@
           <p:cNvPr id="5" name="页脚占位符 4">
             <a:extLst>
               <a:ext uri="{FF2B5EF4-FFF2-40B4-BE49-F238E27FC236}">
-                <a16:creationId xmlns:a16="http://schemas.microsoft.com/office/drawing/2014/main" id="{1CA3872E-3544-4BE3-8F47-C88322308E1A}"/>
+                <a16:creationId xmlns:a16="http://schemas.microsoft.com/office/drawing/2014/main" id="{FD268B95-735C-4298-8168-935EF713F664}"/>
               </a:ext>
             </a:extLst>
           </p:cNvPr>
@@ -488,7 +493,7 @@
           <p:cNvPr id="6" name="灯片编号占位符 5">
             <a:extLst>
               <a:ext uri="{FF2B5EF4-FFF2-40B4-BE49-F238E27FC236}">
-                <a16:creationId xmlns:a16="http://schemas.microsoft.com/office/drawing/2014/main" id="{DED23F7C-11EE-4217-8D11-A61CE1EB07F2}"/>
+                <a16:creationId xmlns:a16="http://schemas.microsoft.com/office/drawing/2014/main" id="{8EA52846-AB1F-4D70-BB41-4B78FAAE8F0C}"/>
               </a:ext>
             </a:extLst>
           </p:cNvPr>
@@ -504,7 +509,7 @@
           <a:bodyPr/>
           <a:lstStyle/>
           <a:p>
-            <a:fld id="{689C32E2-BD90-4D2C-B50E-A514E85D5AEE}" type="slidenum">
+            <a:fld id="{440359FE-218F-454C-A97F-CF3F990C2F7C}" type="slidenum">
               <a:rPr lang="zh-CN" altLang="en-US" smtClean="0"/>
               <a:t>‹#›</a:t>
             </a:fld>
@@ -515,7 +520,7 @@
     </p:spTree>
     <p:extLst>
       <p:ext uri="{BB962C8B-B14F-4D97-AF65-F5344CB8AC3E}">
-        <p14:creationId xmlns:p14="http://schemas.microsoft.com/office/powerpoint/2010/main" val="25701190"/>
+        <p14:creationId xmlns:p14="http://schemas.microsoft.com/office/powerpoint/2010/main" val="2242154432"/>
       </p:ext>
     </p:extLst>
   </p:cSld>
@@ -547,7 +552,7 @@
           <p:cNvPr id="2" name="竖排标题 1">
             <a:extLst>
               <a:ext uri="{FF2B5EF4-FFF2-40B4-BE49-F238E27FC236}">
-                <a16:creationId xmlns:a16="http://schemas.microsoft.com/office/drawing/2014/main" id="{C5D1A5A2-ED88-4A26-AA4C-E8252C9C29BD}"/>
+                <a16:creationId xmlns:a16="http://schemas.microsoft.com/office/drawing/2014/main" id="{1C0A4141-2318-4CD6-BB4B-9809DBB27A40}"/>
               </a:ext>
             </a:extLst>
           </p:cNvPr>
@@ -580,7 +585,7 @@
           <p:cNvPr id="3" name="竖排文字占位符 2">
             <a:extLst>
               <a:ext uri="{FF2B5EF4-FFF2-40B4-BE49-F238E27FC236}">
-                <a16:creationId xmlns:a16="http://schemas.microsoft.com/office/drawing/2014/main" id="{8B697EC5-45E5-46C6-B1E6-423089CE3892}"/>
+                <a16:creationId xmlns:a16="http://schemas.microsoft.com/office/drawing/2014/main" id="{BF6CA829-3AD9-4F2E-840B-A4D1F46DE168}"/>
               </a:ext>
             </a:extLst>
           </p:cNvPr>
@@ -642,7 +647,7 @@
           <p:cNvPr id="4" name="日期占位符 3">
             <a:extLst>
               <a:ext uri="{FF2B5EF4-FFF2-40B4-BE49-F238E27FC236}">
-                <a16:creationId xmlns:a16="http://schemas.microsoft.com/office/drawing/2014/main" id="{F3E0E5DC-DE5A-4BF8-B258-01A779B5B50C}"/>
+                <a16:creationId xmlns:a16="http://schemas.microsoft.com/office/drawing/2014/main" id="{B28D295F-220F-4100-870C-AA0C0941DCA4}"/>
               </a:ext>
             </a:extLst>
           </p:cNvPr>
@@ -658,9 +663,9 @@
           <a:bodyPr/>
           <a:lstStyle/>
           <a:p>
-            <a:fld id="{4AA5A569-69B6-44CC-90F0-2EC4FFD95DA9}" type="datetimeFigureOut">
+            <a:fld id="{F51883EF-877C-43E5-8D6B-2ED6FBCFF232}" type="datetimeFigureOut">
               <a:rPr lang="zh-CN" altLang="en-US" smtClean="0"/>
-              <a:t>2021/11/13</a:t>
+              <a:t>2021/12/18</a:t>
             </a:fld>
             <a:endParaRPr lang="zh-CN" altLang="en-US"/>
           </a:p>
@@ -671,7 +676,7 @@
           <p:cNvPr id="5" name="页脚占位符 4">
             <a:extLst>
               <a:ext uri="{FF2B5EF4-FFF2-40B4-BE49-F238E27FC236}">
-                <a16:creationId xmlns:a16="http://schemas.microsoft.com/office/drawing/2014/main" id="{5726BAAF-3B3B-4578-883E-1679CE3F23DB}"/>
+                <a16:creationId xmlns:a16="http://schemas.microsoft.com/office/drawing/2014/main" id="{C9059819-8FA5-4DF2-B7BD-393225A94D67}"/>
               </a:ext>
             </a:extLst>
           </p:cNvPr>
@@ -696,7 +701,7 @@
           <p:cNvPr id="6" name="灯片编号占位符 5">
             <a:extLst>
               <a:ext uri="{FF2B5EF4-FFF2-40B4-BE49-F238E27FC236}">
-                <a16:creationId xmlns:a16="http://schemas.microsoft.com/office/drawing/2014/main" id="{4F934F25-828B-4723-B7AD-7FB00F5B3916}"/>
+                <a16:creationId xmlns:a16="http://schemas.microsoft.com/office/drawing/2014/main" id="{8CFDAE79-985A-4A46-A3A5-8ECE1D342166}"/>
               </a:ext>
             </a:extLst>
           </p:cNvPr>
@@ -712,7 +717,7 @@
           <a:bodyPr/>
           <a:lstStyle/>
           <a:p>
-            <a:fld id="{689C32E2-BD90-4D2C-B50E-A514E85D5AEE}" type="slidenum">
+            <a:fld id="{440359FE-218F-454C-A97F-CF3F990C2F7C}" type="slidenum">
               <a:rPr lang="zh-CN" altLang="en-US" smtClean="0"/>
               <a:t>‹#›</a:t>
             </a:fld>
@@ -723,7 +728,7 @@
     </p:spTree>
     <p:extLst>
       <p:ext uri="{BB962C8B-B14F-4D97-AF65-F5344CB8AC3E}">
-        <p14:creationId xmlns:p14="http://schemas.microsoft.com/office/powerpoint/2010/main" val="2608688896"/>
+        <p14:creationId xmlns:p14="http://schemas.microsoft.com/office/powerpoint/2010/main" val="987286246"/>
       </p:ext>
     </p:extLst>
   </p:cSld>
@@ -755,7 +760,7 @@
           <p:cNvPr id="2" name="标题 1">
             <a:extLst>
               <a:ext uri="{FF2B5EF4-FFF2-40B4-BE49-F238E27FC236}">
-                <a16:creationId xmlns:a16="http://schemas.microsoft.com/office/drawing/2014/main" id="{9687AECF-E1E9-4949-B646-D8E26B4DA685}"/>
+                <a16:creationId xmlns:a16="http://schemas.microsoft.com/office/drawing/2014/main" id="{4826983E-C3BE-4A05-BAD1-35D17E97873A}"/>
               </a:ext>
             </a:extLst>
           </p:cNvPr>
@@ -783,7 +788,7 @@
           <p:cNvPr id="3" name="内容占位符 2">
             <a:extLst>
               <a:ext uri="{FF2B5EF4-FFF2-40B4-BE49-F238E27FC236}">
-                <a16:creationId xmlns:a16="http://schemas.microsoft.com/office/drawing/2014/main" id="{083702DC-E410-4046-A87E-B72E498FD38B}"/>
+                <a16:creationId xmlns:a16="http://schemas.microsoft.com/office/drawing/2014/main" id="{C43BD782-60D6-40C0-A5F1-58AD56E08950}"/>
               </a:ext>
             </a:extLst>
           </p:cNvPr>
@@ -840,7 +845,7 @@
           <p:cNvPr id="4" name="日期占位符 3">
             <a:extLst>
               <a:ext uri="{FF2B5EF4-FFF2-40B4-BE49-F238E27FC236}">
-                <a16:creationId xmlns:a16="http://schemas.microsoft.com/office/drawing/2014/main" id="{8A318CF9-B4A7-439C-91B8-EF32B102F13B}"/>
+                <a16:creationId xmlns:a16="http://schemas.microsoft.com/office/drawing/2014/main" id="{30209AA4-EE26-4B24-85FE-93050918A5E9}"/>
               </a:ext>
             </a:extLst>
           </p:cNvPr>
@@ -856,9 +861,9 @@
           <a:bodyPr/>
           <a:lstStyle/>
           <a:p>
-            <a:fld id="{4AA5A569-69B6-44CC-90F0-2EC4FFD95DA9}" type="datetimeFigureOut">
+            <a:fld id="{F51883EF-877C-43E5-8D6B-2ED6FBCFF232}" type="datetimeFigureOut">
               <a:rPr lang="zh-CN" altLang="en-US" smtClean="0"/>
-              <a:t>2021/11/13</a:t>
+              <a:t>2021/12/18</a:t>
             </a:fld>
             <a:endParaRPr lang="zh-CN" altLang="en-US"/>
           </a:p>
@@ -869,7 +874,7 @@
           <p:cNvPr id="5" name="页脚占位符 4">
             <a:extLst>
               <a:ext uri="{FF2B5EF4-FFF2-40B4-BE49-F238E27FC236}">
-                <a16:creationId xmlns:a16="http://schemas.microsoft.com/office/drawing/2014/main" id="{D3CB05A6-B411-4F76-A4F9-965B4888CD39}"/>
+                <a16:creationId xmlns:a16="http://schemas.microsoft.com/office/drawing/2014/main" id="{34A05E8D-5793-4D5A-91FA-82AC21729070}"/>
               </a:ext>
             </a:extLst>
           </p:cNvPr>
@@ -894,7 +899,7 @@
           <p:cNvPr id="6" name="灯片编号占位符 5">
             <a:extLst>
               <a:ext uri="{FF2B5EF4-FFF2-40B4-BE49-F238E27FC236}">
-                <a16:creationId xmlns:a16="http://schemas.microsoft.com/office/drawing/2014/main" id="{C4AF7A2B-1EBE-4256-BBE3-FD3D29E40791}"/>
+                <a16:creationId xmlns:a16="http://schemas.microsoft.com/office/drawing/2014/main" id="{5E38BD8E-5CA8-4687-9325-2EA2D3852BAF}"/>
               </a:ext>
             </a:extLst>
           </p:cNvPr>
@@ -910,7 +915,7 @@
           <a:bodyPr/>
           <a:lstStyle/>
           <a:p>
-            <a:fld id="{689C32E2-BD90-4D2C-B50E-A514E85D5AEE}" type="slidenum">
+            <a:fld id="{440359FE-218F-454C-A97F-CF3F990C2F7C}" type="slidenum">
               <a:rPr lang="zh-CN" altLang="en-US" smtClean="0"/>
               <a:t>‹#›</a:t>
             </a:fld>
@@ -921,7 +926,7 @@
     </p:spTree>
     <p:extLst>
       <p:ext uri="{BB962C8B-B14F-4D97-AF65-F5344CB8AC3E}">
-        <p14:creationId xmlns:p14="http://schemas.microsoft.com/office/powerpoint/2010/main" val="644891786"/>
+        <p14:creationId xmlns:p14="http://schemas.microsoft.com/office/powerpoint/2010/main" val="3528652501"/>
       </p:ext>
     </p:extLst>
   </p:cSld>
@@ -953,7 +958,7 @@
           <p:cNvPr id="2" name="标题 1">
             <a:extLst>
               <a:ext uri="{FF2B5EF4-FFF2-40B4-BE49-F238E27FC236}">
-                <a16:creationId xmlns:a16="http://schemas.microsoft.com/office/drawing/2014/main" id="{BA77AA3F-C05C-41E1-BA30-A824AD1F0ECE}"/>
+                <a16:creationId xmlns:a16="http://schemas.microsoft.com/office/drawing/2014/main" id="{A4087832-D65E-40E4-B0E8-01DD619DAEBF}"/>
               </a:ext>
             </a:extLst>
           </p:cNvPr>
@@ -990,7 +995,7 @@
           <p:cNvPr id="3" name="文本占位符 2">
             <a:extLst>
               <a:ext uri="{FF2B5EF4-FFF2-40B4-BE49-F238E27FC236}">
-                <a16:creationId xmlns:a16="http://schemas.microsoft.com/office/drawing/2014/main" id="{73D1D1B8-D982-4939-A575-F48EE9A07DF4}"/>
+                <a16:creationId xmlns:a16="http://schemas.microsoft.com/office/drawing/2014/main" id="{4320D84C-3A76-46A0-93C0-5C917501AD8B}"/>
               </a:ext>
             </a:extLst>
           </p:cNvPr>
@@ -1115,7 +1120,7 @@
           <p:cNvPr id="4" name="日期占位符 3">
             <a:extLst>
               <a:ext uri="{FF2B5EF4-FFF2-40B4-BE49-F238E27FC236}">
-                <a16:creationId xmlns:a16="http://schemas.microsoft.com/office/drawing/2014/main" id="{967B6C2B-9C86-440C-BC88-FBC3BA85B577}"/>
+                <a16:creationId xmlns:a16="http://schemas.microsoft.com/office/drawing/2014/main" id="{0C0A2934-A1A1-462B-B0E0-59A03E665306}"/>
               </a:ext>
             </a:extLst>
           </p:cNvPr>
@@ -1131,9 +1136,9 @@
           <a:bodyPr/>
           <a:lstStyle/>
           <a:p>
-            <a:fld id="{4AA5A569-69B6-44CC-90F0-2EC4FFD95DA9}" type="datetimeFigureOut">
+            <a:fld id="{F51883EF-877C-43E5-8D6B-2ED6FBCFF232}" type="datetimeFigureOut">
               <a:rPr lang="zh-CN" altLang="en-US" smtClean="0"/>
-              <a:t>2021/11/13</a:t>
+              <a:t>2021/12/18</a:t>
             </a:fld>
             <a:endParaRPr lang="zh-CN" altLang="en-US"/>
           </a:p>
@@ -1144,7 +1149,7 @@
           <p:cNvPr id="5" name="页脚占位符 4">
             <a:extLst>
               <a:ext uri="{FF2B5EF4-FFF2-40B4-BE49-F238E27FC236}">
-                <a16:creationId xmlns:a16="http://schemas.microsoft.com/office/drawing/2014/main" id="{6C342C2C-99C6-4C7A-A936-54C0BD5B93F7}"/>
+                <a16:creationId xmlns:a16="http://schemas.microsoft.com/office/drawing/2014/main" id="{53C4CE77-0C75-4991-AD23-91ED7CFCC9C7}"/>
               </a:ext>
             </a:extLst>
           </p:cNvPr>
@@ -1169,7 +1174,7 @@
           <p:cNvPr id="6" name="灯片编号占位符 5">
             <a:extLst>
               <a:ext uri="{FF2B5EF4-FFF2-40B4-BE49-F238E27FC236}">
-                <a16:creationId xmlns:a16="http://schemas.microsoft.com/office/drawing/2014/main" id="{AD0E24D2-0324-426B-936F-729DC9FA22CB}"/>
+                <a16:creationId xmlns:a16="http://schemas.microsoft.com/office/drawing/2014/main" id="{C29673DD-C4C2-47E2-B765-295341C490B8}"/>
               </a:ext>
             </a:extLst>
           </p:cNvPr>
@@ -1185,7 +1190,7 @@
           <a:bodyPr/>
           <a:lstStyle/>
           <a:p>
-            <a:fld id="{689C32E2-BD90-4D2C-B50E-A514E85D5AEE}" type="slidenum">
+            <a:fld id="{440359FE-218F-454C-A97F-CF3F990C2F7C}" type="slidenum">
               <a:rPr lang="zh-CN" altLang="en-US" smtClean="0"/>
               <a:t>‹#›</a:t>
             </a:fld>
@@ -1196,7 +1201,7 @@
     </p:spTree>
     <p:extLst>
       <p:ext uri="{BB962C8B-B14F-4D97-AF65-F5344CB8AC3E}">
-        <p14:creationId xmlns:p14="http://schemas.microsoft.com/office/powerpoint/2010/main" val="4188995499"/>
+        <p14:creationId xmlns:p14="http://schemas.microsoft.com/office/powerpoint/2010/main" val="639527851"/>
       </p:ext>
     </p:extLst>
   </p:cSld>
@@ -1228,7 +1233,7 @@
           <p:cNvPr id="2" name="标题 1">
             <a:extLst>
               <a:ext uri="{FF2B5EF4-FFF2-40B4-BE49-F238E27FC236}">
-                <a16:creationId xmlns:a16="http://schemas.microsoft.com/office/drawing/2014/main" id="{F98A3DDE-918F-4F99-87AC-D5E8FF720543}"/>
+                <a16:creationId xmlns:a16="http://schemas.microsoft.com/office/drawing/2014/main" id="{3798D509-365A-4C27-99EC-C8EF6D94BF86}"/>
               </a:ext>
             </a:extLst>
           </p:cNvPr>
@@ -1256,7 +1261,7 @@
           <p:cNvPr id="3" name="内容占位符 2">
             <a:extLst>
               <a:ext uri="{FF2B5EF4-FFF2-40B4-BE49-F238E27FC236}">
-                <a16:creationId xmlns:a16="http://schemas.microsoft.com/office/drawing/2014/main" id="{4D88B44E-A711-40BC-82FB-1D899800165B}"/>
+                <a16:creationId xmlns:a16="http://schemas.microsoft.com/office/drawing/2014/main" id="{E06E820B-5D09-4E16-A86B-9F07306FCCB7}"/>
               </a:ext>
             </a:extLst>
           </p:cNvPr>
@@ -1318,7 +1323,7 @@
           <p:cNvPr id="4" name="内容占位符 3">
             <a:extLst>
               <a:ext uri="{FF2B5EF4-FFF2-40B4-BE49-F238E27FC236}">
-                <a16:creationId xmlns:a16="http://schemas.microsoft.com/office/drawing/2014/main" id="{17B461A3-0701-441D-BB00-42D137817B55}"/>
+                <a16:creationId xmlns:a16="http://schemas.microsoft.com/office/drawing/2014/main" id="{D0DBB813-15EA-4B64-8DF3-3B3D63D243BC}"/>
               </a:ext>
             </a:extLst>
           </p:cNvPr>
@@ -1380,7 +1385,7 @@
           <p:cNvPr id="5" name="日期占位符 4">
             <a:extLst>
               <a:ext uri="{FF2B5EF4-FFF2-40B4-BE49-F238E27FC236}">
-                <a16:creationId xmlns:a16="http://schemas.microsoft.com/office/drawing/2014/main" id="{C9363D7B-0079-481B-80F2-CE7B75D667AA}"/>
+                <a16:creationId xmlns:a16="http://schemas.microsoft.com/office/drawing/2014/main" id="{DBADCA25-C827-43E8-9A0F-BEB7812FA01A}"/>
               </a:ext>
             </a:extLst>
           </p:cNvPr>
@@ -1396,9 +1401,9 @@
           <a:bodyPr/>
           <a:lstStyle/>
           <a:p>
-            <a:fld id="{4AA5A569-69B6-44CC-90F0-2EC4FFD95DA9}" type="datetimeFigureOut">
+            <a:fld id="{F51883EF-877C-43E5-8D6B-2ED6FBCFF232}" type="datetimeFigureOut">
               <a:rPr lang="zh-CN" altLang="en-US" smtClean="0"/>
-              <a:t>2021/11/13</a:t>
+              <a:t>2021/12/18</a:t>
             </a:fld>
             <a:endParaRPr lang="zh-CN" altLang="en-US"/>
           </a:p>
@@ -1409,7 +1414,7 @@
           <p:cNvPr id="6" name="页脚占位符 5">
             <a:extLst>
               <a:ext uri="{FF2B5EF4-FFF2-40B4-BE49-F238E27FC236}">
-                <a16:creationId xmlns:a16="http://schemas.microsoft.com/office/drawing/2014/main" id="{4CD90B06-2F8A-4605-8EA6-654A865E436A}"/>
+                <a16:creationId xmlns:a16="http://schemas.microsoft.com/office/drawing/2014/main" id="{30C7E6AD-CAA1-45F4-95B8-696BD7E77C27}"/>
               </a:ext>
             </a:extLst>
           </p:cNvPr>
@@ -1434,7 +1439,7 @@
           <p:cNvPr id="7" name="灯片编号占位符 6">
             <a:extLst>
               <a:ext uri="{FF2B5EF4-FFF2-40B4-BE49-F238E27FC236}">
-                <a16:creationId xmlns:a16="http://schemas.microsoft.com/office/drawing/2014/main" id="{F5A55A73-D97F-4D73-8F69-1E85294C2179}"/>
+                <a16:creationId xmlns:a16="http://schemas.microsoft.com/office/drawing/2014/main" id="{0880D09F-3CA2-412C-9057-85D2C03FB234}"/>
               </a:ext>
             </a:extLst>
           </p:cNvPr>
@@ -1450,7 +1455,7 @@
           <a:bodyPr/>
           <a:lstStyle/>
           <a:p>
-            <a:fld id="{689C32E2-BD90-4D2C-B50E-A514E85D5AEE}" type="slidenum">
+            <a:fld id="{440359FE-218F-454C-A97F-CF3F990C2F7C}" type="slidenum">
               <a:rPr lang="zh-CN" altLang="en-US" smtClean="0"/>
               <a:t>‹#›</a:t>
             </a:fld>
@@ -1461,7 +1466,7 @@
     </p:spTree>
     <p:extLst>
       <p:ext uri="{BB962C8B-B14F-4D97-AF65-F5344CB8AC3E}">
-        <p14:creationId xmlns:p14="http://schemas.microsoft.com/office/powerpoint/2010/main" val="452027462"/>
+        <p14:creationId xmlns:p14="http://schemas.microsoft.com/office/powerpoint/2010/main" val="4143293399"/>
       </p:ext>
     </p:extLst>
   </p:cSld>
@@ -1493,7 +1498,7 @@
           <p:cNvPr id="2" name="标题 1">
             <a:extLst>
               <a:ext uri="{FF2B5EF4-FFF2-40B4-BE49-F238E27FC236}">
-                <a16:creationId xmlns:a16="http://schemas.microsoft.com/office/drawing/2014/main" id="{AF2A25CE-D1B0-417E-8007-0ED1A3498DD2}"/>
+                <a16:creationId xmlns:a16="http://schemas.microsoft.com/office/drawing/2014/main" id="{3EA740B2-CBC8-4F26-8B7D-C3453356E39A}"/>
               </a:ext>
             </a:extLst>
           </p:cNvPr>
@@ -1526,7 +1531,7 @@
           <p:cNvPr id="3" name="文本占位符 2">
             <a:extLst>
               <a:ext uri="{FF2B5EF4-FFF2-40B4-BE49-F238E27FC236}">
-                <a16:creationId xmlns:a16="http://schemas.microsoft.com/office/drawing/2014/main" id="{AE055493-31A6-4710-8244-CBC970907A73}"/>
+                <a16:creationId xmlns:a16="http://schemas.microsoft.com/office/drawing/2014/main" id="{06181028-D667-4C72-A18D-5C81D8E86B57}"/>
               </a:ext>
             </a:extLst>
           </p:cNvPr>
@@ -1597,7 +1602,7 @@
           <p:cNvPr id="4" name="内容占位符 3">
             <a:extLst>
               <a:ext uri="{FF2B5EF4-FFF2-40B4-BE49-F238E27FC236}">
-                <a16:creationId xmlns:a16="http://schemas.microsoft.com/office/drawing/2014/main" id="{1576C82D-884F-4719-B2F5-BFF65546C62E}"/>
+                <a16:creationId xmlns:a16="http://schemas.microsoft.com/office/drawing/2014/main" id="{52019CA2-3028-43CF-B38A-CD1A88A52051}"/>
               </a:ext>
             </a:extLst>
           </p:cNvPr>
@@ -1659,7 +1664,7 @@
           <p:cNvPr id="5" name="文本占位符 4">
             <a:extLst>
               <a:ext uri="{FF2B5EF4-FFF2-40B4-BE49-F238E27FC236}">
-                <a16:creationId xmlns:a16="http://schemas.microsoft.com/office/drawing/2014/main" id="{8DA1BE1A-6C9D-4510-9848-046C7DA8193D}"/>
+                <a16:creationId xmlns:a16="http://schemas.microsoft.com/office/drawing/2014/main" id="{3A7C7B86-602F-433C-B84A-3296D0777E5C}"/>
               </a:ext>
             </a:extLst>
           </p:cNvPr>
@@ -1730,7 +1735,7 @@
           <p:cNvPr id="6" name="内容占位符 5">
             <a:extLst>
               <a:ext uri="{FF2B5EF4-FFF2-40B4-BE49-F238E27FC236}">
-                <a16:creationId xmlns:a16="http://schemas.microsoft.com/office/drawing/2014/main" id="{EB1ADBBE-9112-4891-9A82-A0D2E34A65A8}"/>
+                <a16:creationId xmlns:a16="http://schemas.microsoft.com/office/drawing/2014/main" id="{326D843E-FB4B-4AEF-A6A1-2C4B5F0A2193}"/>
               </a:ext>
             </a:extLst>
           </p:cNvPr>
@@ -1792,7 +1797,7 @@
           <p:cNvPr id="7" name="日期占位符 6">
             <a:extLst>
               <a:ext uri="{FF2B5EF4-FFF2-40B4-BE49-F238E27FC236}">
-                <a16:creationId xmlns:a16="http://schemas.microsoft.com/office/drawing/2014/main" id="{965F3A6D-043E-4A20-A48A-BCCC07CB62E6}"/>
+                <a16:creationId xmlns:a16="http://schemas.microsoft.com/office/drawing/2014/main" id="{CC909B0C-9281-4CB7-9A5A-3330A33AD099}"/>
               </a:ext>
             </a:extLst>
           </p:cNvPr>
@@ -1808,9 +1813,9 @@
           <a:bodyPr/>
           <a:lstStyle/>
           <a:p>
-            <a:fld id="{4AA5A569-69B6-44CC-90F0-2EC4FFD95DA9}" type="datetimeFigureOut">
+            <a:fld id="{F51883EF-877C-43E5-8D6B-2ED6FBCFF232}" type="datetimeFigureOut">
               <a:rPr lang="zh-CN" altLang="en-US" smtClean="0"/>
-              <a:t>2021/11/13</a:t>
+              <a:t>2021/12/18</a:t>
             </a:fld>
             <a:endParaRPr lang="zh-CN" altLang="en-US"/>
           </a:p>
@@ -1821,7 +1826,7 @@
           <p:cNvPr id="8" name="页脚占位符 7">
             <a:extLst>
               <a:ext uri="{FF2B5EF4-FFF2-40B4-BE49-F238E27FC236}">
-                <a16:creationId xmlns:a16="http://schemas.microsoft.com/office/drawing/2014/main" id="{59EC3FEF-B737-4C62-86A2-452FD062CA75}"/>
+                <a16:creationId xmlns:a16="http://schemas.microsoft.com/office/drawing/2014/main" id="{18092E93-B30B-4F76-81D7-6386EE450663}"/>
               </a:ext>
             </a:extLst>
           </p:cNvPr>
@@ -1846,7 +1851,7 @@
           <p:cNvPr id="9" name="灯片编号占位符 8">
             <a:extLst>
               <a:ext uri="{FF2B5EF4-FFF2-40B4-BE49-F238E27FC236}">
-                <a16:creationId xmlns:a16="http://schemas.microsoft.com/office/drawing/2014/main" id="{12ED3D6A-E4EF-4EF8-A4C3-79B0A8210E92}"/>
+                <a16:creationId xmlns:a16="http://schemas.microsoft.com/office/drawing/2014/main" id="{E628366D-9405-4D90-B308-B3DBB19FA892}"/>
               </a:ext>
             </a:extLst>
           </p:cNvPr>
@@ -1862,7 +1867,7 @@
           <a:bodyPr/>
           <a:lstStyle/>
           <a:p>
-            <a:fld id="{689C32E2-BD90-4D2C-B50E-A514E85D5AEE}" type="slidenum">
+            <a:fld id="{440359FE-218F-454C-A97F-CF3F990C2F7C}" type="slidenum">
               <a:rPr lang="zh-CN" altLang="en-US" smtClean="0"/>
               <a:t>‹#›</a:t>
             </a:fld>
@@ -1873,7 +1878,7 @@
     </p:spTree>
     <p:extLst>
       <p:ext uri="{BB962C8B-B14F-4D97-AF65-F5344CB8AC3E}">
-        <p14:creationId xmlns:p14="http://schemas.microsoft.com/office/powerpoint/2010/main" val="1979495141"/>
+        <p14:creationId xmlns:p14="http://schemas.microsoft.com/office/powerpoint/2010/main" val="1085200512"/>
       </p:ext>
     </p:extLst>
   </p:cSld>
@@ -1905,7 +1910,7 @@
           <p:cNvPr id="2" name="标题 1">
             <a:extLst>
               <a:ext uri="{FF2B5EF4-FFF2-40B4-BE49-F238E27FC236}">
-                <a16:creationId xmlns:a16="http://schemas.microsoft.com/office/drawing/2014/main" id="{A0E6E65D-AB49-49E5-B38C-8EE79BDFE56F}"/>
+                <a16:creationId xmlns:a16="http://schemas.microsoft.com/office/drawing/2014/main" id="{E5136A4D-097C-487D-B2A4-6BDE0AE4D506}"/>
               </a:ext>
             </a:extLst>
           </p:cNvPr>
@@ -1933,7 +1938,7 @@
           <p:cNvPr id="3" name="日期占位符 2">
             <a:extLst>
               <a:ext uri="{FF2B5EF4-FFF2-40B4-BE49-F238E27FC236}">
-                <a16:creationId xmlns:a16="http://schemas.microsoft.com/office/drawing/2014/main" id="{50845925-66E4-492A-AED2-F362574D2C64}"/>
+                <a16:creationId xmlns:a16="http://schemas.microsoft.com/office/drawing/2014/main" id="{9934113E-42B5-41F1-90CE-7309C05DCC93}"/>
               </a:ext>
             </a:extLst>
           </p:cNvPr>
@@ -1949,9 +1954,9 @@
           <a:bodyPr/>
           <a:lstStyle/>
           <a:p>
-            <a:fld id="{4AA5A569-69B6-44CC-90F0-2EC4FFD95DA9}" type="datetimeFigureOut">
+            <a:fld id="{F51883EF-877C-43E5-8D6B-2ED6FBCFF232}" type="datetimeFigureOut">
               <a:rPr lang="zh-CN" altLang="en-US" smtClean="0"/>
-              <a:t>2021/11/13</a:t>
+              <a:t>2021/12/18</a:t>
             </a:fld>
             <a:endParaRPr lang="zh-CN" altLang="en-US"/>
           </a:p>
@@ -1962,7 +1967,7 @@
           <p:cNvPr id="4" name="页脚占位符 3">
             <a:extLst>
               <a:ext uri="{FF2B5EF4-FFF2-40B4-BE49-F238E27FC236}">
-                <a16:creationId xmlns:a16="http://schemas.microsoft.com/office/drawing/2014/main" id="{D7AFA81D-42A8-48A6-8C98-B322141441D1}"/>
+                <a16:creationId xmlns:a16="http://schemas.microsoft.com/office/drawing/2014/main" id="{A905ABB4-E6BF-4FB8-A9D4-99549B701283}"/>
               </a:ext>
             </a:extLst>
           </p:cNvPr>
@@ -1987,7 +1992,7 @@
           <p:cNvPr id="5" name="灯片编号占位符 4">
             <a:extLst>
               <a:ext uri="{FF2B5EF4-FFF2-40B4-BE49-F238E27FC236}">
-                <a16:creationId xmlns:a16="http://schemas.microsoft.com/office/drawing/2014/main" id="{55416188-6449-4F78-B6C8-6C520FFA6DB8}"/>
+                <a16:creationId xmlns:a16="http://schemas.microsoft.com/office/drawing/2014/main" id="{33F81E87-7F3D-4707-8E75-4E5311C94D4C}"/>
               </a:ext>
             </a:extLst>
           </p:cNvPr>
@@ -2003,7 +2008,7 @@
           <a:bodyPr/>
           <a:lstStyle/>
           <a:p>
-            <a:fld id="{689C32E2-BD90-4D2C-B50E-A514E85D5AEE}" type="slidenum">
+            <a:fld id="{440359FE-218F-454C-A97F-CF3F990C2F7C}" type="slidenum">
               <a:rPr lang="zh-CN" altLang="en-US" smtClean="0"/>
               <a:t>‹#›</a:t>
             </a:fld>
@@ -2014,7 +2019,7 @@
     </p:spTree>
     <p:extLst>
       <p:ext uri="{BB962C8B-B14F-4D97-AF65-F5344CB8AC3E}">
-        <p14:creationId xmlns:p14="http://schemas.microsoft.com/office/powerpoint/2010/main" val="365687035"/>
+        <p14:creationId xmlns:p14="http://schemas.microsoft.com/office/powerpoint/2010/main" val="3898286273"/>
       </p:ext>
     </p:extLst>
   </p:cSld>
@@ -2046,7 +2051,7 @@
           <p:cNvPr id="2" name="日期占位符 1">
             <a:extLst>
               <a:ext uri="{FF2B5EF4-FFF2-40B4-BE49-F238E27FC236}">
-                <a16:creationId xmlns:a16="http://schemas.microsoft.com/office/drawing/2014/main" id="{25B25CEB-9AD2-458B-9D73-E533B26C372D}"/>
+                <a16:creationId xmlns:a16="http://schemas.microsoft.com/office/drawing/2014/main" id="{25E6005A-FFF8-401A-A461-2508179369F8}"/>
               </a:ext>
             </a:extLst>
           </p:cNvPr>
@@ -2062,9 +2067,9 @@
           <a:bodyPr/>
           <a:lstStyle/>
           <a:p>
-            <a:fld id="{4AA5A569-69B6-44CC-90F0-2EC4FFD95DA9}" type="datetimeFigureOut">
+            <a:fld id="{F51883EF-877C-43E5-8D6B-2ED6FBCFF232}" type="datetimeFigureOut">
               <a:rPr lang="zh-CN" altLang="en-US" smtClean="0"/>
-              <a:t>2021/11/13</a:t>
+              <a:t>2021/12/18</a:t>
             </a:fld>
             <a:endParaRPr lang="zh-CN" altLang="en-US"/>
           </a:p>
@@ -2075,7 +2080,7 @@
           <p:cNvPr id="3" name="页脚占位符 2">
             <a:extLst>
               <a:ext uri="{FF2B5EF4-FFF2-40B4-BE49-F238E27FC236}">
-                <a16:creationId xmlns:a16="http://schemas.microsoft.com/office/drawing/2014/main" id="{C2B70209-80E7-4ECC-B93D-80C48E8CEC51}"/>
+                <a16:creationId xmlns:a16="http://schemas.microsoft.com/office/drawing/2014/main" id="{D93E005B-E057-49CC-87C5-4E331E7DB462}"/>
               </a:ext>
             </a:extLst>
           </p:cNvPr>
@@ -2100,7 +2105,7 @@
           <p:cNvPr id="4" name="灯片编号占位符 3">
             <a:extLst>
               <a:ext uri="{FF2B5EF4-FFF2-40B4-BE49-F238E27FC236}">
-                <a16:creationId xmlns:a16="http://schemas.microsoft.com/office/drawing/2014/main" id="{21F62F4A-BC4C-4400-BAA0-7A360BE11265}"/>
+                <a16:creationId xmlns:a16="http://schemas.microsoft.com/office/drawing/2014/main" id="{523AF04F-8141-4ADD-9EA8-6702EE785C01}"/>
               </a:ext>
             </a:extLst>
           </p:cNvPr>
@@ -2116,7 +2121,7 @@
           <a:bodyPr/>
           <a:lstStyle/>
           <a:p>
-            <a:fld id="{689C32E2-BD90-4D2C-B50E-A514E85D5AEE}" type="slidenum">
+            <a:fld id="{440359FE-218F-454C-A97F-CF3F990C2F7C}" type="slidenum">
               <a:rPr lang="zh-CN" altLang="en-US" smtClean="0"/>
               <a:t>‹#›</a:t>
             </a:fld>
@@ -2127,7 +2132,7 @@
     </p:spTree>
     <p:extLst>
       <p:ext uri="{BB962C8B-B14F-4D97-AF65-F5344CB8AC3E}">
-        <p14:creationId xmlns:p14="http://schemas.microsoft.com/office/powerpoint/2010/main" val="3891063081"/>
+        <p14:creationId xmlns:p14="http://schemas.microsoft.com/office/powerpoint/2010/main" val="415483805"/>
       </p:ext>
     </p:extLst>
   </p:cSld>
@@ -2159,7 +2164,7 @@
           <p:cNvPr id="2" name="标题 1">
             <a:extLst>
               <a:ext uri="{FF2B5EF4-FFF2-40B4-BE49-F238E27FC236}">
-                <a16:creationId xmlns:a16="http://schemas.microsoft.com/office/drawing/2014/main" id="{C0B83587-0F66-4DE8-8861-5854C4111611}"/>
+                <a16:creationId xmlns:a16="http://schemas.microsoft.com/office/drawing/2014/main" id="{A1F1816E-058F-419D-8489-C48F7C0B845D}"/>
               </a:ext>
             </a:extLst>
           </p:cNvPr>
@@ -2196,7 +2201,7 @@
           <p:cNvPr id="3" name="内容占位符 2">
             <a:extLst>
               <a:ext uri="{FF2B5EF4-FFF2-40B4-BE49-F238E27FC236}">
-                <a16:creationId xmlns:a16="http://schemas.microsoft.com/office/drawing/2014/main" id="{D04A6A60-FA4A-4443-A285-C2EFAD95B012}"/>
+                <a16:creationId xmlns:a16="http://schemas.microsoft.com/office/drawing/2014/main" id="{0D49FD20-4D54-4476-B9E0-F6A93F7EE5CF}"/>
               </a:ext>
             </a:extLst>
           </p:cNvPr>
@@ -2286,7 +2291,7 @@
           <p:cNvPr id="4" name="文本占位符 3">
             <a:extLst>
               <a:ext uri="{FF2B5EF4-FFF2-40B4-BE49-F238E27FC236}">
-                <a16:creationId xmlns:a16="http://schemas.microsoft.com/office/drawing/2014/main" id="{2581DE39-C154-46D4-8CF1-3A1C4BB8A7A6}"/>
+                <a16:creationId xmlns:a16="http://schemas.microsoft.com/office/drawing/2014/main" id="{8CDE98FB-DE9A-4937-A6F5-523D7870E955}"/>
               </a:ext>
             </a:extLst>
           </p:cNvPr>
@@ -2357,7 +2362,7 @@
           <p:cNvPr id="5" name="日期占位符 4">
             <a:extLst>
               <a:ext uri="{FF2B5EF4-FFF2-40B4-BE49-F238E27FC236}">
-                <a16:creationId xmlns:a16="http://schemas.microsoft.com/office/drawing/2014/main" id="{13C3398F-A129-4D16-985A-13B2D590E620}"/>
+                <a16:creationId xmlns:a16="http://schemas.microsoft.com/office/drawing/2014/main" id="{BEA024DE-CC65-47E4-8176-CFFDE698F665}"/>
               </a:ext>
             </a:extLst>
           </p:cNvPr>
@@ -2373,9 +2378,9 @@
           <a:bodyPr/>
           <a:lstStyle/>
           <a:p>
-            <a:fld id="{4AA5A569-69B6-44CC-90F0-2EC4FFD95DA9}" type="datetimeFigureOut">
+            <a:fld id="{F51883EF-877C-43E5-8D6B-2ED6FBCFF232}" type="datetimeFigureOut">
               <a:rPr lang="zh-CN" altLang="en-US" smtClean="0"/>
-              <a:t>2021/11/13</a:t>
+              <a:t>2021/12/18</a:t>
             </a:fld>
             <a:endParaRPr lang="zh-CN" altLang="en-US"/>
           </a:p>
@@ -2386,7 +2391,7 @@
           <p:cNvPr id="6" name="页脚占位符 5">
             <a:extLst>
               <a:ext uri="{FF2B5EF4-FFF2-40B4-BE49-F238E27FC236}">
-                <a16:creationId xmlns:a16="http://schemas.microsoft.com/office/drawing/2014/main" id="{33BF247F-2CC7-4CFC-9333-C2205BD601C1}"/>
+                <a16:creationId xmlns:a16="http://schemas.microsoft.com/office/drawing/2014/main" id="{7B9830A9-D826-4D63-8CAC-34C268E9D54A}"/>
               </a:ext>
             </a:extLst>
           </p:cNvPr>
@@ -2411,7 +2416,7 @@
           <p:cNvPr id="7" name="灯片编号占位符 6">
             <a:extLst>
               <a:ext uri="{FF2B5EF4-FFF2-40B4-BE49-F238E27FC236}">
-                <a16:creationId xmlns:a16="http://schemas.microsoft.com/office/drawing/2014/main" id="{A4985AB9-9D04-4DB8-B507-8CC6CDFDDD59}"/>
+                <a16:creationId xmlns:a16="http://schemas.microsoft.com/office/drawing/2014/main" id="{E68DE782-B346-4E73-B866-0DC02E403468}"/>
               </a:ext>
             </a:extLst>
           </p:cNvPr>
@@ -2427,7 +2432,7 @@
           <a:bodyPr/>
           <a:lstStyle/>
           <a:p>
-            <a:fld id="{689C32E2-BD90-4D2C-B50E-A514E85D5AEE}" type="slidenum">
+            <a:fld id="{440359FE-218F-454C-A97F-CF3F990C2F7C}" type="slidenum">
               <a:rPr lang="zh-CN" altLang="en-US" smtClean="0"/>
               <a:t>‹#›</a:t>
             </a:fld>
@@ -2438,7 +2443,7 @@
     </p:spTree>
     <p:extLst>
       <p:ext uri="{BB962C8B-B14F-4D97-AF65-F5344CB8AC3E}">
-        <p14:creationId xmlns:p14="http://schemas.microsoft.com/office/powerpoint/2010/main" val="3424330503"/>
+        <p14:creationId xmlns:p14="http://schemas.microsoft.com/office/powerpoint/2010/main" val="2095988355"/>
       </p:ext>
     </p:extLst>
   </p:cSld>
@@ -2470,7 +2475,7 @@
           <p:cNvPr id="2" name="标题 1">
             <a:extLst>
               <a:ext uri="{FF2B5EF4-FFF2-40B4-BE49-F238E27FC236}">
-                <a16:creationId xmlns:a16="http://schemas.microsoft.com/office/drawing/2014/main" id="{0AC1605F-F7DE-4971-A60A-2B749B99D20F}"/>
+                <a16:creationId xmlns:a16="http://schemas.microsoft.com/office/drawing/2014/main" id="{A357FA12-C8C4-42EB-AB8E-0251EC20C767}"/>
               </a:ext>
             </a:extLst>
           </p:cNvPr>
@@ -2507,7 +2512,7 @@
           <p:cNvPr id="3" name="图片占位符 2">
             <a:extLst>
               <a:ext uri="{FF2B5EF4-FFF2-40B4-BE49-F238E27FC236}">
-                <a16:creationId xmlns:a16="http://schemas.microsoft.com/office/drawing/2014/main" id="{486AC524-B852-4998-BF77-FA343B44EDFA}"/>
+                <a16:creationId xmlns:a16="http://schemas.microsoft.com/office/drawing/2014/main" id="{5FEE1EB6-EC67-44AF-92A4-D6B9EE6BDA3E}"/>
               </a:ext>
             </a:extLst>
           </p:cNvPr>
@@ -2574,7 +2579,7 @@
           <p:cNvPr id="4" name="文本占位符 3">
             <a:extLst>
               <a:ext uri="{FF2B5EF4-FFF2-40B4-BE49-F238E27FC236}">
-                <a16:creationId xmlns:a16="http://schemas.microsoft.com/office/drawing/2014/main" id="{12D7606E-5757-4356-BAB6-8F721492AA82}"/>
+                <a16:creationId xmlns:a16="http://schemas.microsoft.com/office/drawing/2014/main" id="{92596C92-3690-4D9A-B16F-A0A83B2953C6}"/>
               </a:ext>
             </a:extLst>
           </p:cNvPr>
@@ -2645,7 +2650,7 @@
           <p:cNvPr id="5" name="日期占位符 4">
             <a:extLst>
               <a:ext uri="{FF2B5EF4-FFF2-40B4-BE49-F238E27FC236}">
-                <a16:creationId xmlns:a16="http://schemas.microsoft.com/office/drawing/2014/main" id="{684FED22-3809-4C7F-8000-9972658FFC85}"/>
+                <a16:creationId xmlns:a16="http://schemas.microsoft.com/office/drawing/2014/main" id="{8DFE8BE5-59D4-4CDB-BC40-C2F88C6E7B56}"/>
               </a:ext>
             </a:extLst>
           </p:cNvPr>
@@ -2661,9 +2666,9 @@
           <a:bodyPr/>
           <a:lstStyle/>
           <a:p>
-            <a:fld id="{4AA5A569-69B6-44CC-90F0-2EC4FFD95DA9}" type="datetimeFigureOut">
+            <a:fld id="{F51883EF-877C-43E5-8D6B-2ED6FBCFF232}" type="datetimeFigureOut">
               <a:rPr lang="zh-CN" altLang="en-US" smtClean="0"/>
-              <a:t>2021/11/13</a:t>
+              <a:t>2021/12/18</a:t>
             </a:fld>
             <a:endParaRPr lang="zh-CN" altLang="en-US"/>
           </a:p>
@@ -2674,7 +2679,7 @@
           <p:cNvPr id="6" name="页脚占位符 5">
             <a:extLst>
               <a:ext uri="{FF2B5EF4-FFF2-40B4-BE49-F238E27FC236}">
-                <a16:creationId xmlns:a16="http://schemas.microsoft.com/office/drawing/2014/main" id="{31F53426-EFF4-43B1-A6FC-5F37EF874C69}"/>
+                <a16:creationId xmlns:a16="http://schemas.microsoft.com/office/drawing/2014/main" id="{A3B501BB-342E-442D-B303-64BD8CF72F5C}"/>
               </a:ext>
             </a:extLst>
           </p:cNvPr>
@@ -2699,7 +2704,7 @@
           <p:cNvPr id="7" name="灯片编号占位符 6">
             <a:extLst>
               <a:ext uri="{FF2B5EF4-FFF2-40B4-BE49-F238E27FC236}">
-                <a16:creationId xmlns:a16="http://schemas.microsoft.com/office/drawing/2014/main" id="{1433CF11-2814-49FF-B213-D6ABEC3FA88D}"/>
+                <a16:creationId xmlns:a16="http://schemas.microsoft.com/office/drawing/2014/main" id="{29251C99-9D80-4A62-AE69-C7BEEF69EDA9}"/>
               </a:ext>
             </a:extLst>
           </p:cNvPr>
@@ -2715,7 +2720,7 @@
           <a:bodyPr/>
           <a:lstStyle/>
           <a:p>
-            <a:fld id="{689C32E2-BD90-4D2C-B50E-A514E85D5AEE}" type="slidenum">
+            <a:fld id="{440359FE-218F-454C-A97F-CF3F990C2F7C}" type="slidenum">
               <a:rPr lang="zh-CN" altLang="en-US" smtClean="0"/>
               <a:t>‹#›</a:t>
             </a:fld>
@@ -2726,7 +2731,7 @@
     </p:spTree>
     <p:extLst>
       <p:ext uri="{BB962C8B-B14F-4D97-AF65-F5344CB8AC3E}">
-        <p14:creationId xmlns:p14="http://schemas.microsoft.com/office/powerpoint/2010/main" val="2423121420"/>
+        <p14:creationId xmlns:p14="http://schemas.microsoft.com/office/powerpoint/2010/main" val="1226340902"/>
       </p:ext>
     </p:extLst>
   </p:cSld>
@@ -2763,7 +2768,7 @@
           <p:cNvPr id="2" name="标题占位符 1">
             <a:extLst>
               <a:ext uri="{FF2B5EF4-FFF2-40B4-BE49-F238E27FC236}">
-                <a16:creationId xmlns:a16="http://schemas.microsoft.com/office/drawing/2014/main" id="{30724B77-E235-438E-A36E-3D1606D934FD}"/>
+                <a16:creationId xmlns:a16="http://schemas.microsoft.com/office/drawing/2014/main" id="{36E21D64-922E-4EE8-8EA6-E2CD95BC038A}"/>
               </a:ext>
             </a:extLst>
           </p:cNvPr>
@@ -2801,7 +2806,7 @@
           <p:cNvPr id="3" name="文本占位符 2">
             <a:extLst>
               <a:ext uri="{FF2B5EF4-FFF2-40B4-BE49-F238E27FC236}">
-                <a16:creationId xmlns:a16="http://schemas.microsoft.com/office/drawing/2014/main" id="{82435B40-76E7-4687-B9CF-A371C4A6E74F}"/>
+                <a16:creationId xmlns:a16="http://schemas.microsoft.com/office/drawing/2014/main" id="{070E2761-B7D1-4709-81AB-8223D2B0168B}"/>
               </a:ext>
             </a:extLst>
           </p:cNvPr>
@@ -2868,7 +2873,7 @@
           <p:cNvPr id="4" name="日期占位符 3">
             <a:extLst>
               <a:ext uri="{FF2B5EF4-FFF2-40B4-BE49-F238E27FC236}">
-                <a16:creationId xmlns:a16="http://schemas.microsoft.com/office/drawing/2014/main" id="{7767D9B1-F879-4AC5-9237-FF341BF89637}"/>
+                <a16:creationId xmlns:a16="http://schemas.microsoft.com/office/drawing/2014/main" id="{242AAB88-5E39-4351-9CA7-5003E6AA003B}"/>
               </a:ext>
             </a:extLst>
           </p:cNvPr>
@@ -2902,9 +2907,9 @@
             </a:lvl1pPr>
           </a:lstStyle>
           <a:p>
-            <a:fld id="{4AA5A569-69B6-44CC-90F0-2EC4FFD95DA9}" type="datetimeFigureOut">
+            <a:fld id="{F51883EF-877C-43E5-8D6B-2ED6FBCFF232}" type="datetimeFigureOut">
               <a:rPr lang="zh-CN" altLang="en-US" smtClean="0"/>
-              <a:t>2021/11/13</a:t>
+              <a:t>2021/12/18</a:t>
             </a:fld>
             <a:endParaRPr lang="zh-CN" altLang="en-US"/>
           </a:p>
@@ -2915,7 +2920,7 @@
           <p:cNvPr id="5" name="页脚占位符 4">
             <a:extLst>
               <a:ext uri="{FF2B5EF4-FFF2-40B4-BE49-F238E27FC236}">
-                <a16:creationId xmlns:a16="http://schemas.microsoft.com/office/drawing/2014/main" id="{E4ADE956-E796-49CB-AB11-4B4E45F0AF46}"/>
+                <a16:creationId xmlns:a16="http://schemas.microsoft.com/office/drawing/2014/main" id="{BD8AAFDB-AB12-49F3-AABB-E6ACDCF3D93B}"/>
               </a:ext>
             </a:extLst>
           </p:cNvPr>
@@ -2958,7 +2963,7 @@
           <p:cNvPr id="6" name="灯片编号占位符 5">
             <a:extLst>
               <a:ext uri="{FF2B5EF4-FFF2-40B4-BE49-F238E27FC236}">
-                <a16:creationId xmlns:a16="http://schemas.microsoft.com/office/drawing/2014/main" id="{687A02AF-2EF7-42D2-A4E9-335874716C44}"/>
+                <a16:creationId xmlns:a16="http://schemas.microsoft.com/office/drawing/2014/main" id="{9E99B868-A014-4E60-B0F2-ED6F4464A758}"/>
               </a:ext>
             </a:extLst>
           </p:cNvPr>
@@ -2992,7 +2997,7 @@
             </a:lvl1pPr>
           </a:lstStyle>
           <a:p>
-            <a:fld id="{689C32E2-BD90-4D2C-B50E-A514E85D5AEE}" type="slidenum">
+            <a:fld id="{440359FE-218F-454C-A97F-CF3F990C2F7C}" type="slidenum">
               <a:rPr lang="zh-CN" altLang="en-US" smtClean="0"/>
               <a:t>‹#›</a:t>
             </a:fld>
@@ -3003,7 +3008,7 @@
     </p:spTree>
     <p:extLst>
       <p:ext uri="{BB962C8B-B14F-4D97-AF65-F5344CB8AC3E}">
-        <p14:creationId xmlns:p14="http://schemas.microsoft.com/office/powerpoint/2010/main" val="3114488120"/>
+        <p14:creationId xmlns:p14="http://schemas.microsoft.com/office/powerpoint/2010/main" val="907141335"/>
       </p:ext>
     </p:extLst>
   </p:cSld>
@@ -3307,20 +3312,6 @@
 <file path=ppt/slides/slide1.xml><?xml version="1.0" encoding="utf-8"?>
 <p:sld xmlns:a="http://schemas.openxmlformats.org/drawingml/2006/main" xmlns:r="http://schemas.openxmlformats.org/officeDocument/2006/relationships" xmlns:p="http://schemas.openxmlformats.org/presentationml/2006/main">
   <p:cSld>
-    <p:bg>
-      <p:bgPr>
-        <a:blipFill dpi="0" rotWithShape="1">
-          <a:blip r:embed="rId2">
-            <a:lum/>
-          </a:blip>
-          <a:srcRect/>
-          <a:stretch>
-            <a:fillRect t="-6000" b="-6000"/>
-          </a:stretch>
-        </a:blipFill>
-        <a:effectLst/>
-      </p:bgPr>
-    </p:bg>
     <p:spTree>
       <p:nvGrpSpPr>
         <p:cNvPr id="1" name=""/>
@@ -3335,12 +3326,57 @@
           <a:chExt cx="0" cy="0"/>
         </a:xfrm>
       </p:grpSpPr>
+      <p:pic>
+        <p:nvPicPr>
+          <p:cNvPr id="21" name="图片 20">
+            <a:extLst>
+              <a:ext uri="{FF2B5EF4-FFF2-40B4-BE49-F238E27FC236}">
+                <a16:creationId xmlns:a16="http://schemas.microsoft.com/office/drawing/2014/main" id="{A244AC75-9493-4B8C-A562-428F22D7FFC2}"/>
+              </a:ext>
+            </a:extLst>
+          </p:cNvPr>
+          <p:cNvPicPr>
+            <a:picLocks noChangeAspect="1"/>
+          </p:cNvPicPr>
+          <p:nvPr/>
+        </p:nvPicPr>
+        <p:blipFill>
+          <a:blip r:embed="rId2">
+            <a:extLst>
+              <a:ext uri="{BEBA8EAE-BF5A-486C-A8C5-ECC9F3942E4B}">
+                <a14:imgProps xmlns:a14="http://schemas.microsoft.com/office/drawing/2010/main">
+                  <a14:imgLayer r:embed="rId3">
+                    <a14:imgEffect>
+                      <a14:artisticBlur/>
+                    </a14:imgEffect>
+                    <a14:imgEffect>
+                      <a14:brightnessContrast bright="-40000"/>
+                    </a14:imgEffect>
+                  </a14:imgLayer>
+                </a14:imgProps>
+              </a:ext>
+            </a:extLst>
+          </a:blip>
+          <a:stretch>
+            <a:fillRect/>
+          </a:stretch>
+        </p:blipFill>
+        <p:spPr>
+          <a:xfrm>
+            <a:off x="0" y="1523677"/>
+            <a:ext cx="10962640" cy="6855731"/>
+          </a:xfrm>
+          <a:prstGeom prst="rect">
+            <a:avLst/>
+          </a:prstGeom>
+        </p:spPr>
+      </p:pic>
       <p:sp>
         <p:nvSpPr>
           <p:cNvPr id="5" name="矩形: 圆角 4">
             <a:extLst>
               <a:ext uri="{FF2B5EF4-FFF2-40B4-BE49-F238E27FC236}">
-                <a16:creationId xmlns:a16="http://schemas.microsoft.com/office/drawing/2014/main" id="{727CFBCD-4A2F-4286-BADA-9A5A2A6FB1F6}"/>
+                <a16:creationId xmlns:a16="http://schemas.microsoft.com/office/drawing/2014/main" id="{115DCED2-4E1D-4451-9B1E-706BFAE1F081}"/>
               </a:ext>
             </a:extLst>
           </p:cNvPr>
@@ -3349,8 +3385,8 @@
         </p:nvSpPr>
         <p:spPr>
           <a:xfrm>
-            <a:off x="4545339" y="646949"/>
-            <a:ext cx="3101321" cy="472441"/>
+            <a:off x="489857" y="320042"/>
+            <a:ext cx="1132114" cy="457200"/>
           </a:xfrm>
           <a:prstGeom prst="roundRect">
             <a:avLst>
@@ -3360,14 +3396,10 @@
           <a:gradFill flip="none" rotWithShape="1">
             <a:gsLst>
               <a:gs pos="0">
-                <a:srgbClr val="15B6FF">
-                  <a:alpha val="50000"/>
-                </a:srgbClr>
+                <a:srgbClr val="15B4FD"/>
               </a:gs>
               <a:gs pos="100000">
-                <a:srgbClr val="B419FF">
-                  <a:alpha val="70000"/>
-                </a:srgbClr>
+                <a:srgbClr val="B320FF"/>
               </a:gs>
             </a:gsLst>
             <a:lin ang="0" scaled="1"/>
@@ -3377,10 +3409,10 @@
             <a:noFill/>
           </a:ln>
           <a:effectLst>
-            <a:outerShdw blurRad="101600" dist="76200" dir="5400000" algn="t" rotWithShape="0">
-              <a:prstClr val="black">
+            <a:outerShdw blurRad="101600" dist="38100" dir="5400000" algn="t" rotWithShape="0">
+              <a:schemeClr val="tx1">
                 <a:alpha val="70000"/>
-              </a:prstClr>
+              </a:schemeClr>
             </a:outerShdw>
           </a:effectLst>
         </p:spPr>
@@ -3414,7 +3446,7 @@
           <p:cNvPr id="4" name="矩形: 圆角 3">
             <a:extLst>
               <a:ext uri="{FF2B5EF4-FFF2-40B4-BE49-F238E27FC236}">
-                <a16:creationId xmlns:a16="http://schemas.microsoft.com/office/drawing/2014/main" id="{1840C764-AF14-40E8-A57A-972353CD2D73}"/>
+                <a16:creationId xmlns:a16="http://schemas.microsoft.com/office/drawing/2014/main" id="{7B14DA98-3B0C-420B-8F46-054B89332FDA}"/>
               </a:ext>
             </a:extLst>
           </p:cNvPr>
@@ -3423,8 +3455,8 @@
         </p:nvSpPr>
         <p:spPr>
           <a:xfrm>
-            <a:off x="4545339" y="617837"/>
-            <a:ext cx="3101321" cy="472441"/>
+            <a:off x="489857" y="319798"/>
+            <a:ext cx="1132114" cy="457200"/>
           </a:xfrm>
           <a:prstGeom prst="roundRect">
             <a:avLst>
@@ -3433,6 +3465,188 @@
           </a:prstGeom>
           <a:solidFill>
             <a:schemeClr val="tx1">
+              <a:lumMod val="95000"/>
+              <a:lumOff val="5000"/>
+              <a:alpha val="70000"/>
+            </a:schemeClr>
+          </a:solidFill>
+          <a:ln>
+            <a:noFill/>
+          </a:ln>
+        </p:spPr>
+        <p:style>
+          <a:lnRef idx="2">
+            <a:schemeClr val="accent1">
+              <a:shade val="50000"/>
+            </a:schemeClr>
+          </a:lnRef>
+          <a:fillRef idx="1">
+            <a:schemeClr val="accent1"/>
+          </a:fillRef>
+          <a:effectRef idx="0">
+            <a:schemeClr val="accent1"/>
+          </a:effectRef>
+          <a:fontRef idx="minor">
+            <a:schemeClr val="lt1"/>
+          </a:fontRef>
+        </p:style>
+        <p:txBody>
+          <a:bodyPr rtlCol="0" anchor="ctr"/>
+          <a:lstStyle/>
+          <a:p>
+            <a:pPr algn="ctr"/>
+            <a:endParaRPr lang="zh-CN" altLang="en-US"/>
+          </a:p>
+        </p:txBody>
+      </p:sp>
+      <p:sp>
+        <p:nvSpPr>
+          <p:cNvPr id="8" name="文本框 7">
+            <a:extLst>
+              <a:ext uri="{FF2B5EF4-FFF2-40B4-BE49-F238E27FC236}">
+                <a16:creationId xmlns:a16="http://schemas.microsoft.com/office/drawing/2014/main" id="{BA16883D-2721-4763-9479-B9E6FD9DD307}"/>
+              </a:ext>
+            </a:extLst>
+          </p:cNvPr>
+          <p:cNvSpPr txBox="1"/>
+          <p:nvPr/>
+        </p:nvSpPr>
+        <p:spPr>
+          <a:xfrm>
+            <a:off x="634164" y="339882"/>
+            <a:ext cx="843500" cy="369332"/>
+          </a:xfrm>
+          <a:prstGeom prst="rect">
+            <a:avLst/>
+          </a:prstGeom>
+          <a:noFill/>
+        </p:spPr>
+        <p:txBody>
+          <a:bodyPr wrap="none" rtlCol="0">
+            <a:spAutoFit/>
+          </a:bodyPr>
+          <a:lstStyle/>
+          <a:p>
+            <a:pPr algn="ctr"/>
+            <a:r>
+              <a:rPr lang="en-US" altLang="zh-CN" b="1" dirty="0">
+                <a:solidFill>
+                  <a:schemeClr val="bg1"/>
+                </a:solidFill>
+                <a:latin typeface="微软雅黑" panose="020B0503020204020204" pitchFamily="34" charset="-122"/>
+                <a:ea typeface="微软雅黑" panose="020B0503020204020204" pitchFamily="34" charset="-122"/>
+              </a:rPr>
+              <a:t>171</a:t>
+            </a:r>
+            <a:r>
+              <a:rPr lang="zh-CN" altLang="en-US" b="1" dirty="0">
+                <a:solidFill>
+                  <a:schemeClr val="bg1"/>
+                </a:solidFill>
+                <a:latin typeface="微软雅黑" panose="020B0503020204020204" pitchFamily="34" charset="-122"/>
+                <a:ea typeface="微软雅黑" panose="020B0503020204020204" pitchFamily="34" charset="-122"/>
+              </a:rPr>
+              <a:t>天</a:t>
+            </a:r>
+          </a:p>
+        </p:txBody>
+      </p:sp>
+      <p:sp>
+        <p:nvSpPr>
+          <p:cNvPr id="6" name="矩形: 圆角 5">
+            <a:extLst>
+              <a:ext uri="{FF2B5EF4-FFF2-40B4-BE49-F238E27FC236}">
+                <a16:creationId xmlns:a16="http://schemas.microsoft.com/office/drawing/2014/main" id="{A25BD9A0-40C6-49D1-9AA2-3900C121EDC7}"/>
+              </a:ext>
+            </a:extLst>
+          </p:cNvPr>
+          <p:cNvSpPr/>
+          <p:nvPr/>
+        </p:nvSpPr>
+        <p:spPr>
+          <a:xfrm>
+            <a:off x="1754133" y="320042"/>
+            <a:ext cx="1321771" cy="457200"/>
+          </a:xfrm>
+          <a:prstGeom prst="roundRect">
+            <a:avLst>
+              <a:gd name="adj" fmla="val 50000"/>
+            </a:avLst>
+          </a:prstGeom>
+          <a:gradFill flip="none" rotWithShape="1">
+            <a:gsLst>
+              <a:gs pos="0">
+                <a:srgbClr val="15B4FD"/>
+              </a:gs>
+              <a:gs pos="100000">
+                <a:srgbClr val="B320FF"/>
+              </a:gs>
+            </a:gsLst>
+            <a:lin ang="0" scaled="1"/>
+            <a:tileRect/>
+          </a:gradFill>
+          <a:ln>
+            <a:noFill/>
+          </a:ln>
+          <a:effectLst>
+            <a:outerShdw blurRad="101600" dist="38100" dir="5400000" algn="t" rotWithShape="0">
+              <a:schemeClr val="tx1">
+                <a:alpha val="70000"/>
+              </a:schemeClr>
+            </a:outerShdw>
+          </a:effectLst>
+        </p:spPr>
+        <p:style>
+          <a:lnRef idx="2">
+            <a:schemeClr val="accent1">
+              <a:shade val="50000"/>
+            </a:schemeClr>
+          </a:lnRef>
+          <a:fillRef idx="1">
+            <a:schemeClr val="accent1"/>
+          </a:fillRef>
+          <a:effectRef idx="0">
+            <a:schemeClr val="accent1"/>
+          </a:effectRef>
+          <a:fontRef idx="minor">
+            <a:schemeClr val="lt1"/>
+          </a:fontRef>
+        </p:style>
+        <p:txBody>
+          <a:bodyPr rtlCol="0" anchor="ctr"/>
+          <a:lstStyle/>
+          <a:p>
+            <a:pPr algn="ctr"/>
+            <a:endParaRPr lang="zh-CN" altLang="en-US"/>
+          </a:p>
+        </p:txBody>
+      </p:sp>
+      <p:sp>
+        <p:nvSpPr>
+          <p:cNvPr id="9" name="矩形: 圆角 8">
+            <a:extLst>
+              <a:ext uri="{FF2B5EF4-FFF2-40B4-BE49-F238E27FC236}">
+                <a16:creationId xmlns:a16="http://schemas.microsoft.com/office/drawing/2014/main" id="{9986A53C-29F2-45F0-8B62-50D7221088C1}"/>
+              </a:ext>
+            </a:extLst>
+          </p:cNvPr>
+          <p:cNvSpPr/>
+          <p:nvPr/>
+        </p:nvSpPr>
+        <p:spPr>
+          <a:xfrm>
+            <a:off x="1754133" y="319798"/>
+            <a:ext cx="1321771" cy="457200"/>
+          </a:xfrm>
+          <a:prstGeom prst="roundRect">
+            <a:avLst>
+              <a:gd name="adj" fmla="val 50000"/>
+            </a:avLst>
+          </a:prstGeom>
+          <a:solidFill>
+            <a:schemeClr val="tx1">
+              <a:lumMod val="95000"/>
+              <a:lumOff val="5000"/>
               <a:alpha val="90000"/>
             </a:schemeClr>
           </a:solidFill>
@@ -3467,10 +3681,10 @@
       </p:sp>
       <p:sp>
         <p:nvSpPr>
-          <p:cNvPr id="8" name="文本框 7">
-            <a:extLst>
-              <a:ext uri="{FF2B5EF4-FFF2-40B4-BE49-F238E27FC236}">
-                <a16:creationId xmlns:a16="http://schemas.microsoft.com/office/drawing/2014/main" id="{DB671FD2-9B56-43E0-B512-EAB54652A7C1}"/>
+          <p:cNvPr id="10" name="文本框 9">
+            <a:extLst>
+              <a:ext uri="{FF2B5EF4-FFF2-40B4-BE49-F238E27FC236}">
+                <a16:creationId xmlns:a16="http://schemas.microsoft.com/office/drawing/2014/main" id="{601F811A-8BBB-40AD-88D2-8163838A6CB4}"/>
               </a:ext>
             </a:extLst>
           </p:cNvPr>
@@ -3479,8 +3693,8 @@
         </p:nvSpPr>
         <p:spPr>
           <a:xfrm>
-            <a:off x="5301286" y="642564"/>
-            <a:ext cx="2204451" cy="369332"/>
+            <a:off x="1805080" y="339882"/>
+            <a:ext cx="1229825" cy="369332"/>
           </a:xfrm>
           <a:prstGeom prst="rect">
             <a:avLst/>
@@ -3493,7 +3707,7 @@
           </a:bodyPr>
           <a:lstStyle/>
           <a:p>
-            <a:pPr algn="r"/>
+            <a:pPr algn="ctr"/>
             <a:r>
               <a:rPr lang="en-US" altLang="zh-CN" dirty="0">
                 <a:solidFill>
@@ -3502,8 +3716,350 @@
                 <a:latin typeface="三极则木简体" panose="00000500000000000000" pitchFamily="2" charset="-122"/>
                 <a:ea typeface="三极则木简体" panose="00000500000000000000" pitchFamily="2" charset="-122"/>
               </a:rPr>
-              <a:t>205</a:t>
-            </a:r>
+              <a:t>19:55</a:t>
+            </a:r>
+            <a:endParaRPr lang="zh-CN" altLang="en-US" dirty="0">
+              <a:solidFill>
+                <a:schemeClr val="bg1"/>
+              </a:solidFill>
+              <a:latin typeface="三极则木简体" panose="00000500000000000000" pitchFamily="2" charset="-122"/>
+              <a:ea typeface="三极则木简体" panose="00000500000000000000" pitchFamily="2" charset="-122"/>
+            </a:endParaRPr>
+          </a:p>
+        </p:txBody>
+      </p:sp>
+      <p:sp>
+        <p:nvSpPr>
+          <p:cNvPr id="13" name="文本框 12">
+            <a:extLst>
+              <a:ext uri="{FF2B5EF4-FFF2-40B4-BE49-F238E27FC236}">
+                <a16:creationId xmlns:a16="http://schemas.microsoft.com/office/drawing/2014/main" id="{3A0D7A52-6C8E-40C4-BEFF-29F79B984487}"/>
+              </a:ext>
+            </a:extLst>
+          </p:cNvPr>
+          <p:cNvSpPr txBox="1"/>
+          <p:nvPr/>
+        </p:nvSpPr>
+        <p:spPr>
+          <a:xfrm>
+            <a:off x="578634" y="1060453"/>
+            <a:ext cx="646331" cy="369332"/>
+          </a:xfrm>
+          <a:prstGeom prst="rect">
+            <a:avLst/>
+          </a:prstGeom>
+          <a:noFill/>
+        </p:spPr>
+        <p:txBody>
+          <a:bodyPr wrap="none" rtlCol="0">
+            <a:spAutoFit/>
+          </a:bodyPr>
+          <a:lstStyle/>
+          <a:p>
+            <a:r>
+              <a:rPr lang="zh-CN" altLang="en-US" dirty="0">
+                <a:latin typeface="三极则木简体" panose="00000500000000000000" pitchFamily="2" charset="-122"/>
+                <a:ea typeface="三极则木简体" panose="00000500000000000000" pitchFamily="2" charset="-122"/>
+              </a:rPr>
+              <a:t>设置</a:t>
+            </a:r>
+          </a:p>
+        </p:txBody>
+      </p:sp>
+      <p:sp>
+        <p:nvSpPr>
+          <p:cNvPr id="14" name="矩形: 圆角 13">
+            <a:extLst>
+              <a:ext uri="{FF2B5EF4-FFF2-40B4-BE49-F238E27FC236}">
+                <a16:creationId xmlns:a16="http://schemas.microsoft.com/office/drawing/2014/main" id="{EB4BE43E-575E-494B-9523-9C1C804F2A8B}"/>
+              </a:ext>
+            </a:extLst>
+          </p:cNvPr>
+          <p:cNvSpPr/>
+          <p:nvPr/>
+        </p:nvSpPr>
+        <p:spPr>
+          <a:xfrm>
+            <a:off x="471832" y="1627775"/>
+            <a:ext cx="2007951" cy="457200"/>
+          </a:xfrm>
+          <a:prstGeom prst="roundRect">
+            <a:avLst>
+              <a:gd name="adj" fmla="val 50000"/>
+            </a:avLst>
+          </a:prstGeom>
+          <a:solidFill>
+            <a:schemeClr val="bg1"/>
+          </a:solidFill>
+          <a:ln>
+            <a:noFill/>
+          </a:ln>
+        </p:spPr>
+        <p:style>
+          <a:lnRef idx="2">
+            <a:schemeClr val="accent1">
+              <a:shade val="50000"/>
+            </a:schemeClr>
+          </a:lnRef>
+          <a:fillRef idx="1">
+            <a:schemeClr val="accent1"/>
+          </a:fillRef>
+          <a:effectRef idx="0">
+            <a:schemeClr val="accent1"/>
+          </a:effectRef>
+          <a:fontRef idx="minor">
+            <a:schemeClr val="lt1"/>
+          </a:fontRef>
+        </p:style>
+        <p:txBody>
+          <a:bodyPr rtlCol="0" anchor="ctr"/>
+          <a:lstStyle/>
+          <a:p>
+            <a:pPr algn="ctr"/>
+            <a:endParaRPr lang="zh-CN" altLang="en-US"/>
+          </a:p>
+        </p:txBody>
+      </p:sp>
+      <p:sp>
+        <p:nvSpPr>
+          <p:cNvPr id="15" name="文本框 14">
+            <a:extLst>
+              <a:ext uri="{FF2B5EF4-FFF2-40B4-BE49-F238E27FC236}">
+                <a16:creationId xmlns:a16="http://schemas.microsoft.com/office/drawing/2014/main" id="{74C05A8B-EB20-4397-A940-BCAAB4E2E73B}"/>
+              </a:ext>
+            </a:extLst>
+          </p:cNvPr>
+          <p:cNvSpPr txBox="1"/>
+          <p:nvPr/>
+        </p:nvSpPr>
+        <p:spPr>
+          <a:xfrm>
+            <a:off x="572669" y="1647859"/>
+            <a:ext cx="1569660" cy="369332"/>
+          </a:xfrm>
+          <a:prstGeom prst="rect">
+            <a:avLst/>
+          </a:prstGeom>
+          <a:noFill/>
+        </p:spPr>
+        <p:txBody>
+          <a:bodyPr wrap="none" rtlCol="0">
+            <a:spAutoFit/>
+          </a:bodyPr>
+          <a:lstStyle/>
+          <a:p>
+            <a:r>
+              <a:rPr lang="zh-CN" altLang="en-US" dirty="0">
+                <a:latin typeface="三极则木简体" panose="00000500000000000000" pitchFamily="2" charset="-122"/>
+                <a:ea typeface="三极则木简体" panose="00000500000000000000" pitchFamily="2" charset="-122"/>
+              </a:rPr>
+              <a:t>隐藏</a:t>
+            </a:r>
+            <a:r>
+              <a:rPr lang="en-US" altLang="zh-CN" dirty="0">
+                <a:latin typeface="三极则木简体" panose="00000500000000000000" pitchFamily="2" charset="-122"/>
+                <a:ea typeface="三极则木简体" panose="00000500000000000000" pitchFamily="2" charset="-122"/>
+              </a:rPr>
+              <a:t>30</a:t>
+            </a:r>
+            <a:r>
+              <a:rPr lang="zh-CN" altLang="en-US" dirty="0">
+                <a:latin typeface="三极则木简体" panose="00000500000000000000" pitchFamily="2" charset="-122"/>
+                <a:ea typeface="三极则木简体" panose="00000500000000000000" pitchFamily="2" charset="-122"/>
+              </a:rPr>
+              <a:t>分钟</a:t>
+            </a:r>
+          </a:p>
+        </p:txBody>
+      </p:sp>
+      <p:sp>
+        <p:nvSpPr>
+          <p:cNvPr id="16" name="矩形: 圆角 15">
+            <a:extLst>
+              <a:ext uri="{FF2B5EF4-FFF2-40B4-BE49-F238E27FC236}">
+                <a16:creationId xmlns:a16="http://schemas.microsoft.com/office/drawing/2014/main" id="{05FBC62D-1E46-4B7B-B926-3EDC694A5462}"/>
+              </a:ext>
+            </a:extLst>
+          </p:cNvPr>
+          <p:cNvSpPr/>
+          <p:nvPr/>
+        </p:nvSpPr>
+        <p:spPr>
+          <a:xfrm>
+            <a:off x="466404" y="2203975"/>
+            <a:ext cx="2007951" cy="457200"/>
+          </a:xfrm>
+          <a:prstGeom prst="roundRect">
+            <a:avLst>
+              <a:gd name="adj" fmla="val 50000"/>
+            </a:avLst>
+          </a:prstGeom>
+          <a:solidFill>
+            <a:schemeClr val="bg1"/>
+          </a:solidFill>
+          <a:ln>
+            <a:noFill/>
+          </a:ln>
+        </p:spPr>
+        <p:style>
+          <a:lnRef idx="2">
+            <a:schemeClr val="accent1">
+              <a:shade val="50000"/>
+            </a:schemeClr>
+          </a:lnRef>
+          <a:fillRef idx="1">
+            <a:schemeClr val="accent1"/>
+          </a:fillRef>
+          <a:effectRef idx="0">
+            <a:schemeClr val="accent1"/>
+          </a:effectRef>
+          <a:fontRef idx="minor">
+            <a:schemeClr val="lt1"/>
+          </a:fontRef>
+        </p:style>
+        <p:txBody>
+          <a:bodyPr rtlCol="0" anchor="ctr"/>
+          <a:lstStyle/>
+          <a:p>
+            <a:pPr algn="ctr"/>
+            <a:endParaRPr lang="zh-CN" altLang="en-US"/>
+          </a:p>
+        </p:txBody>
+      </p:sp>
+      <p:sp>
+        <p:nvSpPr>
+          <p:cNvPr id="17" name="文本框 16">
+            <a:extLst>
+              <a:ext uri="{FF2B5EF4-FFF2-40B4-BE49-F238E27FC236}">
+                <a16:creationId xmlns:a16="http://schemas.microsoft.com/office/drawing/2014/main" id="{6CEF7DE3-16B4-4860-8D30-48D2220116BE}"/>
+              </a:ext>
+            </a:extLst>
+          </p:cNvPr>
+          <p:cNvSpPr txBox="1"/>
+          <p:nvPr/>
+        </p:nvSpPr>
+        <p:spPr>
+          <a:xfrm>
+            <a:off x="567241" y="2224059"/>
+            <a:ext cx="1569660" cy="369332"/>
+          </a:xfrm>
+          <a:prstGeom prst="rect">
+            <a:avLst/>
+          </a:prstGeom>
+          <a:noFill/>
+        </p:spPr>
+        <p:txBody>
+          <a:bodyPr wrap="none" rtlCol="0">
+            <a:spAutoFit/>
+          </a:bodyPr>
+          <a:lstStyle/>
+          <a:p>
+            <a:r>
+              <a:rPr lang="zh-CN" altLang="en-US" dirty="0">
+                <a:latin typeface="三极则木简体" panose="00000500000000000000" pitchFamily="2" charset="-122"/>
+                <a:ea typeface="三极则木简体" panose="00000500000000000000" pitchFamily="2" charset="-122"/>
+              </a:rPr>
+              <a:t>隐藏</a:t>
+            </a:r>
+            <a:r>
+              <a:rPr lang="en-US" altLang="zh-CN" dirty="0">
+                <a:latin typeface="三极则木简体" panose="00000500000000000000" pitchFamily="2" charset="-122"/>
+                <a:ea typeface="三极则木简体" panose="00000500000000000000" pitchFamily="2" charset="-122"/>
+              </a:rPr>
+              <a:t>1</a:t>
+            </a:r>
+            <a:r>
+              <a:rPr lang="zh-CN" altLang="en-US" dirty="0">
+                <a:latin typeface="三极则木简体" panose="00000500000000000000" pitchFamily="2" charset="-122"/>
+                <a:ea typeface="三极则木简体" panose="00000500000000000000" pitchFamily="2" charset="-122"/>
+              </a:rPr>
+              <a:t>个小时</a:t>
+            </a:r>
+          </a:p>
+        </p:txBody>
+      </p:sp>
+      <p:sp>
+        <p:nvSpPr>
+          <p:cNvPr id="18" name="矩形: 圆角 17">
+            <a:extLst>
+              <a:ext uri="{FF2B5EF4-FFF2-40B4-BE49-F238E27FC236}">
+                <a16:creationId xmlns:a16="http://schemas.microsoft.com/office/drawing/2014/main" id="{27EE9C43-3D31-4B6C-91A3-84685A4A9CA5}"/>
+              </a:ext>
+            </a:extLst>
+          </p:cNvPr>
+          <p:cNvSpPr/>
+          <p:nvPr/>
+        </p:nvSpPr>
+        <p:spPr>
+          <a:xfrm>
+            <a:off x="472102" y="2800886"/>
+            <a:ext cx="3067261" cy="457200"/>
+          </a:xfrm>
+          <a:prstGeom prst="roundRect">
+            <a:avLst>
+              <a:gd name="adj" fmla="val 50000"/>
+            </a:avLst>
+          </a:prstGeom>
+          <a:solidFill>
+            <a:srgbClr val="FF5339"/>
+          </a:solidFill>
+          <a:ln>
+            <a:noFill/>
+          </a:ln>
+        </p:spPr>
+        <p:style>
+          <a:lnRef idx="2">
+            <a:schemeClr val="accent1">
+              <a:shade val="50000"/>
+            </a:schemeClr>
+          </a:lnRef>
+          <a:fillRef idx="1">
+            <a:schemeClr val="accent1"/>
+          </a:fillRef>
+          <a:effectRef idx="0">
+            <a:schemeClr val="accent1"/>
+          </a:effectRef>
+          <a:fontRef idx="minor">
+            <a:schemeClr val="lt1"/>
+          </a:fontRef>
+        </p:style>
+        <p:txBody>
+          <a:bodyPr rtlCol="0" anchor="ctr"/>
+          <a:lstStyle/>
+          <a:p>
+            <a:pPr algn="ctr"/>
+            <a:endParaRPr lang="zh-CN" altLang="en-US"/>
+          </a:p>
+        </p:txBody>
+      </p:sp>
+      <p:sp>
+        <p:nvSpPr>
+          <p:cNvPr id="19" name="文本框 18">
+            <a:extLst>
+              <a:ext uri="{FF2B5EF4-FFF2-40B4-BE49-F238E27FC236}">
+                <a16:creationId xmlns:a16="http://schemas.microsoft.com/office/drawing/2014/main" id="{3EC1DAC3-1773-413D-9E1A-8C9611A81846}"/>
+              </a:ext>
+            </a:extLst>
+          </p:cNvPr>
+          <p:cNvSpPr txBox="1"/>
+          <p:nvPr/>
+        </p:nvSpPr>
+        <p:spPr>
+          <a:xfrm>
+            <a:off x="572939" y="2820970"/>
+            <a:ext cx="1338828" cy="369332"/>
+          </a:xfrm>
+          <a:prstGeom prst="rect">
+            <a:avLst/>
+          </a:prstGeom>
+          <a:noFill/>
+        </p:spPr>
+        <p:txBody>
+          <a:bodyPr wrap="none" rtlCol="0">
+            <a:spAutoFit/>
+          </a:bodyPr>
+          <a:lstStyle/>
+          <a:p>
             <a:r>
               <a:rPr lang="zh-CN" altLang="en-US" dirty="0">
                 <a:solidFill>
@@ -3512,34 +4068,17 @@
                 <a:latin typeface="三极则木简体" panose="00000500000000000000" pitchFamily="2" charset="-122"/>
                 <a:ea typeface="三极则木简体" panose="00000500000000000000" pitchFamily="2" charset="-122"/>
               </a:rPr>
-              <a:t>天    </a:t>
-            </a:r>
-            <a:r>
-              <a:rPr lang="en-US" altLang="zh-CN" dirty="0">
-                <a:solidFill>
-                  <a:schemeClr val="bg1"/>
-                </a:solidFill>
-                <a:latin typeface="三极则木简体" panose="00000500000000000000" pitchFamily="2" charset="-122"/>
-                <a:ea typeface="三极则木简体" panose="00000500000000000000" pitchFamily="2" charset="-122"/>
-              </a:rPr>
-              <a:t>3:09</a:t>
-            </a:r>
-            <a:endParaRPr lang="zh-CN" altLang="en-US" dirty="0">
-              <a:solidFill>
-                <a:schemeClr val="bg1"/>
-              </a:solidFill>
-              <a:latin typeface="三极则木简体" panose="00000500000000000000" pitchFamily="2" charset="-122"/>
-              <a:ea typeface="三极则木简体" panose="00000500000000000000" pitchFamily="2" charset="-122"/>
-            </a:endParaRPr>
-          </a:p>
-        </p:txBody>
-      </p:sp>
-      <p:sp>
-        <p:nvSpPr>
-          <p:cNvPr id="9" name="弧形 8">
-            <a:extLst>
-              <a:ext uri="{FF2B5EF4-FFF2-40B4-BE49-F238E27FC236}">
-                <a16:creationId xmlns:a16="http://schemas.microsoft.com/office/drawing/2014/main" id="{86EA6C32-ACCD-4DC5-B7DC-060FAD8BD4A9}"/>
+              <a:t>退出倒计时</a:t>
+            </a:r>
+          </a:p>
+        </p:txBody>
+      </p:sp>
+      <p:sp>
+        <p:nvSpPr>
+          <p:cNvPr id="22" name="矩形: 圆角 21">
+            <a:extLst>
+              <a:ext uri="{FF2B5EF4-FFF2-40B4-BE49-F238E27FC236}">
+                <a16:creationId xmlns:a16="http://schemas.microsoft.com/office/drawing/2014/main" id="{949489DA-515D-4E4B-8A72-2E44BAC0215A}"/>
               </a:ext>
             </a:extLst>
           </p:cNvPr>
@@ -3548,36 +4087,53 @@
         </p:nvSpPr>
         <p:spPr>
           <a:xfrm>
-            <a:off x="4685049" y="718198"/>
-            <a:ext cx="252000" cy="252000"/>
+            <a:off x="3315118" y="331727"/>
+            <a:ext cx="1132114" cy="457200"/>
           </a:xfrm>
-          <a:prstGeom prst="arc">
+          <a:prstGeom prst="roundRect">
             <a:avLst>
-              <a:gd name="adj1" fmla="val 16200000"/>
-              <a:gd name="adj2" fmla="val 15834905"/>
+              <a:gd name="adj" fmla="val 50000"/>
             </a:avLst>
           </a:prstGeom>
-          <a:ln w="38100">
-            <a:solidFill>
+          <a:gradFill flip="none" rotWithShape="1">
+            <a:gsLst>
+              <a:gs pos="0">
+                <a:srgbClr val="15B4FD"/>
+              </a:gs>
+              <a:gs pos="100000">
+                <a:srgbClr val="B320FF"/>
+              </a:gs>
+            </a:gsLst>
+            <a:path path="circle">
+              <a:fillToRect r="100000" b="100000"/>
+            </a:path>
+            <a:tileRect l="-100000" t="-100000"/>
+          </a:gradFill>
+          <a:ln>
+            <a:noFill/>
+          </a:ln>
+          <a:effectLst>
+            <a:outerShdw blurRad="101600" dist="38100" dir="5400000" algn="t" rotWithShape="0">
               <a:schemeClr val="tx1">
-                <a:lumMod val="75000"/>
-                <a:lumOff val="25000"/>
+                <a:alpha val="70000"/>
               </a:schemeClr>
-            </a:solidFill>
-          </a:ln>
+            </a:outerShdw>
+          </a:effectLst>
         </p:spPr>
         <p:style>
-          <a:lnRef idx="1">
-            <a:schemeClr val="accent1"/>
+          <a:lnRef idx="2">
+            <a:schemeClr val="accent1">
+              <a:shade val="50000"/>
+            </a:schemeClr>
           </a:lnRef>
-          <a:fillRef idx="0">
+          <a:fillRef idx="1">
             <a:schemeClr val="accent1"/>
           </a:fillRef>
           <a:effectRef idx="0">
             <a:schemeClr val="accent1"/>
           </a:effectRef>
           <a:fontRef idx="minor">
-            <a:schemeClr val="tx1"/>
+            <a:schemeClr val="lt1"/>
           </a:fontRef>
         </p:style>
         <p:txBody>
@@ -3591,10 +4147,10 @@
       </p:sp>
       <p:sp>
         <p:nvSpPr>
-          <p:cNvPr id="10" name="弧形 9">
-            <a:extLst>
-              <a:ext uri="{FF2B5EF4-FFF2-40B4-BE49-F238E27FC236}">
-                <a16:creationId xmlns:a16="http://schemas.microsoft.com/office/drawing/2014/main" id="{158E9925-E4D8-45E6-884A-806EFB48CD15}"/>
+          <p:cNvPr id="12" name="矩形: 圆角 11">
+            <a:extLst>
+              <a:ext uri="{FF2B5EF4-FFF2-40B4-BE49-F238E27FC236}">
+                <a16:creationId xmlns:a16="http://schemas.microsoft.com/office/drawing/2014/main" id="{849ED51E-9392-4FB7-93B0-3DBC7D9C2B88}"/>
               </a:ext>
             </a:extLst>
           </p:cNvPr>
@@ -3602,34 +4158,36 @@
           <p:nvPr/>
         </p:nvSpPr>
         <p:spPr>
-          <a:xfrm rot="17975003">
-            <a:off x="4693437" y="728057"/>
-            <a:ext cx="252000" cy="252000"/>
+          <a:xfrm>
+            <a:off x="477797" y="1040369"/>
+            <a:ext cx="3067261" cy="457200"/>
           </a:xfrm>
-          <a:prstGeom prst="arc">
+          <a:prstGeom prst="roundRect">
             <a:avLst>
-              <a:gd name="adj1" fmla="val 16200000"/>
-              <a:gd name="adj2" fmla="val 21502217"/>
+              <a:gd name="adj" fmla="val 50000"/>
             </a:avLst>
           </a:prstGeom>
-          <a:ln w="38100">
-            <a:solidFill>
-              <a:schemeClr val="bg1"/>
-            </a:solidFill>
+          <a:solidFill>
+            <a:schemeClr val="bg1"/>
+          </a:solidFill>
+          <a:ln>
+            <a:noFill/>
           </a:ln>
         </p:spPr>
         <p:style>
-          <a:lnRef idx="1">
-            <a:schemeClr val="accent1"/>
+          <a:lnRef idx="2">
+            <a:schemeClr val="accent1">
+              <a:shade val="50000"/>
+            </a:schemeClr>
           </a:lnRef>
-          <a:fillRef idx="0">
+          <a:fillRef idx="1">
             <a:schemeClr val="accent1"/>
           </a:fillRef>
           <a:effectRef idx="0">
             <a:schemeClr val="accent1"/>
           </a:effectRef>
           <a:fontRef idx="minor">
-            <a:schemeClr val="tx1"/>
+            <a:schemeClr val="lt1"/>
           </a:fontRef>
         </p:style>
         <p:txBody>
@@ -3643,10 +4201,129 @@
       </p:sp>
       <p:sp>
         <p:nvSpPr>
-          <p:cNvPr id="12" name="文本框 11">
-            <a:extLst>
-              <a:ext uri="{FF2B5EF4-FFF2-40B4-BE49-F238E27FC236}">
-                <a16:creationId xmlns:a16="http://schemas.microsoft.com/office/drawing/2014/main" id="{92E69F6C-703B-4018-8A1C-CE4167304C8A}"/>
+          <p:cNvPr id="26" name="矩形: 圆角 25">
+            <a:extLst>
+              <a:ext uri="{FF2B5EF4-FFF2-40B4-BE49-F238E27FC236}">
+                <a16:creationId xmlns:a16="http://schemas.microsoft.com/office/drawing/2014/main" id="{CEA303C5-4022-4075-BC16-73BE6821BFE3}"/>
+              </a:ext>
+            </a:extLst>
+          </p:cNvPr>
+          <p:cNvSpPr/>
+          <p:nvPr/>
+        </p:nvSpPr>
+        <p:spPr>
+          <a:xfrm>
+            <a:off x="4728052" y="319798"/>
+            <a:ext cx="4824955" cy="5613642"/>
+          </a:xfrm>
+          <a:prstGeom prst="roundRect">
+            <a:avLst>
+              <a:gd name="adj" fmla="val 6276"/>
+            </a:avLst>
+          </a:prstGeom>
+          <a:solidFill>
+            <a:schemeClr val="bg1"/>
+          </a:solidFill>
+          <a:ln>
+            <a:noFill/>
+          </a:ln>
+        </p:spPr>
+        <p:style>
+          <a:lnRef idx="2">
+            <a:schemeClr val="accent1">
+              <a:shade val="50000"/>
+            </a:schemeClr>
+          </a:lnRef>
+          <a:fillRef idx="1">
+            <a:schemeClr val="accent1"/>
+          </a:fillRef>
+          <a:effectRef idx="0">
+            <a:schemeClr val="accent1"/>
+          </a:effectRef>
+          <a:fontRef idx="minor">
+            <a:schemeClr val="lt1"/>
+          </a:fontRef>
+        </p:style>
+        <p:txBody>
+          <a:bodyPr rtlCol="0" anchor="ctr"/>
+          <a:lstStyle/>
+          <a:p>
+            <a:pPr algn="ctr"/>
+            <a:endParaRPr lang="zh-CN" altLang="en-US"/>
+          </a:p>
+        </p:txBody>
+      </p:sp>
+      <p:sp>
+        <p:nvSpPr>
+          <p:cNvPr id="27" name="矩形: 圆角 26">
+            <a:extLst>
+              <a:ext uri="{FF2B5EF4-FFF2-40B4-BE49-F238E27FC236}">
+                <a16:creationId xmlns:a16="http://schemas.microsoft.com/office/drawing/2014/main" id="{794DAEEE-507F-4AD5-B484-C7149625282A}"/>
+              </a:ext>
+            </a:extLst>
+          </p:cNvPr>
+          <p:cNvSpPr/>
+          <p:nvPr/>
+        </p:nvSpPr>
+        <p:spPr>
+          <a:xfrm>
+            <a:off x="8618352" y="480614"/>
+            <a:ext cx="720000" cy="720000"/>
+          </a:xfrm>
+          <a:prstGeom prst="roundRect">
+            <a:avLst>
+              <a:gd name="adj" fmla="val 50000"/>
+            </a:avLst>
+          </a:prstGeom>
+          <a:solidFill>
+            <a:srgbClr val="FF5339"/>
+          </a:solidFill>
+          <a:ln>
+            <a:noFill/>
+          </a:ln>
+          <a:effectLst>
+            <a:outerShdw blurRad="203200" dist="38100" dir="5400000" algn="t" rotWithShape="0">
+              <a:srgbClr val="FF5339">
+                <a:alpha val="70000"/>
+              </a:srgbClr>
+            </a:outerShdw>
+          </a:effectLst>
+        </p:spPr>
+        <p:style>
+          <a:lnRef idx="2">
+            <a:schemeClr val="accent1">
+              <a:shade val="50000"/>
+            </a:schemeClr>
+          </a:lnRef>
+          <a:fillRef idx="1">
+            <a:schemeClr val="accent1"/>
+          </a:fillRef>
+          <a:effectRef idx="0">
+            <a:schemeClr val="accent1"/>
+          </a:effectRef>
+          <a:fontRef idx="minor">
+            <a:schemeClr val="lt1"/>
+          </a:fontRef>
+        </p:style>
+        <p:txBody>
+          <a:bodyPr rtlCol="0" anchor="ctr"/>
+          <a:lstStyle/>
+          <a:p>
+            <a:pPr algn="ctr"/>
+            <a:r>
+              <a:rPr lang="en-US" altLang="zh-CN" sz="4400" b="1" dirty="0"/>
+              <a:t>+</a:t>
+            </a:r>
+            <a:endParaRPr lang="zh-CN" altLang="en-US" sz="4400" b="1" dirty="0"/>
+          </a:p>
+        </p:txBody>
+      </p:sp>
+      <p:sp>
+        <p:nvSpPr>
+          <p:cNvPr id="29" name="文本框 28">
+            <a:extLst>
+              <a:ext uri="{FF2B5EF4-FFF2-40B4-BE49-F238E27FC236}">
+                <a16:creationId xmlns:a16="http://schemas.microsoft.com/office/drawing/2014/main" id="{58918CFA-DC4C-4561-81D3-B09895F827AD}"/>
               </a:ext>
             </a:extLst>
           </p:cNvPr>
@@ -3655,8 +4332,8 @@
         </p:nvSpPr>
         <p:spPr>
           <a:xfrm>
-            <a:off x="5301286" y="638560"/>
-            <a:ext cx="2204451" cy="369332"/>
+            <a:off x="6329560" y="534466"/>
+            <a:ext cx="1338828" cy="369332"/>
           </a:xfrm>
           <a:prstGeom prst="rect">
             <a:avLst/>
@@ -3669,99 +4346,779 @@
           </a:bodyPr>
           <a:lstStyle/>
           <a:p>
+            <a:r>
+              <a:rPr lang="zh-CN" altLang="en-US" b="1" dirty="0">
+                <a:latin typeface="微软雅黑" panose="020B0503020204020204" pitchFamily="34" charset="-122"/>
+                <a:ea typeface="微软雅黑" panose="020B0503020204020204" pitchFamily="34" charset="-122"/>
+              </a:rPr>
+              <a:t>倒计时日期</a:t>
+            </a:r>
+          </a:p>
+        </p:txBody>
+      </p:sp>
+      <p:sp>
+        <p:nvSpPr>
+          <p:cNvPr id="30" name="文本框 29">
+            <a:extLst>
+              <a:ext uri="{FF2B5EF4-FFF2-40B4-BE49-F238E27FC236}">
+                <a16:creationId xmlns:a16="http://schemas.microsoft.com/office/drawing/2014/main" id="{A28766B1-9896-4C31-AC40-B4B67D99B218}"/>
+              </a:ext>
+            </a:extLst>
+          </p:cNvPr>
+          <p:cNvSpPr txBox="1"/>
+          <p:nvPr/>
+        </p:nvSpPr>
+        <p:spPr>
+          <a:xfrm>
+            <a:off x="6319873" y="1177440"/>
+            <a:ext cx="646331" cy="369332"/>
+          </a:xfrm>
+          <a:prstGeom prst="rect">
+            <a:avLst/>
+          </a:prstGeom>
+          <a:noFill/>
+        </p:spPr>
+        <p:txBody>
+          <a:bodyPr wrap="none" rtlCol="0">
+            <a:spAutoFit/>
+          </a:bodyPr>
+          <a:lstStyle/>
+          <a:p>
+            <a:r>
+              <a:rPr lang="zh-CN" altLang="en-US" dirty="0">
+                <a:solidFill>
+                  <a:schemeClr val="tx1">
+                    <a:lumMod val="75000"/>
+                    <a:lumOff val="25000"/>
+                  </a:schemeClr>
+                </a:solidFill>
+                <a:latin typeface="微软雅黑" panose="020B0503020204020204" pitchFamily="34" charset="-122"/>
+                <a:ea typeface="微软雅黑" panose="020B0503020204020204" pitchFamily="34" charset="-122"/>
+              </a:rPr>
+              <a:t>高考</a:t>
+            </a:r>
+          </a:p>
+        </p:txBody>
+      </p:sp>
+      <p:sp>
+        <p:nvSpPr>
+          <p:cNvPr id="32" name="文本框 31">
+            <a:extLst>
+              <a:ext uri="{FF2B5EF4-FFF2-40B4-BE49-F238E27FC236}">
+                <a16:creationId xmlns:a16="http://schemas.microsoft.com/office/drawing/2014/main" id="{9A195B82-EF9B-4218-8BDA-255696F66C31}"/>
+              </a:ext>
+            </a:extLst>
+          </p:cNvPr>
+          <p:cNvSpPr txBox="1"/>
+          <p:nvPr/>
+        </p:nvSpPr>
+        <p:spPr>
+          <a:xfrm>
+            <a:off x="8191071" y="1178704"/>
+            <a:ext cx="1191352" cy="369332"/>
+          </a:xfrm>
+          <a:prstGeom prst="rect">
+            <a:avLst/>
+          </a:prstGeom>
+          <a:noFill/>
+        </p:spPr>
+        <p:txBody>
+          <a:bodyPr wrap="none" rtlCol="0">
+            <a:spAutoFit/>
+          </a:bodyPr>
+          <a:lstStyle/>
+          <a:p>
             <a:pPr algn="r"/>
             <a:r>
               <a:rPr lang="en-US" altLang="zh-CN" dirty="0">
-                <a:gradFill>
-                  <a:gsLst>
-                    <a:gs pos="0">
-                      <a:srgbClr val="15B6FF">
-                        <a:alpha val="10000"/>
-                      </a:srgbClr>
-                    </a:gs>
-                    <a:gs pos="100000">
-                      <a:srgbClr val="B419FF">
-                        <a:alpha val="20000"/>
-                      </a:srgbClr>
-                    </a:gs>
-                  </a:gsLst>
-                  <a:lin ang="0" scaled="1"/>
-                </a:gradFill>
-                <a:latin typeface="三极则木简体" panose="00000500000000000000" pitchFamily="2" charset="-122"/>
-                <a:ea typeface="三极则木简体" panose="00000500000000000000" pitchFamily="2" charset="-122"/>
+                <a:solidFill>
+                  <a:schemeClr val="tx1">
+                    <a:lumMod val="75000"/>
+                    <a:lumOff val="25000"/>
+                  </a:schemeClr>
+                </a:solidFill>
+                <a:latin typeface="微软雅黑" panose="020B0503020204020204" pitchFamily="34" charset="-122"/>
+                <a:ea typeface="微软雅黑" panose="020B0503020204020204" pitchFamily="34" charset="-122"/>
               </a:rPr>
-              <a:t>205</a:t>
-            </a:r>
-            <a:r>
-              <a:rPr lang="zh-CN" altLang="en-US" dirty="0">
-                <a:gradFill>
-                  <a:gsLst>
-                    <a:gs pos="0">
-                      <a:srgbClr val="15B6FF">
-                        <a:alpha val="10000"/>
-                      </a:srgbClr>
-                    </a:gs>
-                    <a:gs pos="100000">
-                      <a:srgbClr val="B419FF">
-                        <a:alpha val="20000"/>
-                      </a:srgbClr>
-                    </a:gs>
-                  </a:gsLst>
-                  <a:lin ang="0" scaled="1"/>
-                </a:gradFill>
-                <a:latin typeface="三极则木简体" panose="00000500000000000000" pitchFamily="2" charset="-122"/>
-                <a:ea typeface="三极则木简体" panose="00000500000000000000" pitchFamily="2" charset="-122"/>
+              <a:t>2022/6/7</a:t>
+            </a:r>
+            <a:endParaRPr lang="zh-CN" altLang="en-US" dirty="0">
+              <a:solidFill>
+                <a:schemeClr val="tx1">
+                  <a:lumMod val="75000"/>
+                  <a:lumOff val="25000"/>
+                </a:schemeClr>
+              </a:solidFill>
+              <a:latin typeface="微软雅黑" panose="020B0503020204020204" pitchFamily="34" charset="-122"/>
+              <a:ea typeface="微软雅黑" panose="020B0503020204020204" pitchFamily="34" charset="-122"/>
+            </a:endParaRPr>
+          </a:p>
+        </p:txBody>
+      </p:sp>
+      <p:grpSp>
+        <p:nvGrpSpPr>
+          <p:cNvPr id="42" name="组合 41">
+            <a:extLst>
+              <a:ext uri="{FF2B5EF4-FFF2-40B4-BE49-F238E27FC236}">
+                <a16:creationId xmlns:a16="http://schemas.microsoft.com/office/drawing/2014/main" id="{1D6F70B9-8533-462A-BA59-EC74319E2D51}"/>
+              </a:ext>
+            </a:extLst>
+          </p:cNvPr>
+          <p:cNvGrpSpPr/>
+          <p:nvPr/>
+        </p:nvGrpSpPr>
+        <p:grpSpPr>
+          <a:xfrm>
+            <a:off x="5221575" y="2786462"/>
+            <a:ext cx="5601453" cy="471624"/>
+            <a:chOff x="5221575" y="2786462"/>
+            <a:chExt cx="7547313" cy="629838"/>
+          </a:xfrm>
+        </p:grpSpPr>
+        <p:sp>
+          <p:nvSpPr>
+            <p:cNvPr id="36" name="矩形: 圆角 35">
+              <a:extLst>
+                <a:ext uri="{FF2B5EF4-FFF2-40B4-BE49-F238E27FC236}">
+                  <a16:creationId xmlns:a16="http://schemas.microsoft.com/office/drawing/2014/main" id="{91369CF4-4226-4867-B1EA-9D34A28FDFBD}"/>
+                </a:ext>
+              </a:extLst>
+            </p:cNvPr>
+            <p:cNvSpPr/>
+            <p:nvPr/>
+          </p:nvSpPr>
+          <p:spPr>
+            <a:xfrm>
+              <a:off x="5221575" y="2800886"/>
+              <a:ext cx="1132114" cy="457200"/>
+            </a:xfrm>
+            <a:prstGeom prst="roundRect">
+              <a:avLst>
+                <a:gd name="adj" fmla="val 50000"/>
+              </a:avLst>
+            </a:prstGeom>
+            <a:gradFill flip="none" rotWithShape="1">
+              <a:gsLst>
+                <a:gs pos="0">
+                  <a:srgbClr val="FF5339"/>
+                </a:gs>
+                <a:gs pos="100000">
+                  <a:srgbClr val="FF0000"/>
+                </a:gs>
+              </a:gsLst>
+              <a:path path="circle">
+                <a:fillToRect r="100000" b="100000"/>
+              </a:path>
+              <a:tileRect l="-100000" t="-100000"/>
+            </a:gradFill>
+            <a:ln>
+              <a:noFill/>
+            </a:ln>
+            <a:effectLst>
+              <a:outerShdw blurRad="101600" dist="38100" dir="5400000" algn="t" rotWithShape="0">
+                <a:srgbClr val="FF5339"/>
+              </a:outerShdw>
+            </a:effectLst>
+          </p:spPr>
+          <p:style>
+            <a:lnRef idx="2">
+              <a:schemeClr val="accent1">
+                <a:shade val="50000"/>
+              </a:schemeClr>
+            </a:lnRef>
+            <a:fillRef idx="1">
+              <a:schemeClr val="accent1"/>
+            </a:fillRef>
+            <a:effectRef idx="0">
+              <a:schemeClr val="accent1"/>
+            </a:effectRef>
+            <a:fontRef idx="minor">
+              <a:schemeClr val="lt1"/>
+            </a:fontRef>
+          </p:style>
+          <p:txBody>
+            <a:bodyPr rtlCol="0" anchor="ctr"/>
+            <a:lstStyle/>
+            <a:p>
+              <a:pPr algn="ctr"/>
+              <a:endParaRPr lang="zh-CN" altLang="en-US"/>
+            </a:p>
+          </p:txBody>
+        </p:sp>
+        <p:pic>
+          <p:nvPicPr>
+            <p:cNvPr id="35" name="图片 34">
+              <a:extLst>
+                <a:ext uri="{FF2B5EF4-FFF2-40B4-BE49-F238E27FC236}">
+                  <a16:creationId xmlns:a16="http://schemas.microsoft.com/office/drawing/2014/main" id="{8FA02F3F-1A1D-4FCE-A8F8-B5664072E7CD}"/>
+                </a:ext>
+              </a:extLst>
+            </p:cNvPr>
+            <p:cNvPicPr>
+              <a:picLocks noChangeAspect="1"/>
+            </p:cNvPicPr>
+            <p:nvPr/>
+          </p:nvPicPr>
+          <p:blipFill>
+            <a:blip r:embed="rId4">
+              <a:extLst>
+                <a:ext uri="{BEBA8EAE-BF5A-486C-A8C5-ECC9F3942E4B}">
+                  <a14:imgProps xmlns:a14="http://schemas.microsoft.com/office/drawing/2010/main">
+                    <a14:imgLayer r:embed="rId5">
+                      <a14:imgEffect>
+                        <a14:sharpenSoften amount="100000"/>
+                      </a14:imgEffect>
+                      <a14:imgEffect>
+                        <a14:brightnessContrast bright="20000" contrast="20000"/>
+                      </a14:imgEffect>
+                    </a14:imgLayer>
+                  </a14:imgProps>
+                </a:ext>
+                <a:ext uri="{28A0092B-C50C-407E-A947-70E740481C1C}">
+                  <a14:useLocalDpi xmlns:a14="http://schemas.microsoft.com/office/drawing/2010/main" val="0"/>
+                </a:ext>
+              </a:extLst>
+            </a:blip>
+            <a:stretch>
+              <a:fillRect/>
+            </a:stretch>
+          </p:blipFill>
+          <p:spPr>
+            <a:xfrm>
+              <a:off x="5616590" y="2858444"/>
+              <a:ext cx="342084" cy="342084"/>
+            </a:xfrm>
+            <a:prstGeom prst="rect">
+              <a:avLst/>
+            </a:prstGeom>
+            <a:effectLst>
+              <a:outerShdw blurRad="203200" algn="ctr" rotWithShape="0">
+                <a:prstClr val="black">
+                  <a:alpha val="70000"/>
+                </a:prstClr>
+              </a:outerShdw>
+            </a:effectLst>
+          </p:spPr>
+        </p:pic>
+        <p:sp>
+          <p:nvSpPr>
+            <p:cNvPr id="38" name="对话气泡: 圆角矩形 37">
+              <a:extLst>
+                <a:ext uri="{FF2B5EF4-FFF2-40B4-BE49-F238E27FC236}">
+                  <a16:creationId xmlns:a16="http://schemas.microsoft.com/office/drawing/2014/main" id="{BC8F7F50-7DD2-493D-94EB-0F92288F65DE}"/>
+                </a:ext>
+              </a:extLst>
+            </p:cNvPr>
+            <p:cNvSpPr/>
+            <p:nvPr/>
+          </p:nvSpPr>
+          <p:spPr>
+            <a:xfrm>
+              <a:off x="6847212" y="2786462"/>
+              <a:ext cx="5921676" cy="629838"/>
+            </a:xfrm>
+            <a:prstGeom prst="wedgeRoundRectCallout">
+              <a:avLst>
+                <a:gd name="adj1" fmla="val -55067"/>
+                <a:gd name="adj2" fmla="val 4722"/>
+                <a:gd name="adj3" fmla="val 16667"/>
+              </a:avLst>
+            </a:prstGeom>
+            <a:solidFill>
+              <a:srgbClr val="FF5339">
+                <a:alpha val="60000"/>
+              </a:srgbClr>
+            </a:solidFill>
+            <a:ln>
+              <a:noFill/>
+            </a:ln>
+            <a:effectLst>
+              <a:outerShdw blurRad="101600" dist="38100" dir="5400000" algn="t" rotWithShape="0">
+                <a:srgbClr val="FF5339"/>
+              </a:outerShdw>
+            </a:effectLst>
+          </p:spPr>
+          <p:style>
+            <a:lnRef idx="2">
+              <a:schemeClr val="accent1">
+                <a:shade val="50000"/>
+              </a:schemeClr>
+            </a:lnRef>
+            <a:fillRef idx="1">
+              <a:schemeClr val="accent1"/>
+            </a:fillRef>
+            <a:effectRef idx="0">
+              <a:schemeClr val="accent1"/>
+            </a:effectRef>
+            <a:fontRef idx="minor">
+              <a:schemeClr val="lt1"/>
+            </a:fontRef>
+          </p:style>
+          <p:txBody>
+            <a:bodyPr rtlCol="0" anchor="ctr"/>
+            <a:lstStyle/>
+            <a:p>
+              <a:pPr algn="ctr"/>
+              <a:endParaRPr lang="zh-CN" altLang="en-US"/>
+            </a:p>
+          </p:txBody>
+        </p:sp>
+      </p:grpSp>
+      <p:sp>
+        <p:nvSpPr>
+          <p:cNvPr id="41" name="文本框 40">
+            <a:extLst>
+              <a:ext uri="{FF2B5EF4-FFF2-40B4-BE49-F238E27FC236}">
+                <a16:creationId xmlns:a16="http://schemas.microsoft.com/office/drawing/2014/main" id="{BC9BF331-8A1D-4E52-BEDE-3F39FE472DD6}"/>
+              </a:ext>
+            </a:extLst>
+          </p:cNvPr>
+          <p:cNvSpPr txBox="1"/>
+          <p:nvPr/>
+        </p:nvSpPr>
+        <p:spPr>
+          <a:xfrm>
+            <a:off x="6428088" y="2820970"/>
+            <a:ext cx="4394940" cy="369332"/>
+          </a:xfrm>
+          <a:prstGeom prst="rect">
+            <a:avLst/>
+          </a:prstGeom>
+          <a:noFill/>
+        </p:spPr>
+        <p:txBody>
+          <a:bodyPr wrap="square" rtlCol="0">
+            <a:spAutoFit/>
+          </a:bodyPr>
+          <a:lstStyle/>
+          <a:p>
+            <a:r>
+              <a:rPr lang="zh-CN" altLang="en-US" b="1" dirty="0">
+                <a:latin typeface="微软雅黑" panose="020B0503020204020204" pitchFamily="34" charset="-122"/>
+                <a:ea typeface="微软雅黑" panose="020B0503020204020204" pitchFamily="34" charset="-122"/>
               </a:rPr>
-              <a:t>天    </a:t>
-            </a:r>
-            <a:r>
-              <a:rPr lang="en-US" altLang="zh-CN" dirty="0">
-                <a:gradFill>
-                  <a:gsLst>
-                    <a:gs pos="0">
-                      <a:srgbClr val="15B6FF">
-                        <a:alpha val="10000"/>
-                      </a:srgbClr>
-                    </a:gs>
-                    <a:gs pos="100000">
-                      <a:srgbClr val="B419FF">
-                        <a:alpha val="20000"/>
-                      </a:srgbClr>
-                    </a:gs>
-                  </a:gsLst>
-                  <a:lin ang="0" scaled="1"/>
-                </a:gradFill>
-                <a:latin typeface="三极则木简体" panose="00000500000000000000" pitchFamily="2" charset="-122"/>
-                <a:ea typeface="三极则木简体" panose="00000500000000000000" pitchFamily="2" charset="-122"/>
+              <a:t>学校即将统一将班班通断电，请抓紧时间。</a:t>
+            </a:r>
+          </a:p>
+        </p:txBody>
+      </p:sp>
+      <p:grpSp>
+        <p:nvGrpSpPr>
+          <p:cNvPr id="45" name="组合 44">
+            <a:extLst>
+              <a:ext uri="{FF2B5EF4-FFF2-40B4-BE49-F238E27FC236}">
+                <a16:creationId xmlns:a16="http://schemas.microsoft.com/office/drawing/2014/main" id="{68904D1D-5A44-4FE4-A97C-814305128F74}"/>
+              </a:ext>
+            </a:extLst>
+          </p:cNvPr>
+          <p:cNvGrpSpPr/>
+          <p:nvPr/>
+        </p:nvGrpSpPr>
+        <p:grpSpPr>
+          <a:xfrm>
+            <a:off x="6897669" y="2015662"/>
+            <a:ext cx="2175721" cy="447737"/>
+            <a:chOff x="6897669" y="2015662"/>
+            <a:chExt cx="2586803" cy="290561"/>
+          </a:xfrm>
+        </p:grpSpPr>
+        <p:sp>
+          <p:nvSpPr>
+            <p:cNvPr id="43" name="矩形: 圆角 42">
+              <a:extLst>
+                <a:ext uri="{FF2B5EF4-FFF2-40B4-BE49-F238E27FC236}">
+                  <a16:creationId xmlns:a16="http://schemas.microsoft.com/office/drawing/2014/main" id="{635A8BFD-6F56-4CEC-9DE6-24C539AC8202}"/>
+                </a:ext>
+              </a:extLst>
+            </p:cNvPr>
+            <p:cNvSpPr/>
+            <p:nvPr/>
+          </p:nvSpPr>
+          <p:spPr>
+            <a:xfrm>
+              <a:off x="6897669" y="2015662"/>
+              <a:ext cx="2586803" cy="146469"/>
+            </a:xfrm>
+            <a:prstGeom prst="roundRect">
+              <a:avLst>
+                <a:gd name="adj" fmla="val 50000"/>
+              </a:avLst>
+            </a:prstGeom>
+            <a:solidFill>
+              <a:schemeClr val="bg1">
+                <a:lumMod val="85000"/>
+              </a:schemeClr>
+            </a:solidFill>
+            <a:ln>
+              <a:noFill/>
+            </a:ln>
+            <a:effectLst/>
+          </p:spPr>
+          <p:style>
+            <a:lnRef idx="2">
+              <a:schemeClr val="accent1">
+                <a:shade val="50000"/>
+              </a:schemeClr>
+            </a:lnRef>
+            <a:fillRef idx="1">
+              <a:schemeClr val="accent1"/>
+            </a:fillRef>
+            <a:effectRef idx="0">
+              <a:schemeClr val="accent1"/>
+            </a:effectRef>
+            <a:fontRef idx="minor">
+              <a:schemeClr val="lt1"/>
+            </a:fontRef>
+          </p:style>
+          <p:txBody>
+            <a:bodyPr rtlCol="0" anchor="ctr"/>
+            <a:lstStyle/>
+            <a:p>
+              <a:pPr algn="ctr"/>
+              <a:endParaRPr lang="zh-CN" altLang="en-US" sz="4400" b="1" dirty="0"/>
+            </a:p>
+          </p:txBody>
+        </p:sp>
+        <p:sp>
+          <p:nvSpPr>
+            <p:cNvPr id="44" name="矩形: 圆角 43">
+              <a:extLst>
+                <a:ext uri="{FF2B5EF4-FFF2-40B4-BE49-F238E27FC236}">
+                  <a16:creationId xmlns:a16="http://schemas.microsoft.com/office/drawing/2014/main" id="{ACC613AA-76D8-4576-B5AC-E5285B1FD871}"/>
+                </a:ext>
+              </a:extLst>
+            </p:cNvPr>
+            <p:cNvSpPr/>
+            <p:nvPr/>
+          </p:nvSpPr>
+          <p:spPr>
+            <a:xfrm>
+              <a:off x="6897669" y="2159754"/>
+              <a:ext cx="2586803" cy="146469"/>
+            </a:xfrm>
+            <a:prstGeom prst="roundRect">
+              <a:avLst>
+                <a:gd name="adj" fmla="val 50000"/>
+              </a:avLst>
+            </a:prstGeom>
+            <a:gradFill flip="none" rotWithShape="1">
+              <a:gsLst>
+                <a:gs pos="0">
+                  <a:srgbClr val="15B4FD"/>
+                </a:gs>
+                <a:gs pos="100000">
+                  <a:srgbClr val="B320FF"/>
+                </a:gs>
+              </a:gsLst>
+              <a:path path="circle">
+                <a:fillToRect r="100000" b="100000"/>
+              </a:path>
+              <a:tileRect l="-100000" t="-100000"/>
+            </a:gradFill>
+            <a:ln>
+              <a:noFill/>
+            </a:ln>
+            <a:effectLst/>
+          </p:spPr>
+          <p:style>
+            <a:lnRef idx="2">
+              <a:schemeClr val="accent1">
+                <a:shade val="50000"/>
+              </a:schemeClr>
+            </a:lnRef>
+            <a:fillRef idx="1">
+              <a:schemeClr val="accent1"/>
+            </a:fillRef>
+            <a:effectRef idx="0">
+              <a:schemeClr val="accent1"/>
+            </a:effectRef>
+            <a:fontRef idx="minor">
+              <a:schemeClr val="lt1"/>
+            </a:fontRef>
+          </p:style>
+          <p:txBody>
+            <a:bodyPr rtlCol="0" anchor="ctr"/>
+            <a:lstStyle/>
+            <a:p>
+              <a:pPr algn="ctr"/>
+              <a:endParaRPr lang="zh-CN" altLang="en-US" sz="4400" b="1" dirty="0"/>
+            </a:p>
+          </p:txBody>
+        </p:sp>
+      </p:grpSp>
+      <p:sp>
+        <p:nvSpPr>
+          <p:cNvPr id="46" name="矩形: 圆角 45">
+            <a:extLst>
+              <a:ext uri="{FF2B5EF4-FFF2-40B4-BE49-F238E27FC236}">
+                <a16:creationId xmlns:a16="http://schemas.microsoft.com/office/drawing/2014/main" id="{F09D70A0-83FB-4FDF-B145-DDB828B1C497}"/>
+              </a:ext>
+            </a:extLst>
+          </p:cNvPr>
+          <p:cNvSpPr/>
+          <p:nvPr/>
+        </p:nvSpPr>
+        <p:spPr>
+          <a:xfrm>
+            <a:off x="5060889" y="5207672"/>
+            <a:ext cx="4170517" cy="515670"/>
+          </a:xfrm>
+          <a:prstGeom prst="roundRect">
+            <a:avLst>
+              <a:gd name="adj" fmla="val 50000"/>
+            </a:avLst>
+          </a:prstGeom>
+          <a:gradFill>
+            <a:gsLst>
+              <a:gs pos="0">
+                <a:srgbClr val="15B4FD"/>
+              </a:gs>
+              <a:gs pos="100000">
+                <a:srgbClr val="B320FF"/>
+              </a:gs>
+            </a:gsLst>
+            <a:path path="circle">
+              <a:fillToRect r="100000" b="100000"/>
+            </a:path>
+          </a:gradFill>
+          <a:ln>
+            <a:noFill/>
+          </a:ln>
+          <a:effectLst/>
+        </p:spPr>
+        <p:style>
+          <a:lnRef idx="2">
+            <a:schemeClr val="accent1">
+              <a:shade val="50000"/>
+            </a:schemeClr>
+          </a:lnRef>
+          <a:fillRef idx="1">
+            <a:schemeClr val="accent1"/>
+          </a:fillRef>
+          <a:effectRef idx="0">
+            <a:schemeClr val="accent1"/>
+          </a:effectRef>
+          <a:fontRef idx="minor">
+            <a:schemeClr val="lt1"/>
+          </a:fontRef>
+        </p:style>
+        <p:txBody>
+          <a:bodyPr rtlCol="0" anchor="ctr"/>
+          <a:lstStyle/>
+          <a:p>
+            <a:pPr algn="ctr"/>
+            <a:r>
+              <a:rPr lang="en-US" altLang="zh-CN" sz="2400" b="1" dirty="0">
+                <a:latin typeface="微软雅黑" panose="020B0503020204020204" pitchFamily="34" charset="-122"/>
+                <a:ea typeface="微软雅黑" panose="020B0503020204020204" pitchFamily="34" charset="-122"/>
               </a:rPr>
-              <a:t>3:09</a:t>
-            </a:r>
-            <a:endParaRPr lang="zh-CN" altLang="en-US" dirty="0">
-              <a:gradFill>
-                <a:gsLst>
-                  <a:gs pos="0">
-                    <a:srgbClr val="15B6FF">
-                      <a:alpha val="10000"/>
-                    </a:srgbClr>
-                  </a:gs>
-                  <a:gs pos="100000">
-                    <a:srgbClr val="B419FF">
-                      <a:alpha val="20000"/>
-                    </a:srgbClr>
-                  </a:gs>
-                </a:gsLst>
-                <a:lin ang="0" scaled="1"/>
-              </a:gradFill>
-              <a:latin typeface="三极则木简体" panose="00000500000000000000" pitchFamily="2" charset="-122"/>
-              <a:ea typeface="三极则木简体" panose="00000500000000000000" pitchFamily="2" charset="-122"/>
+              <a:t>O</a:t>
+            </a:r>
+            <a:r>
+              <a:rPr lang="en-US" altLang="zh-CN" sz="2400" b="1" dirty="0">
+                <a:solidFill>
+                  <a:schemeClr val="lt1">
+                    <a:alpha val="50000"/>
+                  </a:schemeClr>
+                </a:solidFill>
+                <a:latin typeface="微软雅黑" panose="020B0503020204020204" pitchFamily="34" charset="-122"/>
+                <a:ea typeface="微软雅黑" panose="020B0503020204020204" pitchFamily="34" charset="-122"/>
+              </a:rPr>
+              <a:t>OOOOOOOO</a:t>
+            </a:r>
+            <a:r>
+              <a:rPr lang="en-US" altLang="zh-CN" sz="2400" b="1" dirty="0">
+                <a:latin typeface="微软雅黑" panose="020B0503020204020204" pitchFamily="34" charset="-122"/>
+                <a:ea typeface="微软雅黑" panose="020B0503020204020204" pitchFamily="34" charset="-122"/>
+              </a:rPr>
+              <a:t>K</a:t>
+            </a:r>
+            <a:endParaRPr lang="zh-CN" altLang="en-US" sz="2400" b="1" dirty="0">
+              <a:latin typeface="微软雅黑" panose="020B0503020204020204" pitchFamily="34" charset="-122"/>
+              <a:ea typeface="微软雅黑" panose="020B0503020204020204" pitchFamily="34" charset="-122"/>
             </a:endParaRPr>
           </a:p>
         </p:txBody>
       </p:sp>
+      <p:sp>
+        <p:nvSpPr>
+          <p:cNvPr id="47" name="矩形: 圆角 46">
+            <a:extLst>
+              <a:ext uri="{FF2B5EF4-FFF2-40B4-BE49-F238E27FC236}">
+                <a16:creationId xmlns:a16="http://schemas.microsoft.com/office/drawing/2014/main" id="{019B6545-E70A-4201-A984-163706324F1B}"/>
+              </a:ext>
+            </a:extLst>
+          </p:cNvPr>
+          <p:cNvSpPr/>
+          <p:nvPr/>
+        </p:nvSpPr>
+        <p:spPr>
+          <a:xfrm>
+            <a:off x="6050763" y="4400465"/>
+            <a:ext cx="270000" cy="269220"/>
+          </a:xfrm>
+          <a:prstGeom prst="roundRect">
+            <a:avLst>
+              <a:gd name="adj" fmla="val 50000"/>
+            </a:avLst>
+          </a:prstGeom>
+          <a:gradFill flip="none" rotWithShape="1">
+            <a:gsLst>
+              <a:gs pos="0">
+                <a:srgbClr val="FF5339"/>
+              </a:gs>
+              <a:gs pos="100000">
+                <a:srgbClr val="FF0000"/>
+              </a:gs>
+            </a:gsLst>
+            <a:path path="circle">
+              <a:fillToRect r="100000" b="100000"/>
+            </a:path>
+            <a:tileRect l="-100000" t="-100000"/>
+          </a:gradFill>
+          <a:ln>
+            <a:noFill/>
+          </a:ln>
+          <a:effectLst/>
+        </p:spPr>
+        <p:style>
+          <a:lnRef idx="2">
+            <a:schemeClr val="accent1">
+              <a:shade val="50000"/>
+            </a:schemeClr>
+          </a:lnRef>
+          <a:fillRef idx="1">
+            <a:schemeClr val="accent1"/>
+          </a:fillRef>
+          <a:effectRef idx="0">
+            <a:schemeClr val="accent1"/>
+          </a:effectRef>
+          <a:fontRef idx="minor">
+            <a:schemeClr val="lt1"/>
+          </a:fontRef>
+        </p:style>
+        <p:txBody>
+          <a:bodyPr rtlCol="0" anchor="ctr"/>
+          <a:lstStyle/>
+          <a:p>
+            <a:pPr algn="ctr"/>
+            <a:endParaRPr lang="zh-CN" altLang="en-US"/>
+          </a:p>
+        </p:txBody>
+      </p:sp>
+      <p:sp>
+        <p:nvSpPr>
+          <p:cNvPr id="48" name="矩形: 圆角 47">
+            <a:extLst>
+              <a:ext uri="{FF2B5EF4-FFF2-40B4-BE49-F238E27FC236}">
+                <a16:creationId xmlns:a16="http://schemas.microsoft.com/office/drawing/2014/main" id="{9EABEF68-7148-43CD-AE23-A8B08A2C27ED}"/>
+              </a:ext>
+            </a:extLst>
+          </p:cNvPr>
+          <p:cNvSpPr/>
+          <p:nvPr/>
+        </p:nvSpPr>
+        <p:spPr>
+          <a:xfrm>
+            <a:off x="6050763" y="4130352"/>
+            <a:ext cx="270000" cy="269220"/>
+          </a:xfrm>
+          <a:prstGeom prst="roundRect">
+            <a:avLst>
+              <a:gd name="adj" fmla="val 50000"/>
+            </a:avLst>
+          </a:prstGeom>
+          <a:solidFill>
+            <a:schemeClr val="bg1">
+              <a:lumMod val="85000"/>
+            </a:schemeClr>
+          </a:solidFill>
+          <a:ln>
+            <a:noFill/>
+          </a:ln>
+          <a:effectLst/>
+        </p:spPr>
+        <p:style>
+          <a:lnRef idx="2">
+            <a:schemeClr val="accent1">
+              <a:shade val="50000"/>
+            </a:schemeClr>
+          </a:lnRef>
+          <a:fillRef idx="1">
+            <a:schemeClr val="accent1"/>
+          </a:fillRef>
+          <a:effectRef idx="0">
+            <a:schemeClr val="accent1"/>
+          </a:effectRef>
+          <a:fontRef idx="minor">
+            <a:schemeClr val="lt1"/>
+          </a:fontRef>
+        </p:style>
+        <p:txBody>
+          <a:bodyPr rtlCol="0" anchor="ctr"/>
+          <a:lstStyle/>
+          <a:p>
+            <a:pPr algn="ctr"/>
+            <a:endParaRPr lang="zh-CN" altLang="en-US"/>
+          </a:p>
+        </p:txBody>
+      </p:sp>
+      <p:pic>
+        <p:nvPicPr>
+          <p:cNvPr id="55" name="图片 54">
+            <a:extLst>
+              <a:ext uri="{FF2B5EF4-FFF2-40B4-BE49-F238E27FC236}">
+                <a16:creationId xmlns:a16="http://schemas.microsoft.com/office/drawing/2014/main" id="{36F03EE5-1199-4345-9285-A0D72956D5C2}"/>
+              </a:ext>
+            </a:extLst>
+          </p:cNvPr>
+          <p:cNvPicPr>
+            <a:picLocks noChangeAspect="1"/>
+          </p:cNvPicPr>
+          <p:nvPr/>
+        </p:nvPicPr>
+        <p:blipFill>
+          <a:blip r:embed="rId6">
+            <a:extLst>
+              <a:ext uri="{BEBA8EAE-BF5A-486C-A8C5-ECC9F3942E4B}">
+                <a14:imgProps xmlns:a14="http://schemas.microsoft.com/office/drawing/2010/main">
+                  <a14:imgLayer r:embed="rId7">
+                    <a14:imgEffect>
+                      <a14:sharpenSoften amount="100000"/>
+                    </a14:imgEffect>
+                  </a14:imgLayer>
+                </a14:imgProps>
+              </a:ext>
+              <a:ext uri="{28A0092B-C50C-407E-A947-70E740481C1C}">
+                <a14:useLocalDpi xmlns:a14="http://schemas.microsoft.com/office/drawing/2010/main" val="0"/>
+              </a:ext>
+            </a:extLst>
+          </a:blip>
+          <a:stretch>
+            <a:fillRect/>
+          </a:stretch>
+        </p:blipFill>
+        <p:spPr>
+          <a:xfrm>
+            <a:off x="6094761" y="4447687"/>
+            <a:ext cx="171163" cy="171163"/>
+          </a:xfrm>
+          <a:prstGeom prst="rect">
+            <a:avLst/>
+          </a:prstGeom>
+          <a:effectLst>
+            <a:outerShdw blurRad="63500" algn="ctr" rotWithShape="0">
+              <a:prstClr val="black">
+                <a:alpha val="70000"/>
+              </a:prstClr>
+            </a:outerShdw>
+          </a:effectLst>
+        </p:spPr>
+      </p:pic>
     </p:spTree>
     <p:extLst>
       <p:ext uri="{BB962C8B-B14F-4D97-AF65-F5344CB8AC3E}">
-        <p14:creationId xmlns:p14="http://schemas.microsoft.com/office/powerpoint/2010/main" val="2610292635"/>
+        <p14:creationId xmlns:p14="http://schemas.microsoft.com/office/powerpoint/2010/main" val="3066226125"/>
       </p:ext>
     </p:extLst>
   </p:cSld>
@@ -4056,40 +5413,7 @@
       </a:bgFillStyleLst>
     </a:fmtScheme>
   </a:themeElements>
-  <a:objectDefaults>
-    <a:spDef>
-      <a:spPr>
-        <a:solidFill>
-          <a:schemeClr val="tx1"/>
-        </a:solidFill>
-        <a:ln>
-          <a:noFill/>
-        </a:ln>
-      </a:spPr>
-      <a:bodyPr rtlCol="0" anchor="ctr"/>
-      <a:lstStyle>
-        <a:defPPr algn="ctr">
-          <a:defRPr/>
-        </a:defPPr>
-      </a:lstStyle>
-      <a:style>
-        <a:lnRef idx="2">
-          <a:schemeClr val="accent1">
-            <a:shade val="50000"/>
-          </a:schemeClr>
-        </a:lnRef>
-        <a:fillRef idx="1">
-          <a:schemeClr val="accent1"/>
-        </a:fillRef>
-        <a:effectRef idx="0">
-          <a:schemeClr val="accent1"/>
-        </a:effectRef>
-        <a:fontRef idx="minor">
-          <a:schemeClr val="lt1"/>
-        </a:fontRef>
-      </a:style>
-    </a:spDef>
-  </a:objectDefaults>
+  <a:objectDefaults/>
   <a:extraClrSchemeLst/>
   <a:extLst>
     <a:ext uri="{05A4C25C-085E-4340-85A3-A5531E510DB2}">

--- a/design.pptx
+++ b/design.pptx
@@ -6,6 +6,8 @@
   </p:sldMasterIdLst>
   <p:sldIdLst>
     <p:sldId id="256" r:id="rId2"/>
+    <p:sldId id="257" r:id="rId3"/>
+    <p:sldId id="258" r:id="rId4"/>
   </p:sldIdLst>
   <p:sldSz cx="12192000" cy="6858000"/>
   <p:notesSz cx="6858000" cy="9144000"/>
@@ -259,7 +261,7 @@
           <a:p>
             <a:fld id="{F51883EF-877C-43E5-8D6B-2ED6FBCFF232}" type="datetimeFigureOut">
               <a:rPr lang="zh-CN" altLang="en-US" smtClean="0"/>
-              <a:t>2021/12/18</a:t>
+              <a:t>2022/2/4</a:t>
             </a:fld>
             <a:endParaRPr lang="zh-CN" altLang="en-US"/>
           </a:p>
@@ -457,7 +459,7 @@
           <a:p>
             <a:fld id="{F51883EF-877C-43E5-8D6B-2ED6FBCFF232}" type="datetimeFigureOut">
               <a:rPr lang="zh-CN" altLang="en-US" smtClean="0"/>
-              <a:t>2021/12/18</a:t>
+              <a:t>2022/2/4</a:t>
             </a:fld>
             <a:endParaRPr lang="zh-CN" altLang="en-US"/>
           </a:p>
@@ -665,7 +667,7 @@
           <a:p>
             <a:fld id="{F51883EF-877C-43E5-8D6B-2ED6FBCFF232}" type="datetimeFigureOut">
               <a:rPr lang="zh-CN" altLang="en-US" smtClean="0"/>
-              <a:t>2021/12/18</a:t>
+              <a:t>2022/2/4</a:t>
             </a:fld>
             <a:endParaRPr lang="zh-CN" altLang="en-US"/>
           </a:p>
@@ -863,7 +865,7 @@
           <a:p>
             <a:fld id="{F51883EF-877C-43E5-8D6B-2ED6FBCFF232}" type="datetimeFigureOut">
               <a:rPr lang="zh-CN" altLang="en-US" smtClean="0"/>
-              <a:t>2021/12/18</a:t>
+              <a:t>2022/2/4</a:t>
             </a:fld>
             <a:endParaRPr lang="zh-CN" altLang="en-US"/>
           </a:p>
@@ -1138,7 +1140,7 @@
           <a:p>
             <a:fld id="{F51883EF-877C-43E5-8D6B-2ED6FBCFF232}" type="datetimeFigureOut">
               <a:rPr lang="zh-CN" altLang="en-US" smtClean="0"/>
-              <a:t>2021/12/18</a:t>
+              <a:t>2022/2/4</a:t>
             </a:fld>
             <a:endParaRPr lang="zh-CN" altLang="en-US"/>
           </a:p>
@@ -1403,7 +1405,7 @@
           <a:p>
             <a:fld id="{F51883EF-877C-43E5-8D6B-2ED6FBCFF232}" type="datetimeFigureOut">
               <a:rPr lang="zh-CN" altLang="en-US" smtClean="0"/>
-              <a:t>2021/12/18</a:t>
+              <a:t>2022/2/4</a:t>
             </a:fld>
             <a:endParaRPr lang="zh-CN" altLang="en-US"/>
           </a:p>
@@ -1815,7 +1817,7 @@
           <a:p>
             <a:fld id="{F51883EF-877C-43E5-8D6B-2ED6FBCFF232}" type="datetimeFigureOut">
               <a:rPr lang="zh-CN" altLang="en-US" smtClean="0"/>
-              <a:t>2021/12/18</a:t>
+              <a:t>2022/2/4</a:t>
             </a:fld>
             <a:endParaRPr lang="zh-CN" altLang="en-US"/>
           </a:p>
@@ -1956,7 +1958,7 @@
           <a:p>
             <a:fld id="{F51883EF-877C-43E5-8D6B-2ED6FBCFF232}" type="datetimeFigureOut">
               <a:rPr lang="zh-CN" altLang="en-US" smtClean="0"/>
-              <a:t>2021/12/18</a:t>
+              <a:t>2022/2/4</a:t>
             </a:fld>
             <a:endParaRPr lang="zh-CN" altLang="en-US"/>
           </a:p>
@@ -2069,7 +2071,7 @@
           <a:p>
             <a:fld id="{F51883EF-877C-43E5-8D6B-2ED6FBCFF232}" type="datetimeFigureOut">
               <a:rPr lang="zh-CN" altLang="en-US" smtClean="0"/>
-              <a:t>2021/12/18</a:t>
+              <a:t>2022/2/4</a:t>
             </a:fld>
             <a:endParaRPr lang="zh-CN" altLang="en-US"/>
           </a:p>
@@ -2380,7 +2382,7 @@
           <a:p>
             <a:fld id="{F51883EF-877C-43E5-8D6B-2ED6FBCFF232}" type="datetimeFigureOut">
               <a:rPr lang="zh-CN" altLang="en-US" smtClean="0"/>
-              <a:t>2021/12/18</a:t>
+              <a:t>2022/2/4</a:t>
             </a:fld>
             <a:endParaRPr lang="zh-CN" altLang="en-US"/>
           </a:p>
@@ -2668,7 +2670,7 @@
           <a:p>
             <a:fld id="{F51883EF-877C-43E5-8D6B-2ED6FBCFF232}" type="datetimeFigureOut">
               <a:rPr lang="zh-CN" altLang="en-US" smtClean="0"/>
-              <a:t>2021/12/18</a:t>
+              <a:t>2022/2/4</a:t>
             </a:fld>
             <a:endParaRPr lang="zh-CN" altLang="en-US"/>
           </a:p>
@@ -2909,7 +2911,7 @@
           <a:p>
             <a:fld id="{F51883EF-877C-43E5-8D6B-2ED6FBCFF232}" type="datetimeFigureOut">
               <a:rPr lang="zh-CN" altLang="en-US" smtClean="0"/>
-              <a:t>2021/12/18</a:t>
+              <a:t>2022/2/4</a:t>
             </a:fld>
             <a:endParaRPr lang="zh-CN" altLang="en-US"/>
           </a:p>
@@ -5128,6 +5130,1663 @@
 </p:sld>
 </file>
 
+<file path=ppt/slides/slide2.xml><?xml version="1.0" encoding="utf-8"?>
+<p:sld xmlns:a="http://schemas.openxmlformats.org/drawingml/2006/main" xmlns:r="http://schemas.openxmlformats.org/officeDocument/2006/relationships" xmlns:p="http://schemas.openxmlformats.org/presentationml/2006/main">
+  <p:cSld>
+    <p:spTree>
+      <p:nvGrpSpPr>
+        <p:cNvPr id="1" name=""/>
+        <p:cNvGrpSpPr/>
+        <p:nvPr/>
+      </p:nvGrpSpPr>
+      <p:grpSpPr>
+        <a:xfrm>
+          <a:off x="0" y="0"/>
+          <a:ext cx="0" cy="0"/>
+          <a:chOff x="0" y="0"/>
+          <a:chExt cx="0" cy="0"/>
+        </a:xfrm>
+      </p:grpSpPr>
+      <p:pic>
+        <p:nvPicPr>
+          <p:cNvPr id="21" name="图片 20">
+            <a:extLst>
+              <a:ext uri="{FF2B5EF4-FFF2-40B4-BE49-F238E27FC236}">
+                <a16:creationId xmlns:a16="http://schemas.microsoft.com/office/drawing/2014/main" id="{A244AC75-9493-4B8C-A562-428F22D7FFC2}"/>
+              </a:ext>
+            </a:extLst>
+          </p:cNvPr>
+          <p:cNvPicPr>
+            <a:picLocks noChangeAspect="1"/>
+          </p:cNvPicPr>
+          <p:nvPr/>
+        </p:nvPicPr>
+        <p:blipFill>
+          <a:blip r:embed="rId2">
+            <a:extLst>
+              <a:ext uri="{BEBA8EAE-BF5A-486C-A8C5-ECC9F3942E4B}">
+                <a14:imgProps xmlns:a14="http://schemas.microsoft.com/office/drawing/2010/main">
+                  <a14:imgLayer r:embed="rId3">
+                    <a14:imgEffect>
+                      <a14:artisticBlur/>
+                    </a14:imgEffect>
+                    <a14:imgEffect>
+                      <a14:brightnessContrast bright="-40000"/>
+                    </a14:imgEffect>
+                  </a14:imgLayer>
+                </a14:imgProps>
+              </a:ext>
+            </a:extLst>
+          </a:blip>
+          <a:stretch>
+            <a:fillRect/>
+          </a:stretch>
+        </p:blipFill>
+        <p:spPr>
+          <a:xfrm>
+            <a:off x="0" y="1523677"/>
+            <a:ext cx="10962640" cy="6855731"/>
+          </a:xfrm>
+          <a:prstGeom prst="rect">
+            <a:avLst/>
+          </a:prstGeom>
+        </p:spPr>
+      </p:pic>
+      <p:sp>
+        <p:nvSpPr>
+          <p:cNvPr id="5" name="矩形: 圆角 4">
+            <a:extLst>
+              <a:ext uri="{FF2B5EF4-FFF2-40B4-BE49-F238E27FC236}">
+                <a16:creationId xmlns:a16="http://schemas.microsoft.com/office/drawing/2014/main" id="{115DCED2-4E1D-4451-9B1E-706BFAE1F081}"/>
+              </a:ext>
+            </a:extLst>
+          </p:cNvPr>
+          <p:cNvSpPr/>
+          <p:nvPr/>
+        </p:nvSpPr>
+        <p:spPr>
+          <a:xfrm>
+            <a:off x="489857" y="320042"/>
+            <a:ext cx="1132114" cy="457200"/>
+          </a:xfrm>
+          <a:prstGeom prst="roundRect">
+            <a:avLst>
+              <a:gd name="adj" fmla="val 50000"/>
+            </a:avLst>
+          </a:prstGeom>
+          <a:gradFill flip="none" rotWithShape="1">
+            <a:gsLst>
+              <a:gs pos="0">
+                <a:srgbClr val="15B4FD"/>
+              </a:gs>
+              <a:gs pos="100000">
+                <a:srgbClr val="B320FF"/>
+              </a:gs>
+            </a:gsLst>
+            <a:lin ang="0" scaled="1"/>
+            <a:tileRect/>
+          </a:gradFill>
+          <a:ln>
+            <a:noFill/>
+          </a:ln>
+          <a:effectLst>
+            <a:outerShdw blurRad="101600" dist="38100" dir="5400000" algn="t" rotWithShape="0">
+              <a:schemeClr val="tx1">
+                <a:alpha val="70000"/>
+              </a:schemeClr>
+            </a:outerShdw>
+          </a:effectLst>
+        </p:spPr>
+        <p:style>
+          <a:lnRef idx="2">
+            <a:schemeClr val="accent1">
+              <a:shade val="50000"/>
+            </a:schemeClr>
+          </a:lnRef>
+          <a:fillRef idx="1">
+            <a:schemeClr val="accent1"/>
+          </a:fillRef>
+          <a:effectRef idx="0">
+            <a:schemeClr val="accent1"/>
+          </a:effectRef>
+          <a:fontRef idx="minor">
+            <a:schemeClr val="lt1"/>
+          </a:fontRef>
+        </p:style>
+        <p:txBody>
+          <a:bodyPr rtlCol="0" anchor="ctr"/>
+          <a:lstStyle/>
+          <a:p>
+            <a:pPr algn="ctr"/>
+            <a:endParaRPr lang="zh-CN" altLang="en-US"/>
+          </a:p>
+        </p:txBody>
+      </p:sp>
+      <p:sp>
+        <p:nvSpPr>
+          <p:cNvPr id="4" name="矩形: 圆角 3">
+            <a:extLst>
+              <a:ext uri="{FF2B5EF4-FFF2-40B4-BE49-F238E27FC236}">
+                <a16:creationId xmlns:a16="http://schemas.microsoft.com/office/drawing/2014/main" id="{7B14DA98-3B0C-420B-8F46-054B89332FDA}"/>
+              </a:ext>
+            </a:extLst>
+          </p:cNvPr>
+          <p:cNvSpPr/>
+          <p:nvPr/>
+        </p:nvSpPr>
+        <p:spPr>
+          <a:xfrm>
+            <a:off x="489857" y="319798"/>
+            <a:ext cx="1132114" cy="457200"/>
+          </a:xfrm>
+          <a:prstGeom prst="roundRect">
+            <a:avLst>
+              <a:gd name="adj" fmla="val 50000"/>
+            </a:avLst>
+          </a:prstGeom>
+          <a:solidFill>
+            <a:schemeClr val="tx1">
+              <a:lumMod val="95000"/>
+              <a:lumOff val="5000"/>
+              <a:alpha val="70000"/>
+            </a:schemeClr>
+          </a:solidFill>
+          <a:ln>
+            <a:noFill/>
+          </a:ln>
+        </p:spPr>
+        <p:style>
+          <a:lnRef idx="2">
+            <a:schemeClr val="accent1">
+              <a:shade val="50000"/>
+            </a:schemeClr>
+          </a:lnRef>
+          <a:fillRef idx="1">
+            <a:schemeClr val="accent1"/>
+          </a:fillRef>
+          <a:effectRef idx="0">
+            <a:schemeClr val="accent1"/>
+          </a:effectRef>
+          <a:fontRef idx="minor">
+            <a:schemeClr val="lt1"/>
+          </a:fontRef>
+        </p:style>
+        <p:txBody>
+          <a:bodyPr rtlCol="0" anchor="ctr"/>
+          <a:lstStyle/>
+          <a:p>
+            <a:pPr algn="ctr"/>
+            <a:endParaRPr lang="zh-CN" altLang="en-US"/>
+          </a:p>
+        </p:txBody>
+      </p:sp>
+      <p:sp>
+        <p:nvSpPr>
+          <p:cNvPr id="8" name="文本框 7">
+            <a:extLst>
+              <a:ext uri="{FF2B5EF4-FFF2-40B4-BE49-F238E27FC236}">
+                <a16:creationId xmlns:a16="http://schemas.microsoft.com/office/drawing/2014/main" id="{BA16883D-2721-4763-9479-B9E6FD9DD307}"/>
+              </a:ext>
+            </a:extLst>
+          </p:cNvPr>
+          <p:cNvSpPr txBox="1"/>
+          <p:nvPr/>
+        </p:nvSpPr>
+        <p:spPr>
+          <a:xfrm>
+            <a:off x="634164" y="339882"/>
+            <a:ext cx="843500" cy="369332"/>
+          </a:xfrm>
+          <a:prstGeom prst="rect">
+            <a:avLst/>
+          </a:prstGeom>
+          <a:noFill/>
+        </p:spPr>
+        <p:txBody>
+          <a:bodyPr wrap="none" rtlCol="0">
+            <a:spAutoFit/>
+          </a:bodyPr>
+          <a:lstStyle/>
+          <a:p>
+            <a:pPr algn="ctr"/>
+            <a:r>
+              <a:rPr lang="en-US" altLang="zh-CN" b="1" dirty="0">
+                <a:solidFill>
+                  <a:schemeClr val="bg1"/>
+                </a:solidFill>
+                <a:latin typeface="微软雅黑" panose="020B0503020204020204" pitchFamily="34" charset="-122"/>
+                <a:ea typeface="微软雅黑" panose="020B0503020204020204" pitchFamily="34" charset="-122"/>
+              </a:rPr>
+              <a:t>171</a:t>
+            </a:r>
+            <a:r>
+              <a:rPr lang="zh-CN" altLang="en-US" b="1" dirty="0">
+                <a:solidFill>
+                  <a:schemeClr val="bg1"/>
+                </a:solidFill>
+                <a:latin typeface="微软雅黑" panose="020B0503020204020204" pitchFamily="34" charset="-122"/>
+                <a:ea typeface="微软雅黑" panose="020B0503020204020204" pitchFamily="34" charset="-122"/>
+              </a:rPr>
+              <a:t>天</a:t>
+            </a:r>
+          </a:p>
+        </p:txBody>
+      </p:sp>
+      <p:sp>
+        <p:nvSpPr>
+          <p:cNvPr id="6" name="矩形: 圆角 5">
+            <a:extLst>
+              <a:ext uri="{FF2B5EF4-FFF2-40B4-BE49-F238E27FC236}">
+                <a16:creationId xmlns:a16="http://schemas.microsoft.com/office/drawing/2014/main" id="{A25BD9A0-40C6-49D1-9AA2-3900C121EDC7}"/>
+              </a:ext>
+            </a:extLst>
+          </p:cNvPr>
+          <p:cNvSpPr/>
+          <p:nvPr/>
+        </p:nvSpPr>
+        <p:spPr>
+          <a:xfrm>
+            <a:off x="1754133" y="320042"/>
+            <a:ext cx="1321771" cy="457200"/>
+          </a:xfrm>
+          <a:prstGeom prst="roundRect">
+            <a:avLst>
+              <a:gd name="adj" fmla="val 50000"/>
+            </a:avLst>
+          </a:prstGeom>
+          <a:gradFill flip="none" rotWithShape="1">
+            <a:gsLst>
+              <a:gs pos="0">
+                <a:srgbClr val="15B4FD"/>
+              </a:gs>
+              <a:gs pos="100000">
+                <a:srgbClr val="B320FF"/>
+              </a:gs>
+            </a:gsLst>
+            <a:lin ang="0" scaled="1"/>
+            <a:tileRect/>
+          </a:gradFill>
+          <a:ln>
+            <a:noFill/>
+          </a:ln>
+          <a:effectLst>
+            <a:outerShdw blurRad="101600" dist="38100" dir="5400000" algn="t" rotWithShape="0">
+              <a:schemeClr val="tx1">
+                <a:alpha val="70000"/>
+              </a:schemeClr>
+            </a:outerShdw>
+          </a:effectLst>
+        </p:spPr>
+        <p:style>
+          <a:lnRef idx="2">
+            <a:schemeClr val="accent1">
+              <a:shade val="50000"/>
+            </a:schemeClr>
+          </a:lnRef>
+          <a:fillRef idx="1">
+            <a:schemeClr val="accent1"/>
+          </a:fillRef>
+          <a:effectRef idx="0">
+            <a:schemeClr val="accent1"/>
+          </a:effectRef>
+          <a:fontRef idx="minor">
+            <a:schemeClr val="lt1"/>
+          </a:fontRef>
+        </p:style>
+        <p:txBody>
+          <a:bodyPr rtlCol="0" anchor="ctr"/>
+          <a:lstStyle/>
+          <a:p>
+            <a:pPr algn="ctr"/>
+            <a:endParaRPr lang="zh-CN" altLang="en-US"/>
+          </a:p>
+        </p:txBody>
+      </p:sp>
+      <p:sp>
+        <p:nvSpPr>
+          <p:cNvPr id="9" name="矩形: 圆角 8">
+            <a:extLst>
+              <a:ext uri="{FF2B5EF4-FFF2-40B4-BE49-F238E27FC236}">
+                <a16:creationId xmlns:a16="http://schemas.microsoft.com/office/drawing/2014/main" id="{9986A53C-29F2-45F0-8B62-50D7221088C1}"/>
+              </a:ext>
+            </a:extLst>
+          </p:cNvPr>
+          <p:cNvSpPr/>
+          <p:nvPr/>
+        </p:nvSpPr>
+        <p:spPr>
+          <a:xfrm>
+            <a:off x="1754133" y="319798"/>
+            <a:ext cx="1321771" cy="457200"/>
+          </a:xfrm>
+          <a:prstGeom prst="roundRect">
+            <a:avLst>
+              <a:gd name="adj" fmla="val 50000"/>
+            </a:avLst>
+          </a:prstGeom>
+          <a:solidFill>
+            <a:schemeClr val="tx1">
+              <a:lumMod val="95000"/>
+              <a:lumOff val="5000"/>
+              <a:alpha val="90000"/>
+            </a:schemeClr>
+          </a:solidFill>
+          <a:ln>
+            <a:noFill/>
+          </a:ln>
+        </p:spPr>
+        <p:style>
+          <a:lnRef idx="2">
+            <a:schemeClr val="accent1">
+              <a:shade val="50000"/>
+            </a:schemeClr>
+          </a:lnRef>
+          <a:fillRef idx="1">
+            <a:schemeClr val="accent1"/>
+          </a:fillRef>
+          <a:effectRef idx="0">
+            <a:schemeClr val="accent1"/>
+          </a:effectRef>
+          <a:fontRef idx="minor">
+            <a:schemeClr val="lt1"/>
+          </a:fontRef>
+        </p:style>
+        <p:txBody>
+          <a:bodyPr rtlCol="0" anchor="ctr"/>
+          <a:lstStyle/>
+          <a:p>
+            <a:pPr algn="ctr"/>
+            <a:endParaRPr lang="zh-CN" altLang="en-US"/>
+          </a:p>
+        </p:txBody>
+      </p:sp>
+      <p:sp>
+        <p:nvSpPr>
+          <p:cNvPr id="10" name="文本框 9">
+            <a:extLst>
+              <a:ext uri="{FF2B5EF4-FFF2-40B4-BE49-F238E27FC236}">
+                <a16:creationId xmlns:a16="http://schemas.microsoft.com/office/drawing/2014/main" id="{601F811A-8BBB-40AD-88D2-8163838A6CB4}"/>
+              </a:ext>
+            </a:extLst>
+          </p:cNvPr>
+          <p:cNvSpPr txBox="1"/>
+          <p:nvPr/>
+        </p:nvSpPr>
+        <p:spPr>
+          <a:xfrm>
+            <a:off x="1805080" y="339882"/>
+            <a:ext cx="1229825" cy="369332"/>
+          </a:xfrm>
+          <a:prstGeom prst="rect">
+            <a:avLst/>
+          </a:prstGeom>
+          <a:noFill/>
+        </p:spPr>
+        <p:txBody>
+          <a:bodyPr wrap="none" rtlCol="0">
+            <a:spAutoFit/>
+          </a:bodyPr>
+          <a:lstStyle/>
+          <a:p>
+            <a:pPr algn="ctr"/>
+            <a:r>
+              <a:rPr lang="en-US" altLang="zh-CN" dirty="0">
+                <a:solidFill>
+                  <a:schemeClr val="bg1"/>
+                </a:solidFill>
+                <a:latin typeface="三极则木简体" panose="00000500000000000000" pitchFamily="2" charset="-122"/>
+                <a:ea typeface="三极则木简体" panose="00000500000000000000" pitchFamily="2" charset="-122"/>
+              </a:rPr>
+              <a:t>19:55</a:t>
+            </a:r>
+            <a:endParaRPr lang="zh-CN" altLang="en-US" dirty="0">
+              <a:solidFill>
+                <a:schemeClr val="bg1"/>
+              </a:solidFill>
+              <a:latin typeface="三极则木简体" panose="00000500000000000000" pitchFamily="2" charset="-122"/>
+              <a:ea typeface="三极则木简体" panose="00000500000000000000" pitchFamily="2" charset="-122"/>
+            </a:endParaRPr>
+          </a:p>
+        </p:txBody>
+      </p:sp>
+      <p:sp>
+        <p:nvSpPr>
+          <p:cNvPr id="13" name="文本框 12">
+            <a:extLst>
+              <a:ext uri="{FF2B5EF4-FFF2-40B4-BE49-F238E27FC236}">
+                <a16:creationId xmlns:a16="http://schemas.microsoft.com/office/drawing/2014/main" id="{3A0D7A52-6C8E-40C4-BEFF-29F79B984487}"/>
+              </a:ext>
+            </a:extLst>
+          </p:cNvPr>
+          <p:cNvSpPr txBox="1"/>
+          <p:nvPr/>
+        </p:nvSpPr>
+        <p:spPr>
+          <a:xfrm>
+            <a:off x="578634" y="1060453"/>
+            <a:ext cx="646331" cy="369332"/>
+          </a:xfrm>
+          <a:prstGeom prst="rect">
+            <a:avLst/>
+          </a:prstGeom>
+          <a:noFill/>
+        </p:spPr>
+        <p:txBody>
+          <a:bodyPr wrap="none" rtlCol="0">
+            <a:spAutoFit/>
+          </a:bodyPr>
+          <a:lstStyle/>
+          <a:p>
+            <a:r>
+              <a:rPr lang="zh-CN" altLang="en-US" dirty="0">
+                <a:latin typeface="三极则木简体" panose="00000500000000000000" pitchFamily="2" charset="-122"/>
+                <a:ea typeface="三极则木简体" panose="00000500000000000000" pitchFamily="2" charset="-122"/>
+              </a:rPr>
+              <a:t>设置</a:t>
+            </a:r>
+          </a:p>
+        </p:txBody>
+      </p:sp>
+      <p:sp>
+        <p:nvSpPr>
+          <p:cNvPr id="14" name="矩形: 圆角 13">
+            <a:extLst>
+              <a:ext uri="{FF2B5EF4-FFF2-40B4-BE49-F238E27FC236}">
+                <a16:creationId xmlns:a16="http://schemas.microsoft.com/office/drawing/2014/main" id="{EB4BE43E-575E-494B-9523-9C1C804F2A8B}"/>
+              </a:ext>
+            </a:extLst>
+          </p:cNvPr>
+          <p:cNvSpPr/>
+          <p:nvPr/>
+        </p:nvSpPr>
+        <p:spPr>
+          <a:xfrm>
+            <a:off x="471832" y="1627775"/>
+            <a:ext cx="2007951" cy="457200"/>
+          </a:xfrm>
+          <a:prstGeom prst="roundRect">
+            <a:avLst>
+              <a:gd name="adj" fmla="val 50000"/>
+            </a:avLst>
+          </a:prstGeom>
+          <a:solidFill>
+            <a:schemeClr val="bg1"/>
+          </a:solidFill>
+          <a:ln>
+            <a:noFill/>
+          </a:ln>
+        </p:spPr>
+        <p:style>
+          <a:lnRef idx="2">
+            <a:schemeClr val="accent1">
+              <a:shade val="50000"/>
+            </a:schemeClr>
+          </a:lnRef>
+          <a:fillRef idx="1">
+            <a:schemeClr val="accent1"/>
+          </a:fillRef>
+          <a:effectRef idx="0">
+            <a:schemeClr val="accent1"/>
+          </a:effectRef>
+          <a:fontRef idx="minor">
+            <a:schemeClr val="lt1"/>
+          </a:fontRef>
+        </p:style>
+        <p:txBody>
+          <a:bodyPr rtlCol="0" anchor="ctr"/>
+          <a:lstStyle/>
+          <a:p>
+            <a:pPr algn="ctr"/>
+            <a:endParaRPr lang="zh-CN" altLang="en-US"/>
+          </a:p>
+        </p:txBody>
+      </p:sp>
+      <p:sp>
+        <p:nvSpPr>
+          <p:cNvPr id="15" name="文本框 14">
+            <a:extLst>
+              <a:ext uri="{FF2B5EF4-FFF2-40B4-BE49-F238E27FC236}">
+                <a16:creationId xmlns:a16="http://schemas.microsoft.com/office/drawing/2014/main" id="{74C05A8B-EB20-4397-A940-BCAAB4E2E73B}"/>
+              </a:ext>
+            </a:extLst>
+          </p:cNvPr>
+          <p:cNvSpPr txBox="1"/>
+          <p:nvPr/>
+        </p:nvSpPr>
+        <p:spPr>
+          <a:xfrm>
+            <a:off x="572669" y="1647859"/>
+            <a:ext cx="1569660" cy="369332"/>
+          </a:xfrm>
+          <a:prstGeom prst="rect">
+            <a:avLst/>
+          </a:prstGeom>
+          <a:noFill/>
+        </p:spPr>
+        <p:txBody>
+          <a:bodyPr wrap="none" rtlCol="0">
+            <a:spAutoFit/>
+          </a:bodyPr>
+          <a:lstStyle/>
+          <a:p>
+            <a:r>
+              <a:rPr lang="zh-CN" altLang="en-US" dirty="0">
+                <a:latin typeface="三极则木简体" panose="00000500000000000000" pitchFamily="2" charset="-122"/>
+                <a:ea typeface="三极则木简体" panose="00000500000000000000" pitchFamily="2" charset="-122"/>
+              </a:rPr>
+              <a:t>隐藏</a:t>
+            </a:r>
+            <a:r>
+              <a:rPr lang="en-US" altLang="zh-CN" dirty="0">
+                <a:latin typeface="三极则木简体" panose="00000500000000000000" pitchFamily="2" charset="-122"/>
+                <a:ea typeface="三极则木简体" panose="00000500000000000000" pitchFamily="2" charset="-122"/>
+              </a:rPr>
+              <a:t>30</a:t>
+            </a:r>
+            <a:r>
+              <a:rPr lang="zh-CN" altLang="en-US" dirty="0">
+                <a:latin typeface="三极则木简体" panose="00000500000000000000" pitchFamily="2" charset="-122"/>
+                <a:ea typeface="三极则木简体" panose="00000500000000000000" pitchFamily="2" charset="-122"/>
+              </a:rPr>
+              <a:t>分钟</a:t>
+            </a:r>
+          </a:p>
+        </p:txBody>
+      </p:sp>
+      <p:sp>
+        <p:nvSpPr>
+          <p:cNvPr id="16" name="矩形: 圆角 15">
+            <a:extLst>
+              <a:ext uri="{FF2B5EF4-FFF2-40B4-BE49-F238E27FC236}">
+                <a16:creationId xmlns:a16="http://schemas.microsoft.com/office/drawing/2014/main" id="{05FBC62D-1E46-4B7B-B926-3EDC694A5462}"/>
+              </a:ext>
+            </a:extLst>
+          </p:cNvPr>
+          <p:cNvSpPr/>
+          <p:nvPr/>
+        </p:nvSpPr>
+        <p:spPr>
+          <a:xfrm>
+            <a:off x="466404" y="2203975"/>
+            <a:ext cx="2007951" cy="457200"/>
+          </a:xfrm>
+          <a:prstGeom prst="roundRect">
+            <a:avLst>
+              <a:gd name="adj" fmla="val 50000"/>
+            </a:avLst>
+          </a:prstGeom>
+          <a:solidFill>
+            <a:schemeClr val="bg1"/>
+          </a:solidFill>
+          <a:ln>
+            <a:noFill/>
+          </a:ln>
+        </p:spPr>
+        <p:style>
+          <a:lnRef idx="2">
+            <a:schemeClr val="accent1">
+              <a:shade val="50000"/>
+            </a:schemeClr>
+          </a:lnRef>
+          <a:fillRef idx="1">
+            <a:schemeClr val="accent1"/>
+          </a:fillRef>
+          <a:effectRef idx="0">
+            <a:schemeClr val="accent1"/>
+          </a:effectRef>
+          <a:fontRef idx="minor">
+            <a:schemeClr val="lt1"/>
+          </a:fontRef>
+        </p:style>
+        <p:txBody>
+          <a:bodyPr rtlCol="0" anchor="ctr"/>
+          <a:lstStyle/>
+          <a:p>
+            <a:pPr algn="ctr"/>
+            <a:endParaRPr lang="zh-CN" altLang="en-US"/>
+          </a:p>
+        </p:txBody>
+      </p:sp>
+      <p:sp>
+        <p:nvSpPr>
+          <p:cNvPr id="17" name="文本框 16">
+            <a:extLst>
+              <a:ext uri="{FF2B5EF4-FFF2-40B4-BE49-F238E27FC236}">
+                <a16:creationId xmlns:a16="http://schemas.microsoft.com/office/drawing/2014/main" id="{6CEF7DE3-16B4-4860-8D30-48D2220116BE}"/>
+              </a:ext>
+            </a:extLst>
+          </p:cNvPr>
+          <p:cNvSpPr txBox="1"/>
+          <p:nvPr/>
+        </p:nvSpPr>
+        <p:spPr>
+          <a:xfrm>
+            <a:off x="567241" y="2224059"/>
+            <a:ext cx="1569660" cy="369332"/>
+          </a:xfrm>
+          <a:prstGeom prst="rect">
+            <a:avLst/>
+          </a:prstGeom>
+          <a:noFill/>
+        </p:spPr>
+        <p:txBody>
+          <a:bodyPr wrap="none" rtlCol="0">
+            <a:spAutoFit/>
+          </a:bodyPr>
+          <a:lstStyle/>
+          <a:p>
+            <a:r>
+              <a:rPr lang="zh-CN" altLang="en-US" dirty="0">
+                <a:latin typeface="三极则木简体" panose="00000500000000000000" pitchFamily="2" charset="-122"/>
+                <a:ea typeface="三极则木简体" panose="00000500000000000000" pitchFamily="2" charset="-122"/>
+              </a:rPr>
+              <a:t>隐藏</a:t>
+            </a:r>
+            <a:r>
+              <a:rPr lang="en-US" altLang="zh-CN" dirty="0">
+                <a:latin typeface="三极则木简体" panose="00000500000000000000" pitchFamily="2" charset="-122"/>
+                <a:ea typeface="三极则木简体" panose="00000500000000000000" pitchFamily="2" charset="-122"/>
+              </a:rPr>
+              <a:t>1</a:t>
+            </a:r>
+            <a:r>
+              <a:rPr lang="zh-CN" altLang="en-US" dirty="0">
+                <a:latin typeface="三极则木简体" panose="00000500000000000000" pitchFamily="2" charset="-122"/>
+                <a:ea typeface="三极则木简体" panose="00000500000000000000" pitchFamily="2" charset="-122"/>
+              </a:rPr>
+              <a:t>个小时</a:t>
+            </a:r>
+          </a:p>
+        </p:txBody>
+      </p:sp>
+      <p:sp>
+        <p:nvSpPr>
+          <p:cNvPr id="18" name="矩形: 圆角 17">
+            <a:extLst>
+              <a:ext uri="{FF2B5EF4-FFF2-40B4-BE49-F238E27FC236}">
+                <a16:creationId xmlns:a16="http://schemas.microsoft.com/office/drawing/2014/main" id="{27EE9C43-3D31-4B6C-91A3-84685A4A9CA5}"/>
+              </a:ext>
+            </a:extLst>
+          </p:cNvPr>
+          <p:cNvSpPr/>
+          <p:nvPr/>
+        </p:nvSpPr>
+        <p:spPr>
+          <a:xfrm>
+            <a:off x="472102" y="2800886"/>
+            <a:ext cx="3067261" cy="457200"/>
+          </a:xfrm>
+          <a:prstGeom prst="roundRect">
+            <a:avLst>
+              <a:gd name="adj" fmla="val 50000"/>
+            </a:avLst>
+          </a:prstGeom>
+          <a:solidFill>
+            <a:srgbClr val="FF5339"/>
+          </a:solidFill>
+          <a:ln>
+            <a:noFill/>
+          </a:ln>
+        </p:spPr>
+        <p:style>
+          <a:lnRef idx="2">
+            <a:schemeClr val="accent1">
+              <a:shade val="50000"/>
+            </a:schemeClr>
+          </a:lnRef>
+          <a:fillRef idx="1">
+            <a:schemeClr val="accent1"/>
+          </a:fillRef>
+          <a:effectRef idx="0">
+            <a:schemeClr val="accent1"/>
+          </a:effectRef>
+          <a:fontRef idx="minor">
+            <a:schemeClr val="lt1"/>
+          </a:fontRef>
+        </p:style>
+        <p:txBody>
+          <a:bodyPr rtlCol="0" anchor="ctr"/>
+          <a:lstStyle/>
+          <a:p>
+            <a:pPr algn="ctr"/>
+            <a:endParaRPr lang="zh-CN" altLang="en-US"/>
+          </a:p>
+        </p:txBody>
+      </p:sp>
+      <p:sp>
+        <p:nvSpPr>
+          <p:cNvPr id="19" name="文本框 18">
+            <a:extLst>
+              <a:ext uri="{FF2B5EF4-FFF2-40B4-BE49-F238E27FC236}">
+                <a16:creationId xmlns:a16="http://schemas.microsoft.com/office/drawing/2014/main" id="{3EC1DAC3-1773-413D-9E1A-8C9611A81846}"/>
+              </a:ext>
+            </a:extLst>
+          </p:cNvPr>
+          <p:cNvSpPr txBox="1"/>
+          <p:nvPr/>
+        </p:nvSpPr>
+        <p:spPr>
+          <a:xfrm>
+            <a:off x="572939" y="2820970"/>
+            <a:ext cx="1338828" cy="369332"/>
+          </a:xfrm>
+          <a:prstGeom prst="rect">
+            <a:avLst/>
+          </a:prstGeom>
+          <a:noFill/>
+        </p:spPr>
+        <p:txBody>
+          <a:bodyPr wrap="none" rtlCol="0">
+            <a:spAutoFit/>
+          </a:bodyPr>
+          <a:lstStyle/>
+          <a:p>
+            <a:r>
+              <a:rPr lang="zh-CN" altLang="en-US" dirty="0">
+                <a:solidFill>
+                  <a:schemeClr val="bg1"/>
+                </a:solidFill>
+                <a:latin typeface="三极则木简体" panose="00000500000000000000" pitchFamily="2" charset="-122"/>
+                <a:ea typeface="三极则木简体" panose="00000500000000000000" pitchFamily="2" charset="-122"/>
+              </a:rPr>
+              <a:t>退出倒计时</a:t>
+            </a:r>
+          </a:p>
+        </p:txBody>
+      </p:sp>
+      <p:sp>
+        <p:nvSpPr>
+          <p:cNvPr id="22" name="矩形: 圆角 21">
+            <a:extLst>
+              <a:ext uri="{FF2B5EF4-FFF2-40B4-BE49-F238E27FC236}">
+                <a16:creationId xmlns:a16="http://schemas.microsoft.com/office/drawing/2014/main" id="{949489DA-515D-4E4B-8A72-2E44BAC0215A}"/>
+              </a:ext>
+            </a:extLst>
+          </p:cNvPr>
+          <p:cNvSpPr/>
+          <p:nvPr/>
+        </p:nvSpPr>
+        <p:spPr>
+          <a:xfrm>
+            <a:off x="3315118" y="331727"/>
+            <a:ext cx="1132114" cy="457200"/>
+          </a:xfrm>
+          <a:prstGeom prst="roundRect">
+            <a:avLst>
+              <a:gd name="adj" fmla="val 50000"/>
+            </a:avLst>
+          </a:prstGeom>
+          <a:gradFill flip="none" rotWithShape="1">
+            <a:gsLst>
+              <a:gs pos="0">
+                <a:srgbClr val="15B4FD"/>
+              </a:gs>
+              <a:gs pos="100000">
+                <a:srgbClr val="B320FF"/>
+              </a:gs>
+            </a:gsLst>
+            <a:path path="circle">
+              <a:fillToRect r="100000" b="100000"/>
+            </a:path>
+            <a:tileRect l="-100000" t="-100000"/>
+          </a:gradFill>
+          <a:ln>
+            <a:noFill/>
+          </a:ln>
+          <a:effectLst>
+            <a:outerShdw blurRad="101600" dist="38100" dir="5400000" algn="t" rotWithShape="0">
+              <a:schemeClr val="tx1">
+                <a:alpha val="70000"/>
+              </a:schemeClr>
+            </a:outerShdw>
+          </a:effectLst>
+        </p:spPr>
+        <p:style>
+          <a:lnRef idx="2">
+            <a:schemeClr val="accent1">
+              <a:shade val="50000"/>
+            </a:schemeClr>
+          </a:lnRef>
+          <a:fillRef idx="1">
+            <a:schemeClr val="accent1"/>
+          </a:fillRef>
+          <a:effectRef idx="0">
+            <a:schemeClr val="accent1"/>
+          </a:effectRef>
+          <a:fontRef idx="minor">
+            <a:schemeClr val="lt1"/>
+          </a:fontRef>
+        </p:style>
+        <p:txBody>
+          <a:bodyPr rtlCol="0" anchor="ctr"/>
+          <a:lstStyle/>
+          <a:p>
+            <a:pPr algn="ctr"/>
+            <a:endParaRPr lang="zh-CN" altLang="en-US"/>
+          </a:p>
+        </p:txBody>
+      </p:sp>
+      <p:sp>
+        <p:nvSpPr>
+          <p:cNvPr id="12" name="矩形: 圆角 11">
+            <a:extLst>
+              <a:ext uri="{FF2B5EF4-FFF2-40B4-BE49-F238E27FC236}">
+                <a16:creationId xmlns:a16="http://schemas.microsoft.com/office/drawing/2014/main" id="{849ED51E-9392-4FB7-93B0-3DBC7D9C2B88}"/>
+              </a:ext>
+            </a:extLst>
+          </p:cNvPr>
+          <p:cNvSpPr/>
+          <p:nvPr/>
+        </p:nvSpPr>
+        <p:spPr>
+          <a:xfrm>
+            <a:off x="477797" y="1040369"/>
+            <a:ext cx="3067261" cy="457200"/>
+          </a:xfrm>
+          <a:prstGeom prst="roundRect">
+            <a:avLst>
+              <a:gd name="adj" fmla="val 50000"/>
+            </a:avLst>
+          </a:prstGeom>
+          <a:solidFill>
+            <a:schemeClr val="bg1"/>
+          </a:solidFill>
+          <a:ln>
+            <a:noFill/>
+          </a:ln>
+        </p:spPr>
+        <p:style>
+          <a:lnRef idx="2">
+            <a:schemeClr val="accent1">
+              <a:shade val="50000"/>
+            </a:schemeClr>
+          </a:lnRef>
+          <a:fillRef idx="1">
+            <a:schemeClr val="accent1"/>
+          </a:fillRef>
+          <a:effectRef idx="0">
+            <a:schemeClr val="accent1"/>
+          </a:effectRef>
+          <a:fontRef idx="minor">
+            <a:schemeClr val="lt1"/>
+          </a:fontRef>
+        </p:style>
+        <p:txBody>
+          <a:bodyPr rtlCol="0" anchor="ctr"/>
+          <a:lstStyle/>
+          <a:p>
+            <a:pPr algn="ctr"/>
+            <a:endParaRPr lang="zh-CN" altLang="en-US"/>
+          </a:p>
+        </p:txBody>
+      </p:sp>
+      <p:sp>
+        <p:nvSpPr>
+          <p:cNvPr id="26" name="矩形: 圆角 25">
+            <a:extLst>
+              <a:ext uri="{FF2B5EF4-FFF2-40B4-BE49-F238E27FC236}">
+                <a16:creationId xmlns:a16="http://schemas.microsoft.com/office/drawing/2014/main" id="{CEA303C5-4022-4075-BC16-73BE6821BFE3}"/>
+              </a:ext>
+            </a:extLst>
+          </p:cNvPr>
+          <p:cNvSpPr/>
+          <p:nvPr/>
+        </p:nvSpPr>
+        <p:spPr>
+          <a:xfrm>
+            <a:off x="4728052" y="319798"/>
+            <a:ext cx="4824955" cy="5613642"/>
+          </a:xfrm>
+          <a:prstGeom prst="roundRect">
+            <a:avLst>
+              <a:gd name="adj" fmla="val 6276"/>
+            </a:avLst>
+          </a:prstGeom>
+          <a:solidFill>
+            <a:schemeClr val="bg1"/>
+          </a:solidFill>
+          <a:ln>
+            <a:noFill/>
+          </a:ln>
+        </p:spPr>
+        <p:style>
+          <a:lnRef idx="2">
+            <a:schemeClr val="accent1">
+              <a:shade val="50000"/>
+            </a:schemeClr>
+          </a:lnRef>
+          <a:fillRef idx="1">
+            <a:schemeClr val="accent1"/>
+          </a:fillRef>
+          <a:effectRef idx="0">
+            <a:schemeClr val="accent1"/>
+          </a:effectRef>
+          <a:fontRef idx="minor">
+            <a:schemeClr val="lt1"/>
+          </a:fontRef>
+        </p:style>
+        <p:txBody>
+          <a:bodyPr rtlCol="0" anchor="ctr"/>
+          <a:lstStyle/>
+          <a:p>
+            <a:pPr algn="ctr"/>
+            <a:endParaRPr lang="zh-CN" altLang="en-US"/>
+          </a:p>
+        </p:txBody>
+      </p:sp>
+      <p:sp>
+        <p:nvSpPr>
+          <p:cNvPr id="27" name="矩形: 圆角 26">
+            <a:extLst>
+              <a:ext uri="{FF2B5EF4-FFF2-40B4-BE49-F238E27FC236}">
+                <a16:creationId xmlns:a16="http://schemas.microsoft.com/office/drawing/2014/main" id="{794DAEEE-507F-4AD5-B484-C7149625282A}"/>
+              </a:ext>
+            </a:extLst>
+          </p:cNvPr>
+          <p:cNvSpPr/>
+          <p:nvPr/>
+        </p:nvSpPr>
+        <p:spPr>
+          <a:xfrm>
+            <a:off x="8618352" y="480614"/>
+            <a:ext cx="720000" cy="720000"/>
+          </a:xfrm>
+          <a:prstGeom prst="roundRect">
+            <a:avLst>
+              <a:gd name="adj" fmla="val 50000"/>
+            </a:avLst>
+          </a:prstGeom>
+          <a:solidFill>
+            <a:srgbClr val="FF5339"/>
+          </a:solidFill>
+          <a:ln>
+            <a:noFill/>
+          </a:ln>
+          <a:effectLst>
+            <a:outerShdw blurRad="203200" dist="38100" dir="5400000" algn="t" rotWithShape="0">
+              <a:srgbClr val="FF5339">
+                <a:alpha val="70000"/>
+              </a:srgbClr>
+            </a:outerShdw>
+          </a:effectLst>
+        </p:spPr>
+        <p:style>
+          <a:lnRef idx="2">
+            <a:schemeClr val="accent1">
+              <a:shade val="50000"/>
+            </a:schemeClr>
+          </a:lnRef>
+          <a:fillRef idx="1">
+            <a:schemeClr val="accent1"/>
+          </a:fillRef>
+          <a:effectRef idx="0">
+            <a:schemeClr val="accent1"/>
+          </a:effectRef>
+          <a:fontRef idx="minor">
+            <a:schemeClr val="lt1"/>
+          </a:fontRef>
+        </p:style>
+        <p:txBody>
+          <a:bodyPr rtlCol="0" anchor="ctr"/>
+          <a:lstStyle/>
+          <a:p>
+            <a:pPr algn="ctr"/>
+            <a:r>
+              <a:rPr lang="en-US" altLang="zh-CN" sz="4400" b="1" dirty="0"/>
+              <a:t>+</a:t>
+            </a:r>
+            <a:endParaRPr lang="zh-CN" altLang="en-US" sz="4400" b="1" dirty="0"/>
+          </a:p>
+        </p:txBody>
+      </p:sp>
+      <p:sp>
+        <p:nvSpPr>
+          <p:cNvPr id="29" name="文本框 28">
+            <a:extLst>
+              <a:ext uri="{FF2B5EF4-FFF2-40B4-BE49-F238E27FC236}">
+                <a16:creationId xmlns:a16="http://schemas.microsoft.com/office/drawing/2014/main" id="{58918CFA-DC4C-4561-81D3-B09895F827AD}"/>
+              </a:ext>
+            </a:extLst>
+          </p:cNvPr>
+          <p:cNvSpPr txBox="1"/>
+          <p:nvPr/>
+        </p:nvSpPr>
+        <p:spPr>
+          <a:xfrm>
+            <a:off x="6329560" y="534466"/>
+            <a:ext cx="1338828" cy="369332"/>
+          </a:xfrm>
+          <a:prstGeom prst="rect">
+            <a:avLst/>
+          </a:prstGeom>
+          <a:noFill/>
+        </p:spPr>
+        <p:txBody>
+          <a:bodyPr wrap="none" rtlCol="0">
+            <a:spAutoFit/>
+          </a:bodyPr>
+          <a:lstStyle/>
+          <a:p>
+            <a:r>
+              <a:rPr lang="zh-CN" altLang="en-US" b="1" dirty="0">
+                <a:latin typeface="微软雅黑" panose="020B0503020204020204" pitchFamily="34" charset="-122"/>
+                <a:ea typeface="微软雅黑" panose="020B0503020204020204" pitchFamily="34" charset="-122"/>
+              </a:rPr>
+              <a:t>倒计时日期</a:t>
+            </a:r>
+          </a:p>
+        </p:txBody>
+      </p:sp>
+      <p:sp>
+        <p:nvSpPr>
+          <p:cNvPr id="30" name="文本框 29">
+            <a:extLst>
+              <a:ext uri="{FF2B5EF4-FFF2-40B4-BE49-F238E27FC236}">
+                <a16:creationId xmlns:a16="http://schemas.microsoft.com/office/drawing/2014/main" id="{A28766B1-9896-4C31-AC40-B4B67D99B218}"/>
+              </a:ext>
+            </a:extLst>
+          </p:cNvPr>
+          <p:cNvSpPr txBox="1"/>
+          <p:nvPr/>
+        </p:nvSpPr>
+        <p:spPr>
+          <a:xfrm>
+            <a:off x="6319873" y="1177440"/>
+            <a:ext cx="646331" cy="369332"/>
+          </a:xfrm>
+          <a:prstGeom prst="rect">
+            <a:avLst/>
+          </a:prstGeom>
+          <a:noFill/>
+        </p:spPr>
+        <p:txBody>
+          <a:bodyPr wrap="none" rtlCol="0">
+            <a:spAutoFit/>
+          </a:bodyPr>
+          <a:lstStyle/>
+          <a:p>
+            <a:r>
+              <a:rPr lang="zh-CN" altLang="en-US" dirty="0">
+                <a:solidFill>
+                  <a:schemeClr val="tx1">
+                    <a:lumMod val="75000"/>
+                    <a:lumOff val="25000"/>
+                  </a:schemeClr>
+                </a:solidFill>
+                <a:latin typeface="微软雅黑" panose="020B0503020204020204" pitchFamily="34" charset="-122"/>
+                <a:ea typeface="微软雅黑" panose="020B0503020204020204" pitchFamily="34" charset="-122"/>
+              </a:rPr>
+              <a:t>高考</a:t>
+            </a:r>
+          </a:p>
+        </p:txBody>
+      </p:sp>
+      <p:sp>
+        <p:nvSpPr>
+          <p:cNvPr id="32" name="文本框 31">
+            <a:extLst>
+              <a:ext uri="{FF2B5EF4-FFF2-40B4-BE49-F238E27FC236}">
+                <a16:creationId xmlns:a16="http://schemas.microsoft.com/office/drawing/2014/main" id="{9A195B82-EF9B-4218-8BDA-255696F66C31}"/>
+              </a:ext>
+            </a:extLst>
+          </p:cNvPr>
+          <p:cNvSpPr txBox="1"/>
+          <p:nvPr/>
+        </p:nvSpPr>
+        <p:spPr>
+          <a:xfrm>
+            <a:off x="8191071" y="1178704"/>
+            <a:ext cx="1191352" cy="369332"/>
+          </a:xfrm>
+          <a:prstGeom prst="rect">
+            <a:avLst/>
+          </a:prstGeom>
+          <a:noFill/>
+        </p:spPr>
+        <p:txBody>
+          <a:bodyPr wrap="none" rtlCol="0">
+            <a:spAutoFit/>
+          </a:bodyPr>
+          <a:lstStyle/>
+          <a:p>
+            <a:pPr algn="r"/>
+            <a:r>
+              <a:rPr lang="en-US" altLang="zh-CN" dirty="0">
+                <a:solidFill>
+                  <a:schemeClr val="tx1">
+                    <a:lumMod val="75000"/>
+                    <a:lumOff val="25000"/>
+                  </a:schemeClr>
+                </a:solidFill>
+                <a:latin typeface="微软雅黑" panose="020B0503020204020204" pitchFamily="34" charset="-122"/>
+                <a:ea typeface="微软雅黑" panose="020B0503020204020204" pitchFamily="34" charset="-122"/>
+              </a:rPr>
+              <a:t>2022/6/7</a:t>
+            </a:r>
+            <a:endParaRPr lang="zh-CN" altLang="en-US" dirty="0">
+              <a:solidFill>
+                <a:schemeClr val="tx1">
+                  <a:lumMod val="75000"/>
+                  <a:lumOff val="25000"/>
+                </a:schemeClr>
+              </a:solidFill>
+              <a:latin typeface="微软雅黑" panose="020B0503020204020204" pitchFamily="34" charset="-122"/>
+              <a:ea typeface="微软雅黑" panose="020B0503020204020204" pitchFamily="34" charset="-122"/>
+            </a:endParaRPr>
+          </a:p>
+        </p:txBody>
+      </p:sp>
+      <p:sp>
+        <p:nvSpPr>
+          <p:cNvPr id="38" name="矩形: 圆角 37">
+            <a:extLst>
+              <a:ext uri="{FF2B5EF4-FFF2-40B4-BE49-F238E27FC236}">
+                <a16:creationId xmlns:a16="http://schemas.microsoft.com/office/drawing/2014/main" id="{BC8F7F50-7DD2-493D-94EB-0F92288F65DE}"/>
+              </a:ext>
+            </a:extLst>
+          </p:cNvPr>
+          <p:cNvSpPr/>
+          <p:nvPr/>
+        </p:nvSpPr>
+        <p:spPr>
+          <a:xfrm>
+            <a:off x="3820886" y="2786461"/>
+            <a:ext cx="7002142" cy="586045"/>
+          </a:xfrm>
+          <a:prstGeom prst="roundRect">
+            <a:avLst>
+              <a:gd name="adj" fmla="val 50000"/>
+            </a:avLst>
+          </a:prstGeom>
+          <a:solidFill>
+            <a:srgbClr val="FF5339">
+              <a:alpha val="60000"/>
+            </a:srgbClr>
+          </a:solidFill>
+          <a:ln>
+            <a:noFill/>
+          </a:ln>
+          <a:effectLst>
+            <a:outerShdw blurRad="101600" dist="38100" dir="5400000" algn="t" rotWithShape="0">
+              <a:srgbClr val="FF5339"/>
+            </a:outerShdw>
+          </a:effectLst>
+        </p:spPr>
+        <p:style>
+          <a:lnRef idx="2">
+            <a:schemeClr val="accent1">
+              <a:shade val="50000"/>
+            </a:schemeClr>
+          </a:lnRef>
+          <a:fillRef idx="1">
+            <a:schemeClr val="accent1"/>
+          </a:fillRef>
+          <a:effectRef idx="0">
+            <a:schemeClr val="accent1"/>
+          </a:effectRef>
+          <a:fontRef idx="minor">
+            <a:schemeClr val="lt1"/>
+          </a:fontRef>
+        </p:style>
+        <p:txBody>
+          <a:bodyPr rtlCol="0" anchor="ctr"/>
+          <a:lstStyle/>
+          <a:p>
+            <a:pPr algn="ctr"/>
+            <a:endParaRPr lang="zh-CN" altLang="en-US"/>
+          </a:p>
+        </p:txBody>
+      </p:sp>
+      <p:sp>
+        <p:nvSpPr>
+          <p:cNvPr id="41" name="文本框 40">
+            <a:extLst>
+              <a:ext uri="{FF2B5EF4-FFF2-40B4-BE49-F238E27FC236}">
+                <a16:creationId xmlns:a16="http://schemas.microsoft.com/office/drawing/2014/main" id="{BC9BF331-8A1D-4E52-BEDE-3F39FE472DD6}"/>
+              </a:ext>
+            </a:extLst>
+          </p:cNvPr>
+          <p:cNvSpPr txBox="1"/>
+          <p:nvPr/>
+        </p:nvSpPr>
+        <p:spPr>
+          <a:xfrm>
+            <a:off x="4829811" y="2871389"/>
+            <a:ext cx="5179172" cy="400110"/>
+          </a:xfrm>
+          <a:prstGeom prst="rect">
+            <a:avLst/>
+          </a:prstGeom>
+          <a:noFill/>
+        </p:spPr>
+        <p:txBody>
+          <a:bodyPr wrap="square" rtlCol="0">
+            <a:spAutoFit/>
+          </a:bodyPr>
+          <a:lstStyle/>
+          <a:p>
+            <a:pPr algn="ctr"/>
+            <a:r>
+              <a:rPr lang="en-US" altLang="zh-CN" sz="2000" b="1" dirty="0">
+                <a:latin typeface="微软雅黑" panose="020B0503020204020204" pitchFamily="34" charset="-122"/>
+                <a:ea typeface="微软雅黑" panose="020B0503020204020204" pitchFamily="34" charset="-122"/>
+              </a:rPr>
+              <a:t>!  </a:t>
+            </a:r>
+            <a:r>
+              <a:rPr lang="zh-CN" altLang="en-US" sz="2000" b="1" dirty="0">
+                <a:latin typeface="微软雅黑" panose="020B0503020204020204" pitchFamily="34" charset="-122"/>
+                <a:ea typeface="微软雅黑" panose="020B0503020204020204" pitchFamily="34" charset="-122"/>
+              </a:rPr>
+              <a:t>学校即将统一将班班通断电，请抓紧时间。</a:t>
+            </a:r>
+          </a:p>
+        </p:txBody>
+      </p:sp>
+      <p:grpSp>
+        <p:nvGrpSpPr>
+          <p:cNvPr id="45" name="组合 44">
+            <a:extLst>
+              <a:ext uri="{FF2B5EF4-FFF2-40B4-BE49-F238E27FC236}">
+                <a16:creationId xmlns:a16="http://schemas.microsoft.com/office/drawing/2014/main" id="{68904D1D-5A44-4FE4-A97C-814305128F74}"/>
+              </a:ext>
+            </a:extLst>
+          </p:cNvPr>
+          <p:cNvGrpSpPr/>
+          <p:nvPr/>
+        </p:nvGrpSpPr>
+        <p:grpSpPr>
+          <a:xfrm>
+            <a:off x="6897669" y="2015662"/>
+            <a:ext cx="2175721" cy="447737"/>
+            <a:chOff x="6897669" y="2015662"/>
+            <a:chExt cx="2586803" cy="290561"/>
+          </a:xfrm>
+        </p:grpSpPr>
+        <p:sp>
+          <p:nvSpPr>
+            <p:cNvPr id="43" name="矩形: 圆角 42">
+              <a:extLst>
+                <a:ext uri="{FF2B5EF4-FFF2-40B4-BE49-F238E27FC236}">
+                  <a16:creationId xmlns:a16="http://schemas.microsoft.com/office/drawing/2014/main" id="{635A8BFD-6F56-4CEC-9DE6-24C539AC8202}"/>
+                </a:ext>
+              </a:extLst>
+            </p:cNvPr>
+            <p:cNvSpPr/>
+            <p:nvPr/>
+          </p:nvSpPr>
+          <p:spPr>
+            <a:xfrm>
+              <a:off x="6897669" y="2015662"/>
+              <a:ext cx="2586803" cy="146469"/>
+            </a:xfrm>
+            <a:prstGeom prst="roundRect">
+              <a:avLst>
+                <a:gd name="adj" fmla="val 50000"/>
+              </a:avLst>
+            </a:prstGeom>
+            <a:solidFill>
+              <a:schemeClr val="bg1">
+                <a:lumMod val="85000"/>
+              </a:schemeClr>
+            </a:solidFill>
+            <a:ln>
+              <a:noFill/>
+            </a:ln>
+            <a:effectLst/>
+          </p:spPr>
+          <p:style>
+            <a:lnRef idx="2">
+              <a:schemeClr val="accent1">
+                <a:shade val="50000"/>
+              </a:schemeClr>
+            </a:lnRef>
+            <a:fillRef idx="1">
+              <a:schemeClr val="accent1"/>
+            </a:fillRef>
+            <a:effectRef idx="0">
+              <a:schemeClr val="accent1"/>
+            </a:effectRef>
+            <a:fontRef idx="minor">
+              <a:schemeClr val="lt1"/>
+            </a:fontRef>
+          </p:style>
+          <p:txBody>
+            <a:bodyPr rtlCol="0" anchor="ctr"/>
+            <a:lstStyle/>
+            <a:p>
+              <a:pPr algn="ctr"/>
+              <a:endParaRPr lang="zh-CN" altLang="en-US" sz="4400" b="1" dirty="0"/>
+            </a:p>
+          </p:txBody>
+        </p:sp>
+        <p:sp>
+          <p:nvSpPr>
+            <p:cNvPr id="44" name="矩形: 圆角 43">
+              <a:extLst>
+                <a:ext uri="{FF2B5EF4-FFF2-40B4-BE49-F238E27FC236}">
+                  <a16:creationId xmlns:a16="http://schemas.microsoft.com/office/drawing/2014/main" id="{ACC613AA-76D8-4576-B5AC-E5285B1FD871}"/>
+                </a:ext>
+              </a:extLst>
+            </p:cNvPr>
+            <p:cNvSpPr/>
+            <p:nvPr/>
+          </p:nvSpPr>
+          <p:spPr>
+            <a:xfrm>
+              <a:off x="6897669" y="2159754"/>
+              <a:ext cx="2586803" cy="146469"/>
+            </a:xfrm>
+            <a:prstGeom prst="roundRect">
+              <a:avLst>
+                <a:gd name="adj" fmla="val 50000"/>
+              </a:avLst>
+            </a:prstGeom>
+            <a:gradFill flip="none" rotWithShape="1">
+              <a:gsLst>
+                <a:gs pos="0">
+                  <a:srgbClr val="15B4FD"/>
+                </a:gs>
+                <a:gs pos="100000">
+                  <a:srgbClr val="B320FF"/>
+                </a:gs>
+              </a:gsLst>
+              <a:path path="circle">
+                <a:fillToRect r="100000" b="100000"/>
+              </a:path>
+              <a:tileRect l="-100000" t="-100000"/>
+            </a:gradFill>
+            <a:ln>
+              <a:noFill/>
+            </a:ln>
+            <a:effectLst/>
+          </p:spPr>
+          <p:style>
+            <a:lnRef idx="2">
+              <a:schemeClr val="accent1">
+                <a:shade val="50000"/>
+              </a:schemeClr>
+            </a:lnRef>
+            <a:fillRef idx="1">
+              <a:schemeClr val="accent1"/>
+            </a:fillRef>
+            <a:effectRef idx="0">
+              <a:schemeClr val="accent1"/>
+            </a:effectRef>
+            <a:fontRef idx="minor">
+              <a:schemeClr val="lt1"/>
+            </a:fontRef>
+          </p:style>
+          <p:txBody>
+            <a:bodyPr rtlCol="0" anchor="ctr"/>
+            <a:lstStyle/>
+            <a:p>
+              <a:pPr algn="ctr"/>
+              <a:endParaRPr lang="zh-CN" altLang="en-US" sz="4400" b="1" dirty="0"/>
+            </a:p>
+          </p:txBody>
+        </p:sp>
+      </p:grpSp>
+      <p:sp>
+        <p:nvSpPr>
+          <p:cNvPr id="46" name="矩形: 圆角 45">
+            <a:extLst>
+              <a:ext uri="{FF2B5EF4-FFF2-40B4-BE49-F238E27FC236}">
+                <a16:creationId xmlns:a16="http://schemas.microsoft.com/office/drawing/2014/main" id="{F09D70A0-83FB-4FDF-B145-DDB828B1C497}"/>
+              </a:ext>
+            </a:extLst>
+          </p:cNvPr>
+          <p:cNvSpPr/>
+          <p:nvPr/>
+        </p:nvSpPr>
+        <p:spPr>
+          <a:xfrm>
+            <a:off x="5060889" y="5207672"/>
+            <a:ext cx="4170517" cy="515670"/>
+          </a:xfrm>
+          <a:prstGeom prst="roundRect">
+            <a:avLst>
+              <a:gd name="adj" fmla="val 50000"/>
+            </a:avLst>
+          </a:prstGeom>
+          <a:gradFill>
+            <a:gsLst>
+              <a:gs pos="0">
+                <a:srgbClr val="15B4FD"/>
+              </a:gs>
+              <a:gs pos="100000">
+                <a:srgbClr val="B320FF"/>
+              </a:gs>
+            </a:gsLst>
+            <a:path path="circle">
+              <a:fillToRect r="100000" b="100000"/>
+            </a:path>
+          </a:gradFill>
+          <a:ln>
+            <a:noFill/>
+          </a:ln>
+          <a:effectLst/>
+        </p:spPr>
+        <p:style>
+          <a:lnRef idx="2">
+            <a:schemeClr val="accent1">
+              <a:shade val="50000"/>
+            </a:schemeClr>
+          </a:lnRef>
+          <a:fillRef idx="1">
+            <a:schemeClr val="accent1"/>
+          </a:fillRef>
+          <a:effectRef idx="0">
+            <a:schemeClr val="accent1"/>
+          </a:effectRef>
+          <a:fontRef idx="minor">
+            <a:schemeClr val="lt1"/>
+          </a:fontRef>
+        </p:style>
+        <p:txBody>
+          <a:bodyPr rtlCol="0" anchor="ctr"/>
+          <a:lstStyle/>
+          <a:p>
+            <a:pPr algn="ctr"/>
+            <a:r>
+              <a:rPr lang="en-US" altLang="zh-CN" sz="2400" b="1" dirty="0">
+                <a:latin typeface="微软雅黑" panose="020B0503020204020204" pitchFamily="34" charset="-122"/>
+                <a:ea typeface="微软雅黑" panose="020B0503020204020204" pitchFamily="34" charset="-122"/>
+              </a:rPr>
+              <a:t>O</a:t>
+            </a:r>
+            <a:r>
+              <a:rPr lang="en-US" altLang="zh-CN" sz="2400" b="1" dirty="0">
+                <a:solidFill>
+                  <a:schemeClr val="lt1">
+                    <a:alpha val="50000"/>
+                  </a:schemeClr>
+                </a:solidFill>
+                <a:latin typeface="微软雅黑" panose="020B0503020204020204" pitchFamily="34" charset="-122"/>
+                <a:ea typeface="微软雅黑" panose="020B0503020204020204" pitchFamily="34" charset="-122"/>
+              </a:rPr>
+              <a:t>OOOOOOOO</a:t>
+            </a:r>
+            <a:r>
+              <a:rPr lang="en-US" altLang="zh-CN" sz="2400" b="1" dirty="0">
+                <a:latin typeface="微软雅黑" panose="020B0503020204020204" pitchFamily="34" charset="-122"/>
+                <a:ea typeface="微软雅黑" panose="020B0503020204020204" pitchFamily="34" charset="-122"/>
+              </a:rPr>
+              <a:t>K</a:t>
+            </a:r>
+            <a:endParaRPr lang="zh-CN" altLang="en-US" sz="2400" b="1" dirty="0">
+              <a:latin typeface="微软雅黑" panose="020B0503020204020204" pitchFamily="34" charset="-122"/>
+              <a:ea typeface="微软雅黑" panose="020B0503020204020204" pitchFamily="34" charset="-122"/>
+            </a:endParaRPr>
+          </a:p>
+        </p:txBody>
+      </p:sp>
+      <p:sp>
+        <p:nvSpPr>
+          <p:cNvPr id="47" name="矩形: 圆角 46">
+            <a:extLst>
+              <a:ext uri="{FF2B5EF4-FFF2-40B4-BE49-F238E27FC236}">
+                <a16:creationId xmlns:a16="http://schemas.microsoft.com/office/drawing/2014/main" id="{019B6545-E70A-4201-A984-163706324F1B}"/>
+              </a:ext>
+            </a:extLst>
+          </p:cNvPr>
+          <p:cNvSpPr/>
+          <p:nvPr/>
+        </p:nvSpPr>
+        <p:spPr>
+          <a:xfrm>
+            <a:off x="6050763" y="4400465"/>
+            <a:ext cx="270000" cy="269220"/>
+          </a:xfrm>
+          <a:prstGeom prst="roundRect">
+            <a:avLst>
+              <a:gd name="adj" fmla="val 50000"/>
+            </a:avLst>
+          </a:prstGeom>
+          <a:gradFill flip="none" rotWithShape="1">
+            <a:gsLst>
+              <a:gs pos="0">
+                <a:srgbClr val="FF5339"/>
+              </a:gs>
+              <a:gs pos="100000">
+                <a:srgbClr val="FF0000"/>
+              </a:gs>
+            </a:gsLst>
+            <a:path path="circle">
+              <a:fillToRect r="100000" b="100000"/>
+            </a:path>
+            <a:tileRect l="-100000" t="-100000"/>
+          </a:gradFill>
+          <a:ln>
+            <a:noFill/>
+          </a:ln>
+          <a:effectLst/>
+        </p:spPr>
+        <p:style>
+          <a:lnRef idx="2">
+            <a:schemeClr val="accent1">
+              <a:shade val="50000"/>
+            </a:schemeClr>
+          </a:lnRef>
+          <a:fillRef idx="1">
+            <a:schemeClr val="accent1"/>
+          </a:fillRef>
+          <a:effectRef idx="0">
+            <a:schemeClr val="accent1"/>
+          </a:effectRef>
+          <a:fontRef idx="minor">
+            <a:schemeClr val="lt1"/>
+          </a:fontRef>
+        </p:style>
+        <p:txBody>
+          <a:bodyPr rtlCol="0" anchor="ctr"/>
+          <a:lstStyle/>
+          <a:p>
+            <a:pPr algn="ctr"/>
+            <a:endParaRPr lang="zh-CN" altLang="en-US"/>
+          </a:p>
+        </p:txBody>
+      </p:sp>
+      <p:sp>
+        <p:nvSpPr>
+          <p:cNvPr id="48" name="矩形: 圆角 47">
+            <a:extLst>
+              <a:ext uri="{FF2B5EF4-FFF2-40B4-BE49-F238E27FC236}">
+                <a16:creationId xmlns:a16="http://schemas.microsoft.com/office/drawing/2014/main" id="{9EABEF68-7148-43CD-AE23-A8B08A2C27ED}"/>
+              </a:ext>
+            </a:extLst>
+          </p:cNvPr>
+          <p:cNvSpPr/>
+          <p:nvPr/>
+        </p:nvSpPr>
+        <p:spPr>
+          <a:xfrm>
+            <a:off x="6050763" y="4130352"/>
+            <a:ext cx="270000" cy="269220"/>
+          </a:xfrm>
+          <a:prstGeom prst="roundRect">
+            <a:avLst>
+              <a:gd name="adj" fmla="val 50000"/>
+            </a:avLst>
+          </a:prstGeom>
+          <a:solidFill>
+            <a:schemeClr val="bg1">
+              <a:lumMod val="85000"/>
+            </a:schemeClr>
+          </a:solidFill>
+          <a:ln>
+            <a:noFill/>
+          </a:ln>
+          <a:effectLst/>
+        </p:spPr>
+        <p:style>
+          <a:lnRef idx="2">
+            <a:schemeClr val="accent1">
+              <a:shade val="50000"/>
+            </a:schemeClr>
+          </a:lnRef>
+          <a:fillRef idx="1">
+            <a:schemeClr val="accent1"/>
+          </a:fillRef>
+          <a:effectRef idx="0">
+            <a:schemeClr val="accent1"/>
+          </a:effectRef>
+          <a:fontRef idx="minor">
+            <a:schemeClr val="lt1"/>
+          </a:fontRef>
+        </p:style>
+        <p:txBody>
+          <a:bodyPr rtlCol="0" anchor="ctr"/>
+          <a:lstStyle/>
+          <a:p>
+            <a:pPr algn="ctr"/>
+            <a:endParaRPr lang="zh-CN" altLang="en-US"/>
+          </a:p>
+        </p:txBody>
+      </p:sp>
+    </p:spTree>
+    <p:extLst>
+      <p:ext uri="{BB962C8B-B14F-4D97-AF65-F5344CB8AC3E}">
+        <p14:creationId xmlns:p14="http://schemas.microsoft.com/office/powerpoint/2010/main" val="3391946621"/>
+      </p:ext>
+    </p:extLst>
+  </p:cSld>
+  <p:clrMapOvr>
+    <a:masterClrMapping/>
+  </p:clrMapOvr>
+</p:sld>
+</file>
+
+<file path=ppt/slides/slide3.xml><?xml version="1.0" encoding="utf-8"?>
+<p:sld xmlns:a="http://schemas.openxmlformats.org/drawingml/2006/main" xmlns:r="http://schemas.openxmlformats.org/officeDocument/2006/relationships" xmlns:p="http://schemas.openxmlformats.org/presentationml/2006/main">
+  <p:cSld>
+    <p:spTree>
+      <p:nvGrpSpPr>
+        <p:cNvPr id="1" name=""/>
+        <p:cNvGrpSpPr/>
+        <p:nvPr/>
+      </p:nvGrpSpPr>
+      <p:grpSpPr>
+        <a:xfrm>
+          <a:off x="0" y="0"/>
+          <a:ext cx="0" cy="0"/>
+          <a:chOff x="0" y="0"/>
+          <a:chExt cx="0" cy="0"/>
+        </a:xfrm>
+      </p:grpSpPr>
+    </p:spTree>
+    <p:extLst>
+      <p:ext uri="{BB962C8B-B14F-4D97-AF65-F5344CB8AC3E}">
+        <p14:creationId xmlns:p14="http://schemas.microsoft.com/office/powerpoint/2010/main" val="3143819213"/>
+      </p:ext>
+    </p:extLst>
+  </p:cSld>
+  <p:clrMapOvr>
+    <a:masterClrMapping/>
+  </p:clrMapOvr>
+</p:sld>
+</file>
+
 <file path=ppt/theme/theme1.xml><?xml version="1.0" encoding="utf-8"?>
 <a:theme xmlns:a="http://schemas.openxmlformats.org/drawingml/2006/main" name="Office 主题​​">
   <a:themeElements>

--- a/design.pptx
+++ b/design.pptx
@@ -261,7 +261,7 @@
           <a:p>
             <a:fld id="{F51883EF-877C-43E5-8D6B-2ED6FBCFF232}" type="datetimeFigureOut">
               <a:rPr lang="zh-CN" altLang="en-US" smtClean="0"/>
-              <a:t>2022/2/4</a:t>
+              <a:t>2022/4/30</a:t>
             </a:fld>
             <a:endParaRPr lang="zh-CN" altLang="en-US"/>
           </a:p>
@@ -459,7 +459,7 @@
           <a:p>
             <a:fld id="{F51883EF-877C-43E5-8D6B-2ED6FBCFF232}" type="datetimeFigureOut">
               <a:rPr lang="zh-CN" altLang="en-US" smtClean="0"/>
-              <a:t>2022/2/4</a:t>
+              <a:t>2022/4/30</a:t>
             </a:fld>
             <a:endParaRPr lang="zh-CN" altLang="en-US"/>
           </a:p>
@@ -667,7 +667,7 @@
           <a:p>
             <a:fld id="{F51883EF-877C-43E5-8D6B-2ED6FBCFF232}" type="datetimeFigureOut">
               <a:rPr lang="zh-CN" altLang="en-US" smtClean="0"/>
-              <a:t>2022/2/4</a:t>
+              <a:t>2022/4/30</a:t>
             </a:fld>
             <a:endParaRPr lang="zh-CN" altLang="en-US"/>
           </a:p>
@@ -865,7 +865,7 @@
           <a:p>
             <a:fld id="{F51883EF-877C-43E5-8D6B-2ED6FBCFF232}" type="datetimeFigureOut">
               <a:rPr lang="zh-CN" altLang="en-US" smtClean="0"/>
-              <a:t>2022/2/4</a:t>
+              <a:t>2022/4/30</a:t>
             </a:fld>
             <a:endParaRPr lang="zh-CN" altLang="en-US"/>
           </a:p>
@@ -1140,7 +1140,7 @@
           <a:p>
             <a:fld id="{F51883EF-877C-43E5-8D6B-2ED6FBCFF232}" type="datetimeFigureOut">
               <a:rPr lang="zh-CN" altLang="en-US" smtClean="0"/>
-              <a:t>2022/2/4</a:t>
+              <a:t>2022/4/30</a:t>
             </a:fld>
             <a:endParaRPr lang="zh-CN" altLang="en-US"/>
           </a:p>
@@ -1405,7 +1405,7 @@
           <a:p>
             <a:fld id="{F51883EF-877C-43E5-8D6B-2ED6FBCFF232}" type="datetimeFigureOut">
               <a:rPr lang="zh-CN" altLang="en-US" smtClean="0"/>
-              <a:t>2022/2/4</a:t>
+              <a:t>2022/4/30</a:t>
             </a:fld>
             <a:endParaRPr lang="zh-CN" altLang="en-US"/>
           </a:p>
@@ -1817,7 +1817,7 @@
           <a:p>
             <a:fld id="{F51883EF-877C-43E5-8D6B-2ED6FBCFF232}" type="datetimeFigureOut">
               <a:rPr lang="zh-CN" altLang="en-US" smtClean="0"/>
-              <a:t>2022/2/4</a:t>
+              <a:t>2022/4/30</a:t>
             </a:fld>
             <a:endParaRPr lang="zh-CN" altLang="en-US"/>
           </a:p>
@@ -1958,7 +1958,7 @@
           <a:p>
             <a:fld id="{F51883EF-877C-43E5-8D6B-2ED6FBCFF232}" type="datetimeFigureOut">
               <a:rPr lang="zh-CN" altLang="en-US" smtClean="0"/>
-              <a:t>2022/2/4</a:t>
+              <a:t>2022/4/30</a:t>
             </a:fld>
             <a:endParaRPr lang="zh-CN" altLang="en-US"/>
           </a:p>
@@ -2071,7 +2071,7 @@
           <a:p>
             <a:fld id="{F51883EF-877C-43E5-8D6B-2ED6FBCFF232}" type="datetimeFigureOut">
               <a:rPr lang="zh-CN" altLang="en-US" smtClean="0"/>
-              <a:t>2022/2/4</a:t>
+              <a:t>2022/4/30</a:t>
             </a:fld>
             <a:endParaRPr lang="zh-CN" altLang="en-US"/>
           </a:p>
@@ -2382,7 +2382,7 @@
           <a:p>
             <a:fld id="{F51883EF-877C-43E5-8D6B-2ED6FBCFF232}" type="datetimeFigureOut">
               <a:rPr lang="zh-CN" altLang="en-US" smtClean="0"/>
-              <a:t>2022/2/4</a:t>
+              <a:t>2022/4/30</a:t>
             </a:fld>
             <a:endParaRPr lang="zh-CN" altLang="en-US"/>
           </a:p>
@@ -2670,7 +2670,7 @@
           <a:p>
             <a:fld id="{F51883EF-877C-43E5-8D6B-2ED6FBCFF232}" type="datetimeFigureOut">
               <a:rPr lang="zh-CN" altLang="en-US" smtClean="0"/>
-              <a:t>2022/2/4</a:t>
+              <a:t>2022/4/30</a:t>
             </a:fld>
             <a:endParaRPr lang="zh-CN" altLang="en-US"/>
           </a:p>
@@ -2911,7 +2911,7 @@
           <a:p>
             <a:fld id="{F51883EF-877C-43E5-8D6B-2ED6FBCFF232}" type="datetimeFigureOut">
               <a:rPr lang="zh-CN" altLang="en-US" smtClean="0"/>
-              <a:t>2022/2/4</a:t>
+              <a:t>2022/4/30</a:t>
             </a:fld>
             <a:endParaRPr lang="zh-CN" altLang="en-US"/>
           </a:p>
@@ -4002,9 +4002,20 @@
               <a:gd name="adj" fmla="val 50000"/>
             </a:avLst>
           </a:prstGeom>
-          <a:solidFill>
-            <a:srgbClr val="FF5339"/>
-          </a:solidFill>
+          <a:gradFill flip="none" rotWithShape="1">
+            <a:gsLst>
+              <a:gs pos="100000">
+                <a:srgbClr val="B320FF"/>
+              </a:gs>
+              <a:gs pos="31000">
+                <a:srgbClr val="FD3F02"/>
+              </a:gs>
+            </a:gsLst>
+            <a:path path="circle">
+              <a:fillToRect r="100000" b="100000"/>
+            </a:path>
+            <a:tileRect l="-100000" t="-100000"/>
+          </a:gradFill>
           <a:ln>
             <a:noFill/>
           </a:ln>
@@ -4030,7 +4041,21 @@
           <a:lstStyle/>
           <a:p>
             <a:pPr algn="ctr"/>
-            <a:endParaRPr lang="zh-CN" altLang="en-US"/>
+            <a:endParaRPr lang="zh-CN" altLang="en-US">
+              <a:gradFill>
+                <a:gsLst>
+                  <a:gs pos="0">
+                    <a:srgbClr val="B320FF"/>
+                  </a:gs>
+                  <a:gs pos="100000">
+                    <a:srgbClr val="FD3F02"/>
+                  </a:gs>
+                </a:gsLst>
+                <a:path path="circle">
+                  <a:fillToRect t="100000" r="100000"/>
+                </a:path>
+              </a:gradFill>
+            </a:endParaRPr>
           </a:p>
         </p:txBody>
       </p:sp>
@@ -4099,11 +4124,11 @@
           </a:prstGeom>
           <a:gradFill flip="none" rotWithShape="1">
             <a:gsLst>
-              <a:gs pos="0">
-                <a:srgbClr val="15B4FD"/>
-              </a:gs>
               <a:gs pos="100000">
                 <a:srgbClr val="B320FF"/>
+              </a:gs>
+              <a:gs pos="0">
+                <a:srgbClr val="FD3F02"/>
               </a:gs>
             </a:gsLst>
             <a:path path="circle">
@@ -5117,6 +5142,428 @@
           </a:effectLst>
         </p:spPr>
       </p:pic>
+      <p:pic>
+        <p:nvPicPr>
+          <p:cNvPr id="3" name="图片 2">
+            <a:extLst>
+              <a:ext uri="{FF2B5EF4-FFF2-40B4-BE49-F238E27FC236}">
+                <a16:creationId xmlns:a16="http://schemas.microsoft.com/office/drawing/2014/main" id="{7C55F43A-6DEB-B7BB-BB84-B65285D12280}"/>
+              </a:ext>
+            </a:extLst>
+          </p:cNvPr>
+          <p:cNvPicPr>
+            <a:picLocks noChangeAspect="1"/>
+          </p:cNvPicPr>
+          <p:nvPr/>
+        </p:nvPicPr>
+        <p:blipFill>
+          <a:blip r:embed="rId8"/>
+          <a:stretch>
+            <a:fillRect/>
+          </a:stretch>
+        </p:blipFill>
+        <p:spPr>
+          <a:xfrm>
+            <a:off x="5975344" y="3279767"/>
+            <a:ext cx="1405170" cy="1737974"/>
+          </a:xfrm>
+          <a:prstGeom prst="rect">
+            <a:avLst/>
+          </a:prstGeom>
+        </p:spPr>
+      </p:pic>
+      <p:sp>
+        <p:nvSpPr>
+          <p:cNvPr id="37" name="文本框 36">
+            <a:extLst>
+              <a:ext uri="{FF2B5EF4-FFF2-40B4-BE49-F238E27FC236}">
+                <a16:creationId xmlns:a16="http://schemas.microsoft.com/office/drawing/2014/main" id="{224B8341-185B-A305-7919-025D76101C81}"/>
+              </a:ext>
+            </a:extLst>
+          </p:cNvPr>
+          <p:cNvSpPr txBox="1"/>
+          <p:nvPr/>
+        </p:nvSpPr>
+        <p:spPr>
+          <a:xfrm>
+            <a:off x="5339932" y="1747570"/>
+            <a:ext cx="1215397" cy="1107996"/>
+          </a:xfrm>
+          <a:prstGeom prst="rect">
+            <a:avLst/>
+          </a:prstGeom>
+          <a:noFill/>
+        </p:spPr>
+        <p:txBody>
+          <a:bodyPr wrap="none" rtlCol="0">
+            <a:spAutoFit/>
+          </a:bodyPr>
+          <a:lstStyle/>
+          <a:p>
+            <a:pPr algn="ctr"/>
+            <a:r>
+              <a:rPr lang="en-US" altLang="zh-CN" sz="6600" b="1" dirty="0">
+                <a:gradFill flip="none" rotWithShape="1">
+                  <a:gsLst>
+                    <a:gs pos="0">
+                      <a:srgbClr val="B320FF"/>
+                    </a:gs>
+                    <a:gs pos="100000">
+                      <a:srgbClr val="FD3F02"/>
+                    </a:gs>
+                  </a:gsLst>
+                  <a:path path="circle">
+                    <a:fillToRect t="100000" r="100000"/>
+                  </a:path>
+                  <a:tileRect l="-100000" b="-100000"/>
+                </a:gradFill>
+                <a:latin typeface="Aa马上行楷" panose="02010600010101010101" pitchFamily="2" charset="-122"/>
+                <a:ea typeface="Aa马上行楷" panose="02010600010101010101" pitchFamily="2" charset="-122"/>
+              </a:rPr>
+              <a:t>171</a:t>
+            </a:r>
+            <a:endParaRPr lang="zh-CN" altLang="en-US" sz="6600" b="1" dirty="0">
+              <a:gradFill flip="none" rotWithShape="1">
+                <a:gsLst>
+                  <a:gs pos="0">
+                    <a:srgbClr val="B320FF"/>
+                  </a:gs>
+                  <a:gs pos="100000">
+                    <a:srgbClr val="FD3F02"/>
+                  </a:gs>
+                </a:gsLst>
+                <a:path path="circle">
+                  <a:fillToRect t="100000" r="100000"/>
+                </a:path>
+                <a:tileRect l="-100000" b="-100000"/>
+              </a:gradFill>
+              <a:latin typeface="Aa马上行楷" panose="02010600010101010101" pitchFamily="2" charset="-122"/>
+              <a:ea typeface="Aa马上行楷" panose="02010600010101010101" pitchFamily="2" charset="-122"/>
+            </a:endParaRPr>
+          </a:p>
+        </p:txBody>
+      </p:sp>
+      <p:sp>
+        <p:nvSpPr>
+          <p:cNvPr id="40" name="矩形: 圆角 39">
+            <a:extLst>
+              <a:ext uri="{FF2B5EF4-FFF2-40B4-BE49-F238E27FC236}">
+                <a16:creationId xmlns:a16="http://schemas.microsoft.com/office/drawing/2014/main" id="{5CD5A145-0477-204A-3EE1-22730565DEBC}"/>
+              </a:ext>
+            </a:extLst>
+          </p:cNvPr>
+          <p:cNvSpPr/>
+          <p:nvPr/>
+        </p:nvSpPr>
+        <p:spPr>
+          <a:xfrm>
+            <a:off x="960019" y="6221621"/>
+            <a:ext cx="6099542" cy="1661406"/>
+          </a:xfrm>
+          <a:prstGeom prst="roundRect">
+            <a:avLst>
+              <a:gd name="adj" fmla="val 17730"/>
+            </a:avLst>
+          </a:prstGeom>
+          <a:gradFill>
+            <a:gsLst>
+              <a:gs pos="100000">
+                <a:schemeClr val="bg1">
+                  <a:lumMod val="95000"/>
+                </a:schemeClr>
+              </a:gs>
+              <a:gs pos="0">
+                <a:schemeClr val="bg1"/>
+              </a:gs>
+            </a:gsLst>
+            <a:path path="circle">
+              <a:fillToRect r="100000" b="100000"/>
+            </a:path>
+          </a:gradFill>
+          <a:ln>
+            <a:noFill/>
+          </a:ln>
+          <a:effectLst>
+            <a:outerShdw blurRad="50800" dist="38100" dir="5400000" algn="t" rotWithShape="0">
+              <a:prstClr val="black">
+                <a:alpha val="40000"/>
+              </a:prstClr>
+            </a:outerShdw>
+          </a:effectLst>
+        </p:spPr>
+        <p:style>
+          <a:lnRef idx="2">
+            <a:schemeClr val="accent1">
+              <a:shade val="50000"/>
+            </a:schemeClr>
+          </a:lnRef>
+          <a:fillRef idx="1">
+            <a:schemeClr val="accent1"/>
+          </a:fillRef>
+          <a:effectRef idx="0">
+            <a:schemeClr val="accent1"/>
+          </a:effectRef>
+          <a:fontRef idx="minor">
+            <a:schemeClr val="lt1"/>
+          </a:fontRef>
+        </p:style>
+        <p:txBody>
+          <a:bodyPr rtlCol="0" anchor="ctr"/>
+          <a:lstStyle/>
+          <a:p>
+            <a:pPr algn="ctr"/>
+            <a:endParaRPr lang="zh-CN" altLang="en-US"/>
+          </a:p>
+        </p:txBody>
+      </p:sp>
+      <p:sp>
+        <p:nvSpPr>
+          <p:cNvPr id="49" name="文本框 48">
+            <a:extLst>
+              <a:ext uri="{FF2B5EF4-FFF2-40B4-BE49-F238E27FC236}">
+                <a16:creationId xmlns:a16="http://schemas.microsoft.com/office/drawing/2014/main" id="{D49DEB85-5D10-CD35-A982-015312CD8753}"/>
+              </a:ext>
+            </a:extLst>
+          </p:cNvPr>
+          <p:cNvSpPr txBox="1"/>
+          <p:nvPr/>
+        </p:nvSpPr>
+        <p:spPr>
+          <a:xfrm>
+            <a:off x="1133370" y="6381425"/>
+            <a:ext cx="5832834" cy="830997"/>
+          </a:xfrm>
+          <a:prstGeom prst="rect">
+            <a:avLst/>
+          </a:prstGeom>
+          <a:noFill/>
+        </p:spPr>
+        <p:txBody>
+          <a:bodyPr wrap="square" rtlCol="0">
+            <a:spAutoFit/>
+          </a:bodyPr>
+          <a:lstStyle/>
+          <a:p>
+            <a:r>
+              <a:rPr lang="zh-CN" altLang="en-US" sz="2400" b="1" dirty="0">
+                <a:latin typeface="思源宋体 CN Heavy" panose="02020900000000000000" pitchFamily="18" charset="-122"/>
+                <a:ea typeface="思源宋体 CN Heavy" panose="02020900000000000000" pitchFamily="18" charset="-122"/>
+              </a:rPr>
+              <a:t>检测到班班通已有很长时间</a:t>
+            </a:r>
+            <a:r>
+              <a:rPr lang="zh-CN" altLang="en-US" sz="2400" b="1" dirty="0">
+                <a:gradFill flip="none" rotWithShape="1">
+                  <a:gsLst>
+                    <a:gs pos="100000">
+                      <a:srgbClr val="B320FF"/>
+                    </a:gs>
+                    <a:gs pos="44000">
+                      <a:srgbClr val="FD3F02"/>
+                    </a:gs>
+                  </a:gsLst>
+                  <a:path path="circle">
+                    <a:fillToRect r="100000" b="100000"/>
+                  </a:path>
+                  <a:tileRect l="-100000" t="-100000"/>
+                </a:gradFill>
+                <a:latin typeface="思源宋体 CN Heavy" panose="02020900000000000000" pitchFamily="18" charset="-122"/>
+                <a:ea typeface="思源宋体 CN Heavy" panose="02020900000000000000" pitchFamily="18" charset="-122"/>
+              </a:rPr>
+              <a:t>无人操作</a:t>
+            </a:r>
+            <a:r>
+              <a:rPr lang="zh-CN" altLang="en-US" sz="2400" b="1" dirty="0">
+                <a:latin typeface="思源宋体 CN Heavy" panose="02020900000000000000" pitchFamily="18" charset="-122"/>
+                <a:ea typeface="思源宋体 CN Heavy" panose="02020900000000000000" pitchFamily="18" charset="-122"/>
+              </a:rPr>
+              <a:t>。</a:t>
+            </a:r>
+            <a:endParaRPr lang="en-US" altLang="zh-CN" sz="2400" b="1" dirty="0">
+              <a:latin typeface="思源宋体 CN Heavy" panose="02020900000000000000" pitchFamily="18" charset="-122"/>
+              <a:ea typeface="思源宋体 CN Heavy" panose="02020900000000000000" pitchFamily="18" charset="-122"/>
+            </a:endParaRPr>
+          </a:p>
+          <a:p>
+            <a:r>
+              <a:rPr lang="zh-CN" altLang="en-US" sz="2400" b="1" dirty="0">
+                <a:latin typeface="思源宋体 CN Heavy" panose="02020900000000000000" pitchFamily="18" charset="-122"/>
+                <a:ea typeface="思源宋体 CN Heavy" panose="02020900000000000000" pitchFamily="18" charset="-122"/>
+              </a:rPr>
+              <a:t>因此根据程序设定，即将</a:t>
+            </a:r>
+            <a:r>
+              <a:rPr lang="zh-CN" altLang="en-US" sz="2400" b="1" dirty="0">
+                <a:gradFill>
+                  <a:gsLst>
+                    <a:gs pos="100000">
+                      <a:srgbClr val="B320FF"/>
+                    </a:gs>
+                    <a:gs pos="44000">
+                      <a:srgbClr val="FD3F02"/>
+                    </a:gs>
+                  </a:gsLst>
+                  <a:path path="circle">
+                    <a:fillToRect r="100000" b="100000"/>
+                  </a:path>
+                </a:gradFill>
+                <a:latin typeface="思源宋体 CN Heavy" panose="02020900000000000000" pitchFamily="18" charset="-122"/>
+                <a:ea typeface="思源宋体 CN Heavy" panose="02020900000000000000" pitchFamily="18" charset="-122"/>
+              </a:rPr>
+              <a:t>启动</a:t>
+            </a:r>
+            <a:r>
+              <a:rPr lang="zh-CN" altLang="en-US" sz="2400" b="1" dirty="0">
+                <a:latin typeface="思源宋体 CN Heavy" panose="02020900000000000000" pitchFamily="18" charset="-122"/>
+                <a:ea typeface="思源宋体 CN Heavy" panose="02020900000000000000" pitchFamily="18" charset="-122"/>
+              </a:rPr>
+              <a:t>倒计时锁屏。</a:t>
+            </a:r>
+          </a:p>
+        </p:txBody>
+      </p:sp>
+      <p:sp>
+        <p:nvSpPr>
+          <p:cNvPr id="50" name="矩形: 圆角 49">
+            <a:extLst>
+              <a:ext uri="{FF2B5EF4-FFF2-40B4-BE49-F238E27FC236}">
+                <a16:creationId xmlns:a16="http://schemas.microsoft.com/office/drawing/2014/main" id="{0EC91C52-F143-7D6B-8DE6-09DF75BC1420}"/>
+              </a:ext>
+            </a:extLst>
+          </p:cNvPr>
+          <p:cNvSpPr/>
+          <p:nvPr/>
+        </p:nvSpPr>
+        <p:spPr>
+          <a:xfrm>
+            <a:off x="5676236" y="7312174"/>
+            <a:ext cx="1126095" cy="413347"/>
+          </a:xfrm>
+          <a:prstGeom prst="roundRect">
+            <a:avLst>
+              <a:gd name="adj" fmla="val 50000"/>
+            </a:avLst>
+          </a:prstGeom>
+          <a:gradFill flip="none" rotWithShape="1">
+            <a:gsLst>
+              <a:gs pos="100000">
+                <a:srgbClr val="B320FF"/>
+              </a:gs>
+              <a:gs pos="31000">
+                <a:srgbClr val="FD3F02"/>
+              </a:gs>
+            </a:gsLst>
+            <a:path path="circle">
+              <a:fillToRect r="100000" b="100000"/>
+            </a:path>
+            <a:tileRect l="-100000" t="-100000"/>
+          </a:gradFill>
+          <a:ln>
+            <a:noFill/>
+          </a:ln>
+        </p:spPr>
+        <p:style>
+          <a:lnRef idx="2">
+            <a:schemeClr val="accent1">
+              <a:shade val="50000"/>
+            </a:schemeClr>
+          </a:lnRef>
+          <a:fillRef idx="1">
+            <a:schemeClr val="accent1"/>
+          </a:fillRef>
+          <a:effectRef idx="0">
+            <a:schemeClr val="accent1"/>
+          </a:effectRef>
+          <a:fontRef idx="minor">
+            <a:schemeClr val="lt1"/>
+          </a:fontRef>
+        </p:style>
+        <p:txBody>
+          <a:bodyPr rtlCol="0" anchor="ctr"/>
+          <a:lstStyle/>
+          <a:p>
+            <a:pPr algn="ctr"/>
+            <a:r>
+              <a:rPr lang="zh-CN" altLang="en-US" sz="2000" dirty="0">
+                <a:solidFill>
+                  <a:schemeClr val="bg1"/>
+                </a:solidFill>
+                <a:latin typeface="思源宋体 CN Heavy" panose="02020900000000000000" pitchFamily="18" charset="-122"/>
+                <a:ea typeface="思源宋体 CN Heavy" panose="02020900000000000000" pitchFamily="18" charset="-122"/>
+              </a:rPr>
+              <a:t>取消</a:t>
+            </a:r>
+          </a:p>
+        </p:txBody>
+      </p:sp>
+      <p:sp>
+        <p:nvSpPr>
+          <p:cNvPr id="51" name="矩形: 圆角 50">
+            <a:extLst>
+              <a:ext uri="{FF2B5EF4-FFF2-40B4-BE49-F238E27FC236}">
+                <a16:creationId xmlns:a16="http://schemas.microsoft.com/office/drawing/2014/main" id="{382749E9-1C70-C8C4-D5F5-8E50DDFB153E}"/>
+              </a:ext>
+            </a:extLst>
+          </p:cNvPr>
+          <p:cNvSpPr/>
+          <p:nvPr/>
+        </p:nvSpPr>
+        <p:spPr>
+          <a:xfrm>
+            <a:off x="2924402" y="7328811"/>
+            <a:ext cx="2601808" cy="413347"/>
+          </a:xfrm>
+          <a:prstGeom prst="roundRect">
+            <a:avLst>
+              <a:gd name="adj" fmla="val 50000"/>
+            </a:avLst>
+          </a:prstGeom>
+          <a:solidFill>
+            <a:schemeClr val="bg1">
+              <a:lumMod val="85000"/>
+            </a:schemeClr>
+          </a:solidFill>
+          <a:ln>
+            <a:noFill/>
+          </a:ln>
+        </p:spPr>
+        <p:style>
+          <a:lnRef idx="2">
+            <a:schemeClr val="accent1">
+              <a:shade val="50000"/>
+            </a:schemeClr>
+          </a:lnRef>
+          <a:fillRef idx="1">
+            <a:schemeClr val="accent1"/>
+          </a:fillRef>
+          <a:effectRef idx="0">
+            <a:schemeClr val="accent1"/>
+          </a:effectRef>
+          <a:fontRef idx="minor">
+            <a:schemeClr val="lt1"/>
+          </a:fontRef>
+        </p:style>
+        <p:txBody>
+          <a:bodyPr rtlCol="0" anchor="ctr"/>
+          <a:lstStyle/>
+          <a:p>
+            <a:pPr algn="ctr"/>
+            <a:r>
+              <a:rPr lang="zh-CN" altLang="en-US" sz="2000" dirty="0">
+                <a:solidFill>
+                  <a:schemeClr val="tx1">
+                    <a:lumMod val="85000"/>
+                    <a:lumOff val="15000"/>
+                  </a:schemeClr>
+                </a:solidFill>
+                <a:latin typeface="思源宋体 CN Heavy" panose="02020900000000000000" pitchFamily="18" charset="-122"/>
+                <a:ea typeface="思源宋体 CN Heavy" panose="02020900000000000000" pitchFamily="18" charset="-122"/>
+              </a:rPr>
+              <a:t>一小时内不再出现</a:t>
+            </a:r>
+          </a:p>
+        </p:txBody>
+      </p:sp>
     </p:spTree>
     <p:extLst>
       <p:ext uri="{BB962C8B-B14F-4D97-AF65-F5344CB8AC3E}">
@@ -5223,8 +5670,10 @@
                 <a:srgbClr val="B320FF"/>
               </a:gs>
             </a:gsLst>
-            <a:lin ang="0" scaled="1"/>
-            <a:tileRect/>
+            <a:path path="circle">
+              <a:fillToRect r="100000" b="100000"/>
+            </a:path>
+            <a:tileRect l="-100000" t="-100000"/>
           </a:gradFill>
           <a:ln>
             <a:noFill/>
@@ -5276,7 +5725,7 @@
         </p:nvSpPr>
         <p:spPr>
           <a:xfrm>
-            <a:off x="489857" y="319798"/>
+            <a:off x="492309" y="319798"/>
             <a:ext cx="1132114" cy="457200"/>
           </a:xfrm>
           <a:prstGeom prst="roundRect">
@@ -5288,7 +5737,7 @@
             <a:schemeClr val="tx1">
               <a:lumMod val="95000"/>
               <a:lumOff val="5000"/>
-              <a:alpha val="70000"/>
+              <a:alpha val="60000"/>
             </a:schemeClr>
           </a:solidFill>
           <a:ln>
@@ -5334,7 +5783,7 @@
         </p:nvSpPr>
         <p:spPr>
           <a:xfrm>
-            <a:off x="634164" y="339882"/>
+            <a:off x="1795493" y="1204846"/>
             <a:ext cx="843500" cy="369332"/>
           </a:xfrm>
           <a:prstGeom prst="rect">
@@ -5514,7 +5963,7 @@
         </p:nvSpPr>
         <p:spPr>
           <a:xfrm>
-            <a:off x="1805080" y="339882"/>
+            <a:off x="2429732" y="1132178"/>
             <a:ext cx="1229825" cy="369332"/>
           </a:xfrm>
           <a:prstGeom prst="rect">
@@ -6300,7 +6749,7 @@
           </a:prstGeom>
           <a:solidFill>
             <a:srgbClr val="FF5339">
-              <a:alpha val="60000"/>
+              <a:alpha val="80000"/>
             </a:srgbClr>
           </a:solidFill>
           <a:ln>
@@ -6308,7 +6757,9 @@
           </a:ln>
           <a:effectLst>
             <a:outerShdw blurRad="101600" dist="38100" dir="5400000" algn="t" rotWithShape="0">
-              <a:srgbClr val="FF5339"/>
+              <a:schemeClr val="tx1">
+                <a:alpha val="40000"/>
+              </a:schemeClr>
             </a:outerShdw>
           </a:effectLst>
         </p:spPr>
@@ -6351,8 +6802,8 @@
         </p:nvSpPr>
         <p:spPr>
           <a:xfrm>
-            <a:off x="4829811" y="2871389"/>
-            <a:ext cx="5179172" cy="400110"/>
+            <a:off x="4011466" y="2846675"/>
+            <a:ext cx="6664772" cy="461665"/>
           </a:xfrm>
           <a:prstGeom prst="rect">
             <a:avLst/>
@@ -6367,18 +6818,96 @@
           <a:p>
             <a:pPr algn="ctr"/>
             <a:r>
-              <a:rPr lang="en-US" altLang="zh-CN" sz="2000" b="1" dirty="0">
+              <a:rPr lang="zh-CN" altLang="en-US" sz="2400" b="1" dirty="0">
+                <a:solidFill>
+                  <a:schemeClr val="bg1"/>
+                </a:solidFill>
+                <a:latin typeface="思源宋体 CN Heavy" panose="02020900000000000000" pitchFamily="18" charset="-122"/>
+                <a:ea typeface="思源宋体 CN Heavy" panose="02020900000000000000" pitchFamily="18" charset="-122"/>
+              </a:rPr>
+              <a:t>⚠</a:t>
+            </a:r>
+            <a:r>
+              <a:rPr lang="zh-CN" altLang="en-US" sz="2400" b="1" dirty="0">
                 <a:latin typeface="微软雅黑" panose="020B0503020204020204" pitchFamily="34" charset="-122"/>
                 <a:ea typeface="微软雅黑" panose="020B0503020204020204" pitchFamily="34" charset="-122"/>
               </a:rPr>
-              <a:t>!  </a:t>
-            </a:r>
-            <a:r>
-              <a:rPr lang="zh-CN" altLang="en-US" sz="2000" b="1" dirty="0">
-                <a:latin typeface="微软雅黑" panose="020B0503020204020204" pitchFamily="34" charset="-122"/>
-                <a:ea typeface="微软雅黑" panose="020B0503020204020204" pitchFamily="34" charset="-122"/>
+              <a:t> </a:t>
+            </a:r>
+            <a:r>
+              <a:rPr lang="zh-CN" altLang="en-US" sz="2400" b="1" dirty="0">
+                <a:latin typeface="思源宋体 CN Heavy" panose="02020900000000000000" pitchFamily="18" charset="-122"/>
+                <a:ea typeface="思源宋体 CN Heavy" panose="02020900000000000000" pitchFamily="18" charset="-122"/>
               </a:rPr>
-              <a:t>学校即将统一将班班通断电，请抓紧时间。</a:t>
+              <a:t>学校</a:t>
+            </a:r>
+            <a:r>
+              <a:rPr lang="zh-CN" altLang="en-US" sz="2400" b="1" dirty="0">
+                <a:solidFill>
+                  <a:schemeClr val="bg1"/>
+                </a:solidFill>
+                <a:latin typeface="思源宋体 CN Heavy" panose="02020900000000000000" pitchFamily="18" charset="-122"/>
+                <a:ea typeface="思源宋体 CN Heavy" panose="02020900000000000000" pitchFamily="18" charset="-122"/>
+              </a:rPr>
+              <a:t>即将</a:t>
+            </a:r>
+            <a:r>
+              <a:rPr lang="zh-CN" altLang="en-US" sz="2400" b="1" dirty="0">
+                <a:latin typeface="思源宋体 CN Heavy" panose="02020900000000000000" pitchFamily="18" charset="-122"/>
+                <a:ea typeface="思源宋体 CN Heavy" panose="02020900000000000000" pitchFamily="18" charset="-122"/>
+              </a:rPr>
+              <a:t>统一</a:t>
+            </a:r>
+            <a:r>
+              <a:rPr lang="zh-CN" altLang="en-US" sz="2400" b="1" dirty="0">
+                <a:solidFill>
+                  <a:schemeClr val="bg1"/>
+                </a:solidFill>
+                <a:latin typeface="思源宋体 CN Heavy" panose="02020900000000000000" pitchFamily="18" charset="-122"/>
+                <a:ea typeface="思源宋体 CN Heavy" panose="02020900000000000000" pitchFamily="18" charset="-122"/>
+              </a:rPr>
+              <a:t>切断</a:t>
+            </a:r>
+            <a:r>
+              <a:rPr lang="zh-CN" altLang="en-US" sz="2400" b="1" dirty="0">
+                <a:latin typeface="思源宋体 CN Heavy" panose="02020900000000000000" pitchFamily="18" charset="-122"/>
+                <a:ea typeface="思源宋体 CN Heavy" panose="02020900000000000000" pitchFamily="18" charset="-122"/>
+              </a:rPr>
+              <a:t>班班通</a:t>
+            </a:r>
+            <a:r>
+              <a:rPr lang="zh-CN" altLang="en-US" sz="2400" b="1" dirty="0">
+                <a:solidFill>
+                  <a:schemeClr val="bg1"/>
+                </a:solidFill>
+                <a:latin typeface="思源宋体 CN Heavy" panose="02020900000000000000" pitchFamily="18" charset="-122"/>
+                <a:ea typeface="思源宋体 CN Heavy" panose="02020900000000000000" pitchFamily="18" charset="-122"/>
+              </a:rPr>
+              <a:t>电源</a:t>
+            </a:r>
+            <a:r>
+              <a:rPr lang="zh-CN" altLang="en-US" sz="2400" b="1" dirty="0">
+                <a:latin typeface="思源宋体 CN Heavy" panose="02020900000000000000" pitchFamily="18" charset="-122"/>
+                <a:ea typeface="思源宋体 CN Heavy" panose="02020900000000000000" pitchFamily="18" charset="-122"/>
+              </a:rPr>
+              <a:t>，请</a:t>
+            </a:r>
+            <a:r>
+              <a:rPr lang="zh-CN" altLang="en-US" sz="2400" b="1" dirty="0">
+                <a:solidFill>
+                  <a:schemeClr val="bg1"/>
+                </a:solidFill>
+                <a:latin typeface="思源宋体 CN Heavy" panose="02020900000000000000" pitchFamily="18" charset="-122"/>
+                <a:ea typeface="思源宋体 CN Heavy" panose="02020900000000000000" pitchFamily="18" charset="-122"/>
+              </a:rPr>
+              <a:t>抓紧</a:t>
+            </a:r>
+            <a:r>
+              <a:rPr lang="zh-CN" altLang="en-US" sz="2400" b="1" dirty="0">
+                <a:latin typeface="思源宋体 CN Heavy" panose="02020900000000000000" pitchFamily="18" charset="-122"/>
+                <a:ea typeface="思源宋体 CN Heavy" panose="02020900000000000000" pitchFamily="18" charset="-122"/>
+              </a:rPr>
+              <a:t>时间。</a:t>
             </a:r>
           </a:p>
         </p:txBody>
@@ -6774,6 +7303,191 @@
           <a:chExt cx="0" cy="0"/>
         </a:xfrm>
       </p:grpSpPr>
+      <p:sp>
+        <p:nvSpPr>
+          <p:cNvPr id="4" name="矩形: 圆角 3">
+            <a:extLst>
+              <a:ext uri="{FF2B5EF4-FFF2-40B4-BE49-F238E27FC236}">
+                <a16:creationId xmlns:a16="http://schemas.microsoft.com/office/drawing/2014/main" id="{CF27738F-8561-5F53-B893-23A308A7D753}"/>
+              </a:ext>
+            </a:extLst>
+          </p:cNvPr>
+          <p:cNvSpPr/>
+          <p:nvPr/>
+        </p:nvSpPr>
+        <p:spPr>
+          <a:xfrm>
+            <a:off x="1608948" y="3547247"/>
+            <a:ext cx="6099542" cy="1661406"/>
+          </a:xfrm>
+          <a:prstGeom prst="roundRect">
+            <a:avLst>
+              <a:gd name="adj" fmla="val 17730"/>
+            </a:avLst>
+          </a:prstGeom>
+          <a:solidFill>
+            <a:schemeClr val="bg1"/>
+          </a:solidFill>
+          <a:ln>
+            <a:noFill/>
+          </a:ln>
+          <a:effectLst>
+            <a:outerShdw blurRad="203200" dist="101600" dir="5400000" algn="t" rotWithShape="0">
+              <a:prstClr val="black">
+                <a:alpha val="20000"/>
+              </a:prstClr>
+            </a:outerShdw>
+          </a:effectLst>
+        </p:spPr>
+        <p:style>
+          <a:lnRef idx="2">
+            <a:schemeClr val="accent1">
+              <a:shade val="50000"/>
+            </a:schemeClr>
+          </a:lnRef>
+          <a:fillRef idx="1">
+            <a:schemeClr val="accent1"/>
+          </a:fillRef>
+          <a:effectRef idx="0">
+            <a:schemeClr val="accent1"/>
+          </a:effectRef>
+          <a:fontRef idx="minor">
+            <a:schemeClr val="lt1"/>
+          </a:fontRef>
+        </p:style>
+        <p:txBody>
+          <a:bodyPr rtlCol="0" anchor="ctr"/>
+          <a:lstStyle/>
+          <a:p>
+            <a:pPr algn="ctr"/>
+            <a:endParaRPr lang="zh-CN" altLang="en-US"/>
+          </a:p>
+        </p:txBody>
+      </p:sp>
+      <p:sp>
+        <p:nvSpPr>
+          <p:cNvPr id="5" name="文本框 4">
+            <a:extLst>
+              <a:ext uri="{FF2B5EF4-FFF2-40B4-BE49-F238E27FC236}">
+                <a16:creationId xmlns:a16="http://schemas.microsoft.com/office/drawing/2014/main" id="{E17BD26D-8635-EC3A-C2B0-92AC009E73BA}"/>
+              </a:ext>
+            </a:extLst>
+          </p:cNvPr>
+          <p:cNvSpPr txBox="1"/>
+          <p:nvPr/>
+        </p:nvSpPr>
+        <p:spPr>
+          <a:xfrm>
+            <a:off x="1782299" y="3707051"/>
+            <a:ext cx="5832834" cy="830997"/>
+          </a:xfrm>
+          <a:prstGeom prst="rect">
+            <a:avLst/>
+          </a:prstGeom>
+          <a:noFill/>
+        </p:spPr>
+        <p:txBody>
+          <a:bodyPr wrap="square" rtlCol="0">
+            <a:spAutoFit/>
+          </a:bodyPr>
+          <a:lstStyle/>
+          <a:p>
+            <a:r>
+              <a:rPr lang="zh-CN" altLang="en-US" sz="2400" b="1" dirty="0">
+                <a:solidFill>
+                  <a:schemeClr val="tx1">
+                    <a:lumMod val="65000"/>
+                    <a:lumOff val="35000"/>
+                  </a:schemeClr>
+                </a:solidFill>
+                <a:latin typeface="思源宋体 CN Heavy" panose="02020900000000000000" pitchFamily="18" charset="-122"/>
+                <a:ea typeface="思源宋体 CN Heavy" panose="02020900000000000000" pitchFamily="18" charset="-122"/>
+              </a:rPr>
+              <a:t>检测到班班通已有很长时间</a:t>
+            </a:r>
+            <a:r>
+              <a:rPr lang="zh-CN" altLang="en-US" sz="2400" b="1" dirty="0">
+                <a:gradFill flip="none" rotWithShape="1">
+                  <a:gsLst>
+                    <a:gs pos="100000">
+                      <a:srgbClr val="B320FF"/>
+                    </a:gs>
+                    <a:gs pos="44000">
+                      <a:srgbClr val="FD3F02"/>
+                    </a:gs>
+                  </a:gsLst>
+                  <a:path path="circle">
+                    <a:fillToRect r="100000" b="100000"/>
+                  </a:path>
+                  <a:tileRect l="-100000" t="-100000"/>
+                </a:gradFill>
+                <a:latin typeface="思源宋体 CN Heavy" panose="02020900000000000000" pitchFamily="18" charset="-122"/>
+                <a:ea typeface="思源宋体 CN Heavy" panose="02020900000000000000" pitchFamily="18" charset="-122"/>
+              </a:rPr>
+              <a:t>无人操作</a:t>
+            </a:r>
+            <a:r>
+              <a:rPr lang="zh-CN" altLang="en-US" sz="2400" b="1" dirty="0">
+                <a:latin typeface="思源宋体 CN Heavy" panose="02020900000000000000" pitchFamily="18" charset="-122"/>
+                <a:ea typeface="思源宋体 CN Heavy" panose="02020900000000000000" pitchFamily="18" charset="-122"/>
+              </a:rPr>
+              <a:t>。</a:t>
+            </a:r>
+            <a:endParaRPr lang="en-US" altLang="zh-CN" sz="2400" b="1" dirty="0">
+              <a:latin typeface="思源宋体 CN Heavy" panose="02020900000000000000" pitchFamily="18" charset="-122"/>
+              <a:ea typeface="思源宋体 CN Heavy" panose="02020900000000000000" pitchFamily="18" charset="-122"/>
+            </a:endParaRPr>
+          </a:p>
+          <a:p>
+            <a:r>
+              <a:rPr lang="zh-CN" altLang="en-US" sz="2400" b="1" dirty="0">
+                <a:solidFill>
+                  <a:schemeClr val="tx1">
+                    <a:lumMod val="65000"/>
+                    <a:lumOff val="35000"/>
+                  </a:schemeClr>
+                </a:solidFill>
+                <a:latin typeface="思源宋体 CN Heavy" panose="02020900000000000000" pitchFamily="18" charset="-122"/>
+                <a:ea typeface="思源宋体 CN Heavy" panose="02020900000000000000" pitchFamily="18" charset="-122"/>
+              </a:rPr>
+              <a:t>因此根据程序设定，即将</a:t>
+            </a:r>
+            <a:r>
+              <a:rPr lang="zh-CN" altLang="en-US" sz="2400" b="1" dirty="0">
+                <a:gradFill>
+                  <a:gsLst>
+                    <a:gs pos="100000">
+                      <a:srgbClr val="B320FF"/>
+                    </a:gs>
+                    <a:gs pos="44000">
+                      <a:srgbClr val="FD3F02"/>
+                    </a:gs>
+                  </a:gsLst>
+                  <a:path path="circle">
+                    <a:fillToRect r="100000" b="100000"/>
+                  </a:path>
+                </a:gradFill>
+                <a:latin typeface="思源宋体 CN Heavy" panose="02020900000000000000" pitchFamily="18" charset="-122"/>
+                <a:ea typeface="思源宋体 CN Heavy" panose="02020900000000000000" pitchFamily="18" charset="-122"/>
+              </a:rPr>
+              <a:t>启动</a:t>
+            </a:r>
+            <a:r>
+              <a:rPr lang="zh-CN" altLang="en-US" sz="2400" b="1" dirty="0">
+                <a:solidFill>
+                  <a:schemeClr val="tx1">
+                    <a:lumMod val="65000"/>
+                    <a:lumOff val="35000"/>
+                  </a:schemeClr>
+                </a:solidFill>
+                <a:latin typeface="思源宋体 CN Heavy" panose="02020900000000000000" pitchFamily="18" charset="-122"/>
+                <a:ea typeface="思源宋体 CN Heavy" panose="02020900000000000000" pitchFamily="18" charset="-122"/>
+              </a:rPr>
+              <a:t>倒计时锁屏。</a:t>
+            </a:r>
+          </a:p>
+        </p:txBody>
+      </p:sp>
     </p:spTree>
     <p:extLst>
       <p:ext uri="{BB962C8B-B14F-4D97-AF65-F5344CB8AC3E}">
